--- a/assets/CSHL_PPT_Poster_V2.pptx
+++ b/assets/CSHL_PPT_Poster_V2.pptx
@@ -119,379 +119,6 @@
     <p1510:client id="{74D3705F-D23E-574A-81CD-1A9C45B3E2A9}" v="25" dt="2024-10-09T19:06:13.956"/>
   </p1510:revLst>
 </p1510:revInfo>
-</file>
-
-<file path=ppt/changesInfos/changesInfo1.xml><?xml version="1.0" encoding="utf-8"?>
-<pc:chgInfo xmlns:a="http://schemas.openxmlformats.org/drawingml/2006/main" xmlns:r="http://schemas.openxmlformats.org/officeDocument/2006/relationships" xmlns:ac="http://schemas.microsoft.com/office/drawing/2013/main/command" xmlns:pc="http://schemas.microsoft.com/office/powerpoint/2013/main/command">
-  <pc:docChgLst>
-    <pc:chgData name="McCauley, Kathryn (NIH/NIAID) [C]" userId="8123e298-eaa7-4067-960e-8e9acda1581f" providerId="ADAL" clId="{74D3705F-D23E-574A-81CD-1A9C45B3E2A9}"/>
-    <pc:docChg chg="undo custSel modSld">
-      <pc:chgData name="McCauley, Kathryn (NIH/NIAID) [C]" userId="8123e298-eaa7-4067-960e-8e9acda1581f" providerId="ADAL" clId="{74D3705F-D23E-574A-81CD-1A9C45B3E2A9}" dt="2024-10-09T19:15:56.889" v="1436" actId="20577"/>
-      <pc:docMkLst>
-        <pc:docMk/>
-      </pc:docMkLst>
-      <pc:sldChg chg="addSp delSp modSp mod">
-        <pc:chgData name="McCauley, Kathryn (NIH/NIAID) [C]" userId="8123e298-eaa7-4067-960e-8e9acda1581f" providerId="ADAL" clId="{74D3705F-D23E-574A-81CD-1A9C45B3E2A9}" dt="2024-10-09T19:15:56.889" v="1436" actId="20577"/>
-        <pc:sldMkLst>
-          <pc:docMk/>
-          <pc:sldMk cId="1538252808" sldId="257"/>
-        </pc:sldMkLst>
-        <pc:spChg chg="mod">
-          <ac:chgData name="McCauley, Kathryn (NIH/NIAID) [C]" userId="8123e298-eaa7-4067-960e-8e9acda1581f" providerId="ADAL" clId="{74D3705F-D23E-574A-81CD-1A9C45B3E2A9}" dt="2024-10-09T19:13:27.230" v="1393" actId="1036"/>
-          <ac:spMkLst>
-            <pc:docMk/>
-            <pc:sldMk cId="1538252808" sldId="257"/>
-            <ac:spMk id="8" creationId="{A42E6847-576C-A097-CCD7-C89F13DDB2CC}"/>
-          </ac:spMkLst>
-        </pc:spChg>
-        <pc:spChg chg="mod">
-          <ac:chgData name="McCauley, Kathryn (NIH/NIAID) [C]" userId="8123e298-eaa7-4067-960e-8e9acda1581f" providerId="ADAL" clId="{74D3705F-D23E-574A-81CD-1A9C45B3E2A9}" dt="2024-10-09T19:13:04.793" v="1384" actId="113"/>
-          <ac:spMkLst>
-            <pc:docMk/>
-            <pc:sldMk cId="1538252808" sldId="257"/>
-            <ac:spMk id="13" creationId="{12DE2103-9056-398D-06A1-53754FA9056A}"/>
-          </ac:spMkLst>
-        </pc:spChg>
-        <pc:spChg chg="mod">
-          <ac:chgData name="McCauley, Kathryn (NIH/NIAID) [C]" userId="8123e298-eaa7-4067-960e-8e9acda1581f" providerId="ADAL" clId="{74D3705F-D23E-574A-81CD-1A9C45B3E2A9}" dt="2024-10-09T19:01:32.827" v="803" actId="14100"/>
-          <ac:spMkLst>
-            <pc:docMk/>
-            <pc:sldMk cId="1538252808" sldId="257"/>
-            <ac:spMk id="14" creationId="{715A4D98-06EF-78A3-8E16-B37BE73A89F9}"/>
-          </ac:spMkLst>
-        </pc:spChg>
-        <pc:spChg chg="mod">
-          <ac:chgData name="McCauley, Kathryn (NIH/NIAID) [C]" userId="8123e298-eaa7-4067-960e-8e9acda1581f" providerId="ADAL" clId="{74D3705F-D23E-574A-81CD-1A9C45B3E2A9}" dt="2024-10-09T19:09:16.277" v="1246" actId="1038"/>
-          <ac:spMkLst>
-            <pc:docMk/>
-            <pc:sldMk cId="1538252808" sldId="257"/>
-            <ac:spMk id="17" creationId="{F0AFA188-8184-D96B-8D90-BBEA543E77CC}"/>
-          </ac:spMkLst>
-        </pc:spChg>
-        <pc:spChg chg="mod">
-          <ac:chgData name="McCauley, Kathryn (NIH/NIAID) [C]" userId="8123e298-eaa7-4067-960e-8e9acda1581f" providerId="ADAL" clId="{74D3705F-D23E-574A-81CD-1A9C45B3E2A9}" dt="2024-10-09T19:08:21.537" v="1219" actId="1076"/>
-          <ac:spMkLst>
-            <pc:docMk/>
-            <pc:sldMk cId="1538252808" sldId="257"/>
-            <ac:spMk id="19" creationId="{FEEF5A29-4482-94B4-F92E-5B93C6159EDF}"/>
-          </ac:spMkLst>
-        </pc:spChg>
-        <pc:spChg chg="mod">
-          <ac:chgData name="McCauley, Kathryn (NIH/NIAID) [C]" userId="8123e298-eaa7-4067-960e-8e9acda1581f" providerId="ADAL" clId="{74D3705F-D23E-574A-81CD-1A9C45B3E2A9}" dt="2024-10-09T19:02:02.859" v="821" actId="20577"/>
-          <ac:spMkLst>
-            <pc:docMk/>
-            <pc:sldMk cId="1538252808" sldId="257"/>
-            <ac:spMk id="20" creationId="{B67C3064-F341-4016-E50C-6FA672C0AA47}"/>
-          </ac:spMkLst>
-        </pc:spChg>
-        <pc:spChg chg="mod">
-          <ac:chgData name="McCauley, Kathryn (NIH/NIAID) [C]" userId="8123e298-eaa7-4067-960e-8e9acda1581f" providerId="ADAL" clId="{74D3705F-D23E-574A-81CD-1A9C45B3E2A9}" dt="2024-10-09T19:08:10.025" v="1218" actId="20577"/>
-          <ac:spMkLst>
-            <pc:docMk/>
-            <pc:sldMk cId="1538252808" sldId="257"/>
-            <ac:spMk id="21" creationId="{1C4D0C0F-5686-3D1F-E9DF-693862ECD8EB}"/>
-          </ac:spMkLst>
-        </pc:spChg>
-        <pc:spChg chg="mod">
-          <ac:chgData name="McCauley, Kathryn (NIH/NIAID) [C]" userId="8123e298-eaa7-4067-960e-8e9acda1581f" providerId="ADAL" clId="{74D3705F-D23E-574A-81CD-1A9C45B3E2A9}" dt="2024-10-09T19:13:27.230" v="1393" actId="1036"/>
-          <ac:spMkLst>
-            <pc:docMk/>
-            <pc:sldMk cId="1538252808" sldId="257"/>
-            <ac:spMk id="22" creationId="{E78A71C4-F697-E1B8-179F-12202F810773}"/>
-          </ac:spMkLst>
-        </pc:spChg>
-        <pc:spChg chg="mod">
-          <ac:chgData name="McCauley, Kathryn (NIH/NIAID) [C]" userId="8123e298-eaa7-4067-960e-8e9acda1581f" providerId="ADAL" clId="{74D3705F-D23E-574A-81CD-1A9C45B3E2A9}" dt="2024-10-09T19:08:21.537" v="1219" actId="1076"/>
-          <ac:spMkLst>
-            <pc:docMk/>
-            <pc:sldMk cId="1538252808" sldId="257"/>
-            <ac:spMk id="23" creationId="{8781B7B8-646E-9818-0982-F969F2790B87}"/>
-          </ac:spMkLst>
-        </pc:spChg>
-        <pc:spChg chg="mod">
-          <ac:chgData name="McCauley, Kathryn (NIH/NIAID) [C]" userId="8123e298-eaa7-4067-960e-8e9acda1581f" providerId="ADAL" clId="{74D3705F-D23E-574A-81CD-1A9C45B3E2A9}" dt="2024-10-09T18:55:15.852" v="637" actId="1037"/>
-          <ac:spMkLst>
-            <pc:docMk/>
-            <pc:sldMk cId="1538252808" sldId="257"/>
-            <ac:spMk id="24" creationId="{DF6DA714-FB9D-37CD-14CE-55DA6036E72D}"/>
-          </ac:spMkLst>
-        </pc:spChg>
-        <pc:spChg chg="add mod">
-          <ac:chgData name="McCauley, Kathryn (NIH/NIAID) [C]" userId="8123e298-eaa7-4067-960e-8e9acda1581f" providerId="ADAL" clId="{74D3705F-D23E-574A-81CD-1A9C45B3E2A9}" dt="2024-10-09T18:54:14.459" v="536" actId="6549"/>
-          <ac:spMkLst>
-            <pc:docMk/>
-            <pc:sldMk cId="1538252808" sldId="257"/>
-            <ac:spMk id="27" creationId="{AF6D06C7-C979-7653-9B0E-EA0068009844}"/>
-          </ac:spMkLst>
-        </pc:spChg>
-        <pc:spChg chg="mod">
-          <ac:chgData name="McCauley, Kathryn (NIH/NIAID) [C]" userId="8123e298-eaa7-4067-960e-8e9acda1581f" providerId="ADAL" clId="{74D3705F-D23E-574A-81CD-1A9C45B3E2A9}" dt="2024-10-09T19:08:21.537" v="1219" actId="1076"/>
-          <ac:spMkLst>
-            <pc:docMk/>
-            <pc:sldMk cId="1538252808" sldId="257"/>
-            <ac:spMk id="28" creationId="{A4FDDD30-2F46-30D5-FF7C-2FF7B4DA413C}"/>
-          </ac:spMkLst>
-        </pc:spChg>
-        <pc:spChg chg="add del mod">
-          <ac:chgData name="McCauley, Kathryn (NIH/NIAID) [C]" userId="8123e298-eaa7-4067-960e-8e9acda1581f" providerId="ADAL" clId="{74D3705F-D23E-574A-81CD-1A9C45B3E2A9}" dt="2024-10-09T18:57:07.857" v="704" actId="478"/>
-          <ac:spMkLst>
-            <pc:docMk/>
-            <pc:sldMk cId="1538252808" sldId="257"/>
-            <ac:spMk id="31" creationId="{02E31B3B-576D-3926-91AC-F7E28B4EAAF2}"/>
-          </ac:spMkLst>
-        </pc:spChg>
-        <pc:spChg chg="del">
-          <ac:chgData name="McCauley, Kathryn (NIH/NIAID) [C]" userId="8123e298-eaa7-4067-960e-8e9acda1581f" providerId="ADAL" clId="{74D3705F-D23E-574A-81CD-1A9C45B3E2A9}" dt="2024-10-09T18:47:58.094" v="132" actId="478"/>
-          <ac:spMkLst>
-            <pc:docMk/>
-            <pc:sldMk cId="1538252808" sldId="257"/>
-            <ac:spMk id="34" creationId="{540C48A3-5AA3-2086-AA4D-9E49E05DB767}"/>
-          </ac:spMkLst>
-        </pc:spChg>
-        <pc:spChg chg="del mod">
-          <ac:chgData name="McCauley, Kathryn (NIH/NIAID) [C]" userId="8123e298-eaa7-4067-960e-8e9acda1581f" providerId="ADAL" clId="{74D3705F-D23E-574A-81CD-1A9C45B3E2A9}" dt="2024-10-09T18:48:33.218" v="231" actId="478"/>
-          <ac:spMkLst>
-            <pc:docMk/>
-            <pc:sldMk cId="1538252808" sldId="257"/>
-            <ac:spMk id="39" creationId="{8EBB6C99-ADDD-5855-52DE-6817FFF4F9BA}"/>
-          </ac:spMkLst>
-        </pc:spChg>
-        <pc:spChg chg="mod">
-          <ac:chgData name="McCauley, Kathryn (NIH/NIAID) [C]" userId="8123e298-eaa7-4067-960e-8e9acda1581f" providerId="ADAL" clId="{74D3705F-D23E-574A-81CD-1A9C45B3E2A9}" dt="2024-10-09T19:04:35.050" v="1024" actId="14100"/>
-          <ac:spMkLst>
-            <pc:docMk/>
-            <pc:sldMk cId="1538252808" sldId="257"/>
-            <ac:spMk id="41" creationId="{4BBB8E3F-4A02-A356-F3C5-CABCB9EA6EDB}"/>
-          </ac:spMkLst>
-        </pc:spChg>
-        <pc:spChg chg="mod">
-          <ac:chgData name="McCauley, Kathryn (NIH/NIAID) [C]" userId="8123e298-eaa7-4067-960e-8e9acda1581f" providerId="ADAL" clId="{74D3705F-D23E-574A-81CD-1A9C45B3E2A9}" dt="2024-10-09T19:03:33.597" v="877" actId="1035"/>
-          <ac:spMkLst>
-            <pc:docMk/>
-            <pc:sldMk cId="1538252808" sldId="257"/>
-            <ac:spMk id="42" creationId="{BCAA0DB4-FC20-3C3C-C6F6-FA116F205340}"/>
-          </ac:spMkLst>
-        </pc:spChg>
-        <pc:spChg chg="add mod">
-          <ac:chgData name="McCauley, Kathryn (NIH/NIAID) [C]" userId="8123e298-eaa7-4067-960e-8e9acda1581f" providerId="ADAL" clId="{74D3705F-D23E-574A-81CD-1A9C45B3E2A9}" dt="2024-10-09T18:57:11.820" v="708" actId="2711"/>
-          <ac:spMkLst>
-            <pc:docMk/>
-            <pc:sldMk cId="1538252808" sldId="257"/>
-            <ac:spMk id="44" creationId="{4555B48F-E707-2CC5-4371-A410C0219888}"/>
-          </ac:spMkLst>
-        </pc:spChg>
-        <pc:spChg chg="mod">
-          <ac:chgData name="McCauley, Kathryn (NIH/NIAID) [C]" userId="8123e298-eaa7-4067-960e-8e9acda1581f" providerId="ADAL" clId="{74D3705F-D23E-574A-81CD-1A9C45B3E2A9}" dt="2024-10-09T19:13:27.230" v="1393" actId="1036"/>
-          <ac:spMkLst>
-            <pc:docMk/>
-            <pc:sldMk cId="1538252808" sldId="257"/>
-            <ac:spMk id="46" creationId="{1F5AA803-EB7B-4D90-1F1E-4CE8BA1AA2ED}"/>
-          </ac:spMkLst>
-        </pc:spChg>
-        <pc:spChg chg="mod">
-          <ac:chgData name="McCauley, Kathryn (NIH/NIAID) [C]" userId="8123e298-eaa7-4067-960e-8e9acda1581f" providerId="ADAL" clId="{74D3705F-D23E-574A-81CD-1A9C45B3E2A9}" dt="2024-10-09T19:14:56.421" v="1416" actId="113"/>
-          <ac:spMkLst>
-            <pc:docMk/>
-            <pc:sldMk cId="1538252808" sldId="257"/>
-            <ac:spMk id="49" creationId="{3D46B2F8-A0E3-F28C-D9A1-7CC6D3A5354B}"/>
-          </ac:spMkLst>
-        </pc:spChg>
-        <pc:spChg chg="mod">
-          <ac:chgData name="McCauley, Kathryn (NIH/NIAID) [C]" userId="8123e298-eaa7-4067-960e-8e9acda1581f" providerId="ADAL" clId="{74D3705F-D23E-574A-81CD-1A9C45B3E2A9}" dt="2024-10-09T19:14:47.709" v="1415" actId="113"/>
-          <ac:spMkLst>
-            <pc:docMk/>
-            <pc:sldMk cId="1538252808" sldId="257"/>
-            <ac:spMk id="50" creationId="{6EE87C16-53E2-2584-DE87-D931ED486B03}"/>
-          </ac:spMkLst>
-        </pc:spChg>
-        <pc:spChg chg="add del mod">
-          <ac:chgData name="McCauley, Kathryn (NIH/NIAID) [C]" userId="8123e298-eaa7-4067-960e-8e9acda1581f" providerId="ADAL" clId="{74D3705F-D23E-574A-81CD-1A9C45B3E2A9}" dt="2024-10-09T19:06:58.968" v="1172" actId="14100"/>
-          <ac:spMkLst>
-            <pc:docMk/>
-            <pc:sldMk cId="1538252808" sldId="257"/>
-            <ac:spMk id="1026" creationId="{CBB40510-E8B7-5137-BAB9-53AE83D04521}"/>
-          </ac:spMkLst>
-        </pc:spChg>
-        <pc:spChg chg="add mod">
-          <ac:chgData name="McCauley, Kathryn (NIH/NIAID) [C]" userId="8123e298-eaa7-4067-960e-8e9acda1581f" providerId="ADAL" clId="{74D3705F-D23E-574A-81CD-1A9C45B3E2A9}" dt="2024-10-09T18:57:07.557" v="703" actId="1076"/>
-          <ac:spMkLst>
-            <pc:docMk/>
-            <pc:sldMk cId="1538252808" sldId="257"/>
-            <ac:spMk id="1027" creationId="{09AE2392-D271-D16B-DF43-EEBB60203367}"/>
-          </ac:spMkLst>
-        </pc:spChg>
-        <pc:spChg chg="add mod">
-          <ac:chgData name="McCauley, Kathryn (NIH/NIAID) [C]" userId="8123e298-eaa7-4067-960e-8e9acda1581f" providerId="ADAL" clId="{74D3705F-D23E-574A-81CD-1A9C45B3E2A9}" dt="2024-10-09T18:58:38.562" v="764" actId="1036"/>
-          <ac:spMkLst>
-            <pc:docMk/>
-            <pc:sldMk cId="1538252808" sldId="257"/>
-            <ac:spMk id="1035" creationId="{5D827B31-5A00-EAC3-DCDC-550751E940A0}"/>
-          </ac:spMkLst>
-        </pc:spChg>
-        <pc:spChg chg="mod">
-          <ac:chgData name="McCauley, Kathryn (NIH/NIAID) [C]" userId="8123e298-eaa7-4067-960e-8e9acda1581f" providerId="ADAL" clId="{74D3705F-D23E-574A-81CD-1A9C45B3E2A9}" dt="2024-10-09T18:51:36.574" v="498" actId="1035"/>
-          <ac:spMkLst>
-            <pc:docMk/>
-            <pc:sldMk cId="1538252808" sldId="257"/>
-            <ac:spMk id="1038" creationId="{FDFE1342-A66D-039B-B5AA-CE54206239DC}"/>
-          </ac:spMkLst>
-        </pc:spChg>
-        <pc:spChg chg="mod">
-          <ac:chgData name="McCauley, Kathryn (NIH/NIAID) [C]" userId="8123e298-eaa7-4067-960e-8e9acda1581f" providerId="ADAL" clId="{74D3705F-D23E-574A-81CD-1A9C45B3E2A9}" dt="2024-10-09T18:59:37.452" v="768" actId="207"/>
-          <ac:spMkLst>
-            <pc:docMk/>
-            <pc:sldMk cId="1538252808" sldId="257"/>
-            <ac:spMk id="1042" creationId="{A8BA2A78-B362-A075-4EDE-B3898128443F}"/>
-          </ac:spMkLst>
-        </pc:spChg>
-        <pc:spChg chg="mod">
-          <ac:chgData name="McCauley, Kathryn (NIH/NIAID) [C]" userId="8123e298-eaa7-4067-960e-8e9acda1581f" providerId="ADAL" clId="{74D3705F-D23E-574A-81CD-1A9C45B3E2A9}" dt="2024-10-09T18:59:37.452" v="768" actId="207"/>
-          <ac:spMkLst>
-            <pc:docMk/>
-            <pc:sldMk cId="1538252808" sldId="257"/>
-            <ac:spMk id="1043" creationId="{504A633B-5EAE-BE71-18B7-57FAEDE0B009}"/>
-          </ac:spMkLst>
-        </pc:spChg>
-        <pc:spChg chg="mod">
-          <ac:chgData name="McCauley, Kathryn (NIH/NIAID) [C]" userId="8123e298-eaa7-4067-960e-8e9acda1581f" providerId="ADAL" clId="{74D3705F-D23E-574A-81CD-1A9C45B3E2A9}" dt="2024-10-09T18:43:14.706" v="30" actId="20577"/>
-          <ac:spMkLst>
-            <pc:docMk/>
-            <pc:sldMk cId="1538252808" sldId="257"/>
-            <ac:spMk id="1049" creationId="{F5CEAACC-EC81-B1F4-D272-FAD40BB8C1B5}"/>
-          </ac:spMkLst>
-        </pc:spChg>
-        <pc:spChg chg="mod">
-          <ac:chgData name="McCauley, Kathryn (NIH/NIAID) [C]" userId="8123e298-eaa7-4067-960e-8e9acda1581f" providerId="ADAL" clId="{74D3705F-D23E-574A-81CD-1A9C45B3E2A9}" dt="2024-10-09T19:15:56.889" v="1436" actId="20577"/>
-          <ac:spMkLst>
-            <pc:docMk/>
-            <pc:sldMk cId="1538252808" sldId="257"/>
-            <ac:spMk id="1057" creationId="{31CE9A01-ECF3-3B21-723C-0AA742AAE434}"/>
-          </ac:spMkLst>
-        </pc:spChg>
-        <pc:spChg chg="mod">
-          <ac:chgData name="McCauley, Kathryn (NIH/NIAID) [C]" userId="8123e298-eaa7-4067-960e-8e9acda1581f" providerId="ADAL" clId="{74D3705F-D23E-574A-81CD-1A9C45B3E2A9}" dt="2024-10-09T18:58:34.730" v="763" actId="166"/>
-          <ac:spMkLst>
-            <pc:docMk/>
-            <pc:sldMk cId="1538252808" sldId="257"/>
-            <ac:spMk id="1058" creationId="{FB0E8DB1-25FA-A254-68F2-936406C7F8E4}"/>
-          </ac:spMkLst>
-        </pc:spChg>
-        <pc:spChg chg="mod">
-          <ac:chgData name="McCauley, Kathryn (NIH/NIAID) [C]" userId="8123e298-eaa7-4067-960e-8e9acda1581f" providerId="ADAL" clId="{74D3705F-D23E-574A-81CD-1A9C45B3E2A9}" dt="2024-10-09T19:08:21.537" v="1219" actId="1076"/>
-          <ac:spMkLst>
-            <pc:docMk/>
-            <pc:sldMk cId="1538252808" sldId="257"/>
-            <ac:spMk id="1065" creationId="{DA6F340A-EDF3-636C-B0C9-DFDD5BBED8F6}"/>
-          </ac:spMkLst>
-        </pc:spChg>
-        <pc:spChg chg="del">
-          <ac:chgData name="McCauley, Kathryn (NIH/NIAID) [C]" userId="8123e298-eaa7-4067-960e-8e9acda1581f" providerId="ADAL" clId="{74D3705F-D23E-574A-81CD-1A9C45B3E2A9}" dt="2024-10-09T18:49:05.663" v="267" actId="478"/>
-          <ac:spMkLst>
-            <pc:docMk/>
-            <pc:sldMk cId="1538252808" sldId="257"/>
-            <ac:spMk id="1067" creationId="{3C7E23B1-2DEE-3B61-7B04-0E8ED69E31EA}"/>
-          </ac:spMkLst>
-        </pc:spChg>
-        <pc:spChg chg="del">
-          <ac:chgData name="McCauley, Kathryn (NIH/NIAID) [C]" userId="8123e298-eaa7-4067-960e-8e9acda1581f" providerId="ADAL" clId="{74D3705F-D23E-574A-81CD-1A9C45B3E2A9}" dt="2024-10-09T18:44:58.918" v="34" actId="478"/>
-          <ac:spMkLst>
-            <pc:docMk/>
-            <pc:sldMk cId="1538252808" sldId="257"/>
-            <ac:spMk id="1069" creationId="{AD7ABC59-1F41-A32C-5654-7BDC319ED80C}"/>
-          </ac:spMkLst>
-        </pc:spChg>
-        <pc:spChg chg="mod">
-          <ac:chgData name="McCauley, Kathryn (NIH/NIAID) [C]" userId="8123e298-eaa7-4067-960e-8e9acda1581f" providerId="ADAL" clId="{74D3705F-D23E-574A-81CD-1A9C45B3E2A9}" dt="2024-10-09T19:08:43.219" v="1221" actId="1076"/>
-          <ac:spMkLst>
-            <pc:docMk/>
-            <pc:sldMk cId="1538252808" sldId="257"/>
-            <ac:spMk id="1084" creationId="{8F2D0482-62F7-5F76-3845-419B31A811D6}"/>
-          </ac:spMkLst>
-        </pc:spChg>
-        <pc:grpChg chg="mod">
-          <ac:chgData name="McCauley, Kathryn (NIH/NIAID) [C]" userId="8123e298-eaa7-4067-960e-8e9acda1581f" providerId="ADAL" clId="{74D3705F-D23E-574A-81CD-1A9C45B3E2A9}" dt="2024-10-09T18:59:37.452" v="768" actId="207"/>
-          <ac:grpSpMkLst>
-            <pc:docMk/>
-            <pc:sldMk cId="1538252808" sldId="257"/>
-            <ac:grpSpMk id="1044" creationId="{8A150E4E-5ED8-A5ED-BF2B-D8219901B0A1}"/>
-          </ac:grpSpMkLst>
-        </pc:grpChg>
-        <pc:picChg chg="add mod">
-          <ac:chgData name="McCauley, Kathryn (NIH/NIAID) [C]" userId="8123e298-eaa7-4067-960e-8e9acda1581f" providerId="ADAL" clId="{74D3705F-D23E-574A-81CD-1A9C45B3E2A9}" dt="2024-10-09T19:08:51.464" v="1232" actId="1035"/>
-          <ac:picMkLst>
-            <pc:docMk/>
-            <pc:sldMk cId="1538252808" sldId="257"/>
-            <ac:picMk id="4" creationId="{204CC11C-0002-7DC7-75C5-EF7392433A44}"/>
-          </ac:picMkLst>
-        </pc:picChg>
-        <pc:picChg chg="del">
-          <ac:chgData name="McCauley, Kathryn (NIH/NIAID) [C]" userId="8123e298-eaa7-4067-960e-8e9acda1581f" providerId="ADAL" clId="{74D3705F-D23E-574A-81CD-1A9C45B3E2A9}" dt="2024-10-09T18:47:59.531" v="133" actId="478"/>
-          <ac:picMkLst>
-            <pc:docMk/>
-            <pc:sldMk cId="1538252808" sldId="257"/>
-            <ac:picMk id="33" creationId="{E7741049-D82C-E140-9084-23CAC2283B13}"/>
-          </ac:picMkLst>
-        </pc:picChg>
-        <pc:picChg chg="del">
-          <ac:chgData name="McCauley, Kathryn (NIH/NIAID) [C]" userId="8123e298-eaa7-4067-960e-8e9acda1581f" providerId="ADAL" clId="{74D3705F-D23E-574A-81CD-1A9C45B3E2A9}" dt="2024-10-09T18:45:00.546" v="35" actId="478"/>
-          <ac:picMkLst>
-            <pc:docMk/>
-            <pc:sldMk cId="1538252808" sldId="257"/>
-            <ac:picMk id="38" creationId="{04DAFCF1-AF55-3FB6-20F3-5C42229C61D7}"/>
-          </ac:picMkLst>
-        </pc:picChg>
-        <pc:picChg chg="add del mod">
-          <ac:chgData name="McCauley, Kathryn (NIH/NIAID) [C]" userId="8123e298-eaa7-4067-960e-8e9acda1581f" providerId="ADAL" clId="{74D3705F-D23E-574A-81CD-1A9C45B3E2A9}" dt="2024-10-09T19:05:56.196" v="1035" actId="1076"/>
-          <ac:picMkLst>
-            <pc:docMk/>
-            <pc:sldMk cId="1538252808" sldId="257"/>
-            <ac:picMk id="1024" creationId="{79802014-D1AC-7256-DFE2-DCBC10F1521D}"/>
-          </ac:picMkLst>
-        </pc:picChg>
-        <pc:picChg chg="mod">
-          <ac:chgData name="McCauley, Kathryn (NIH/NIAID) [C]" userId="8123e298-eaa7-4067-960e-8e9acda1581f" providerId="ADAL" clId="{74D3705F-D23E-574A-81CD-1A9C45B3E2A9}" dt="2024-10-09T19:09:08.588" v="1233" actId="1076"/>
-          <ac:picMkLst>
-            <pc:docMk/>
-            <pc:sldMk cId="1538252808" sldId="257"/>
-            <ac:picMk id="1036" creationId="{712ECF84-C491-F649-6C6B-ADCB9AA57F59}"/>
-          </ac:picMkLst>
-        </pc:picChg>
-        <pc:picChg chg="add mod">
-          <ac:chgData name="McCauley, Kathryn (NIH/NIAID) [C]" userId="8123e298-eaa7-4067-960e-8e9acda1581f" providerId="ADAL" clId="{74D3705F-D23E-574A-81CD-1A9C45B3E2A9}" dt="2024-10-09T19:06:13.956" v="1038" actId="14100"/>
-          <ac:picMkLst>
-            <pc:docMk/>
-            <pc:sldMk cId="1538252808" sldId="257"/>
-            <ac:picMk id="1037" creationId="{32594F86-70B8-8039-3C3E-0D83EEFC604E}"/>
-          </ac:picMkLst>
-        </pc:picChg>
-        <pc:picChg chg="mod">
-          <ac:chgData name="McCauley, Kathryn (NIH/NIAID) [C]" userId="8123e298-eaa7-4067-960e-8e9acda1581f" providerId="ADAL" clId="{74D3705F-D23E-574A-81CD-1A9C45B3E2A9}" dt="2024-10-09T19:02:56.952" v="832" actId="1076"/>
-          <ac:picMkLst>
-            <pc:docMk/>
-            <pc:sldMk cId="1538252808" sldId="257"/>
-            <ac:picMk id="3078" creationId="{E30F5DAB-C139-E5A0-8D02-C0B111865725}"/>
-          </ac:picMkLst>
-        </pc:picChg>
-        <pc:cxnChg chg="mod">
-          <ac:chgData name="McCauley, Kathryn (NIH/NIAID) [C]" userId="8123e298-eaa7-4067-960e-8e9acda1581f" providerId="ADAL" clId="{74D3705F-D23E-574A-81CD-1A9C45B3E2A9}" dt="2024-10-09T18:51:36.574" v="498" actId="1035"/>
-          <ac:cxnSpMkLst>
-            <pc:docMk/>
-            <pc:sldMk cId="1538252808" sldId="257"/>
-            <ac:cxnSpMk id="12" creationId="{321A45FA-4B8E-8776-A3D7-3C7964632CF7}"/>
-          </ac:cxnSpMkLst>
-        </pc:cxnChg>
-        <pc:cxnChg chg="mod">
-          <ac:chgData name="McCauley, Kathryn (NIH/NIAID) [C]" userId="8123e298-eaa7-4067-960e-8e9acda1581f" providerId="ADAL" clId="{74D3705F-D23E-574A-81CD-1A9C45B3E2A9}" dt="2024-10-09T18:51:36.574" v="498" actId="1035"/>
-          <ac:cxnSpMkLst>
-            <pc:docMk/>
-            <pc:sldMk cId="1538252808" sldId="257"/>
-            <ac:cxnSpMk id="18" creationId="{393372E4-5F20-13A1-F526-21CB67EE5E2F}"/>
-          </ac:cxnSpMkLst>
-        </pc:cxnChg>
-      </pc:sldChg>
-    </pc:docChg>
-  </pc:docChgLst>
-</pc:chgInfo>
 </file>
 
 <file path=ppt/slideLayouts/slideLayout1.xml><?xml version="1.0" encoding="utf-8"?>
@@ -7021,23 +6648,7 @@
                 <a:ea typeface="Roboto" panose="02000000000000000000" pitchFamily="2" charset="0"/>
                 <a:cs typeface="Roboto" panose="02000000000000000000" pitchFamily="2" charset="0"/>
               </a:rPr>
-              <a:t>(A</a:t>
-            </a:r>
-            <a:r>
-              <a:rPr lang="en-US" sz="1600">
-                <a:latin typeface="Roboto" panose="02000000000000000000" pitchFamily="2" charset="0"/>
-                <a:ea typeface="Roboto" panose="02000000000000000000" pitchFamily="2" charset="0"/>
-                <a:cs typeface="Roboto" panose="02000000000000000000" pitchFamily="2" charset="0"/>
-              </a:rPr>
-              <a:t>) PI-ME</a:t>
-            </a:r>
-            <a:r>
-              <a:rPr lang="en-US" sz="1600" dirty="0">
-                <a:latin typeface="Roboto" panose="02000000000000000000" pitchFamily="2" charset="0"/>
-                <a:ea typeface="Roboto" panose="02000000000000000000" pitchFamily="2" charset="0"/>
-                <a:cs typeface="Roboto" panose="02000000000000000000" pitchFamily="2" charset="0"/>
-              </a:rPr>
-              <a:t>/CFS gut microbiota exhibits reduced richness but not diversity. (B) The IgG-negative fraction has reduced richness and diversity compared to the Pre-sort and IgG-Positive fractions (c) This difference occurs in a condition specific manner across all three fractions. (d) Microbiota composition between PI-ME/CFS and HV is distinct. (e) Canberra composition of all three fractions, linking within-subject samples. (f) IgG Negative fractions are compositionally-distinct from Pre-sort and IgG-Positive fractions, with no difference between PI-ME/CFS and HV.</a:t>
+              <a:t>(A) PI-ME/CFS gut microbiota exhibits reduced richness but not diversity. (B) The IgG-negative fraction has reduced richness and diversity compared to the Pre-sort and IgG-Positive fractions (c) This difference occurs in a condition specific manner across all three fractions. (d) Microbiota composition between PI-ME/CFS and HV is distinct. (e) Canberra composition of all three fractions, linking within-subject samples. (f) IgG Negative fractions are compositionally-distinct from Pre-sort and IgG-Positive fractions, with no difference between PI-ME/CFS and HV.</a:t>
             </a:r>
           </a:p>
         </p:txBody>

--- a/assets/CSHL_PPT_Poster_V2.pptx
+++ b/assets/CSHL_PPT_Poster_V2.pptx
@@ -115,10 +115,262 @@
 <file path=ppt/revisionInfo.xml><?xml version="1.0" encoding="utf-8"?>
 <p1510:revInfo xmlns:a="http://schemas.openxmlformats.org/drawingml/2006/main" xmlns:r="http://schemas.openxmlformats.org/officeDocument/2006/relationships" xmlns:p1510="http://schemas.microsoft.com/office/powerpoint/2015/10/main">
   <p1510:revLst>
-    <p1510:client id="{5AE76646-08D4-464D-814A-33706E6B22BC}" v="767" dt="2024-10-08T21:09:17.281"/>
-    <p1510:client id="{74D3705F-D23E-574A-81CD-1A9C45B3E2A9}" v="25" dt="2024-10-09T19:06:13.956"/>
+    <p1510:client id="{0C402FB5-1208-C94F-B091-6134B46BEC84}" v="18" dt="2024-10-10T21:56:04.701"/>
   </p1510:revLst>
 </p1510:revInfo>
+</file>
+
+<file path=ppt/changesInfos/changesInfo1.xml><?xml version="1.0" encoding="utf-8"?>
+<pc:chgInfo xmlns:a="http://schemas.openxmlformats.org/drawingml/2006/main" xmlns:r="http://schemas.openxmlformats.org/officeDocument/2006/relationships" xmlns:ac="http://schemas.microsoft.com/office/drawing/2013/main/command" xmlns:pc="http://schemas.microsoft.com/office/powerpoint/2013/main/command">
+  <pc:docChgLst>
+    <pc:chgData name="McCauley, Kathryn (NIH/NIAID) [C]" userId="8123e298-eaa7-4067-960e-8e9acda1581f" providerId="ADAL" clId="{0C402FB5-1208-C94F-B091-6134B46BEC84}"/>
+    <pc:docChg chg="undo custSel modSld">
+      <pc:chgData name="McCauley, Kathryn (NIH/NIAID) [C]" userId="8123e298-eaa7-4067-960e-8e9acda1581f" providerId="ADAL" clId="{0C402FB5-1208-C94F-B091-6134B46BEC84}" dt="2024-10-10T21:59:03.342" v="1174" actId="20577"/>
+      <pc:docMkLst>
+        <pc:docMk/>
+      </pc:docMkLst>
+      <pc:sldChg chg="addSp modSp mod">
+        <pc:chgData name="McCauley, Kathryn (NIH/NIAID) [C]" userId="8123e298-eaa7-4067-960e-8e9acda1581f" providerId="ADAL" clId="{0C402FB5-1208-C94F-B091-6134B46BEC84}" dt="2024-10-10T21:59:03.342" v="1174" actId="20577"/>
+        <pc:sldMkLst>
+          <pc:docMk/>
+          <pc:sldMk cId="1538252808" sldId="257"/>
+        </pc:sldMkLst>
+        <pc:spChg chg="add mod">
+          <ac:chgData name="McCauley, Kathryn (NIH/NIAID) [C]" userId="8123e298-eaa7-4067-960e-8e9acda1581f" providerId="ADAL" clId="{0C402FB5-1208-C94F-B091-6134B46BEC84}" dt="2024-10-10T21:43:21.070" v="526" actId="20577"/>
+          <ac:spMkLst>
+            <pc:docMk/>
+            <pc:sldMk cId="1538252808" sldId="257"/>
+            <ac:spMk id="3" creationId="{2F1BB749-BE6B-7121-DDEC-86CBB96B86A4}"/>
+          </ac:spMkLst>
+        </pc:spChg>
+        <pc:spChg chg="mod">
+          <ac:chgData name="McCauley, Kathryn (NIH/NIAID) [C]" userId="8123e298-eaa7-4067-960e-8e9acda1581f" providerId="ADAL" clId="{0C402FB5-1208-C94F-B091-6134B46BEC84}" dt="2024-10-10T21:08:09.377" v="13" actId="20577"/>
+          <ac:spMkLst>
+            <pc:docMk/>
+            <pc:sldMk cId="1538252808" sldId="257"/>
+            <ac:spMk id="5" creationId="{F05E9AA4-4C73-6C18-EA6F-DED383352859}"/>
+          </ac:spMkLst>
+        </pc:spChg>
+        <pc:spChg chg="add mod">
+          <ac:chgData name="McCauley, Kathryn (NIH/NIAID) [C]" userId="8123e298-eaa7-4067-960e-8e9acda1581f" providerId="ADAL" clId="{0C402FB5-1208-C94F-B091-6134B46BEC84}" dt="2024-10-10T21:45:58.435" v="763" actId="1038"/>
+          <ac:spMkLst>
+            <pc:docMk/>
+            <pc:sldMk cId="1538252808" sldId="257"/>
+            <ac:spMk id="10" creationId="{3FF8500E-F020-B67B-B2EC-6E060C812A30}"/>
+          </ac:spMkLst>
+        </pc:spChg>
+        <pc:spChg chg="mod">
+          <ac:chgData name="McCauley, Kathryn (NIH/NIAID) [C]" userId="8123e298-eaa7-4067-960e-8e9acda1581f" providerId="ADAL" clId="{0C402FB5-1208-C94F-B091-6134B46BEC84}" dt="2024-10-10T21:59:03.342" v="1174" actId="20577"/>
+          <ac:spMkLst>
+            <pc:docMk/>
+            <pc:sldMk cId="1538252808" sldId="257"/>
+            <ac:spMk id="13" creationId="{12DE2103-9056-398D-06A1-53754FA9056A}"/>
+          </ac:spMkLst>
+        </pc:spChg>
+        <pc:spChg chg="mod">
+          <ac:chgData name="McCauley, Kathryn (NIH/NIAID) [C]" userId="8123e298-eaa7-4067-960e-8e9acda1581f" providerId="ADAL" clId="{0C402FB5-1208-C94F-B091-6134B46BEC84}" dt="2024-10-10T21:44:20.067" v="727" actId="20577"/>
+          <ac:spMkLst>
+            <pc:docMk/>
+            <pc:sldMk cId="1538252808" sldId="257"/>
+            <ac:spMk id="22" creationId="{E78A71C4-F697-E1B8-179F-12202F810773}"/>
+          </ac:spMkLst>
+        </pc:spChg>
+        <pc:spChg chg="add mod">
+          <ac:chgData name="McCauley, Kathryn (NIH/NIAID) [C]" userId="8123e298-eaa7-4067-960e-8e9acda1581f" providerId="ADAL" clId="{0C402FB5-1208-C94F-B091-6134B46BEC84}" dt="2024-10-10T21:46:05.301" v="764" actId="14100"/>
+          <ac:spMkLst>
+            <pc:docMk/>
+            <pc:sldMk cId="1538252808" sldId="257"/>
+            <ac:spMk id="33" creationId="{C7A041FC-2FE3-CE2D-62AA-8623BDF14518}"/>
+          </ac:spMkLst>
+        </pc:spChg>
+        <pc:spChg chg="add mod">
+          <ac:chgData name="McCauley, Kathryn (NIH/NIAID) [C]" userId="8123e298-eaa7-4067-960e-8e9acda1581f" providerId="ADAL" clId="{0C402FB5-1208-C94F-B091-6134B46BEC84}" dt="2024-10-10T21:46:19.843" v="772" actId="1035"/>
+          <ac:spMkLst>
+            <pc:docMk/>
+            <pc:sldMk cId="1538252808" sldId="257"/>
+            <ac:spMk id="34" creationId="{6323F439-FCC2-49B2-CFD7-A85F32D5A215}"/>
+          </ac:spMkLst>
+        </pc:spChg>
+        <pc:spChg chg="mod">
+          <ac:chgData name="McCauley, Kathryn (NIH/NIAID) [C]" userId="8123e298-eaa7-4067-960e-8e9acda1581f" providerId="ADAL" clId="{0C402FB5-1208-C94F-B091-6134B46BEC84}" dt="2024-10-10T21:18:59.036" v="48" actId="1035"/>
+          <ac:spMkLst>
+            <pc:docMk/>
+            <pc:sldMk cId="1538252808" sldId="257"/>
+            <ac:spMk id="36" creationId="{76E20482-2063-F529-A2BF-8427E2412B0A}"/>
+          </ac:spMkLst>
+        </pc:spChg>
+        <pc:spChg chg="add mod">
+          <ac:chgData name="McCauley, Kathryn (NIH/NIAID) [C]" userId="8123e298-eaa7-4067-960e-8e9acda1581f" providerId="ADAL" clId="{0C402FB5-1208-C94F-B091-6134B46BEC84}" dt="2024-10-10T21:46:30.307" v="774" actId="1076"/>
+          <ac:spMkLst>
+            <pc:docMk/>
+            <pc:sldMk cId="1538252808" sldId="257"/>
+            <ac:spMk id="38" creationId="{77A4B0E6-B56D-0044-B34A-AC97ED2A9663}"/>
+          </ac:spMkLst>
+        </pc:spChg>
+        <pc:spChg chg="add mod">
+          <ac:chgData name="McCauley, Kathryn (NIH/NIAID) [C]" userId="8123e298-eaa7-4067-960e-8e9acda1581f" providerId="ADAL" clId="{0C402FB5-1208-C94F-B091-6134B46BEC84}" dt="2024-10-10T21:46:40.577" v="776" actId="1076"/>
+          <ac:spMkLst>
+            <pc:docMk/>
+            <pc:sldMk cId="1538252808" sldId="257"/>
+            <ac:spMk id="39" creationId="{C0C8D7DD-FCDF-51E8-1DC6-86BAB9D025FA}"/>
+          </ac:spMkLst>
+        </pc:spChg>
+        <pc:spChg chg="mod">
+          <ac:chgData name="McCauley, Kathryn (NIH/NIAID) [C]" userId="8123e298-eaa7-4067-960e-8e9acda1581f" providerId="ADAL" clId="{0C402FB5-1208-C94F-B091-6134B46BEC84}" dt="2024-10-10T21:44:26.241" v="742" actId="1035"/>
+          <ac:spMkLst>
+            <pc:docMk/>
+            <pc:sldMk cId="1538252808" sldId="257"/>
+            <ac:spMk id="46" creationId="{1F5AA803-EB7B-4D90-1F1E-4CE8BA1AA2ED}"/>
+          </ac:spMkLst>
+        </pc:spChg>
+        <pc:spChg chg="add mod">
+          <ac:chgData name="McCauley, Kathryn (NIH/NIAID) [C]" userId="8123e298-eaa7-4067-960e-8e9acda1581f" providerId="ADAL" clId="{0C402FB5-1208-C94F-B091-6134B46BEC84}" dt="2024-10-10T21:46:47.761" v="783" actId="1038"/>
+          <ac:spMkLst>
+            <pc:docMk/>
+            <pc:sldMk cId="1538252808" sldId="257"/>
+            <ac:spMk id="1027" creationId="{6D84AA70-7A19-5F38-4C65-59C97ECD91C2}"/>
+          </ac:spMkLst>
+        </pc:spChg>
+        <pc:spChg chg="mod">
+          <ac:chgData name="McCauley, Kathryn (NIH/NIAID) [C]" userId="8123e298-eaa7-4067-960e-8e9acda1581f" providerId="ADAL" clId="{0C402FB5-1208-C94F-B091-6134B46BEC84}" dt="2024-10-10T21:24:23.539" v="62" actId="1037"/>
+          <ac:spMkLst>
+            <pc:docMk/>
+            <pc:sldMk cId="1538252808" sldId="257"/>
+            <ac:spMk id="1030" creationId="{04C874F6-88B8-AEC9-0831-AE90BD572DB4}"/>
+          </ac:spMkLst>
+        </pc:spChg>
+        <pc:spChg chg="add mod">
+          <ac:chgData name="McCauley, Kathryn (NIH/NIAID) [C]" userId="8123e298-eaa7-4067-960e-8e9acda1581f" providerId="ADAL" clId="{0C402FB5-1208-C94F-B091-6134B46BEC84}" dt="2024-10-10T21:47:08.680" v="804" actId="1038"/>
+          <ac:spMkLst>
+            <pc:docMk/>
+            <pc:sldMk cId="1538252808" sldId="257"/>
+            <ac:spMk id="1048" creationId="{3EB4E4F8-EFCF-08A2-E73C-39653C392458}"/>
+          </ac:spMkLst>
+        </pc:spChg>
+        <pc:spChg chg="add mod">
+          <ac:chgData name="McCauley, Kathryn (NIH/NIAID) [C]" userId="8123e298-eaa7-4067-960e-8e9acda1581f" providerId="ADAL" clId="{0C402FB5-1208-C94F-B091-6134B46BEC84}" dt="2024-10-10T21:47:22.929" v="812" actId="1035"/>
+          <ac:spMkLst>
+            <pc:docMk/>
+            <pc:sldMk cId="1538252808" sldId="257"/>
+            <ac:spMk id="1050" creationId="{D9B59387-48BA-F9E3-44E2-7AE6D32AF625}"/>
+          </ac:spMkLst>
+        </pc:spChg>
+        <pc:spChg chg="add mod">
+          <ac:chgData name="McCauley, Kathryn (NIH/NIAID) [C]" userId="8123e298-eaa7-4067-960e-8e9acda1581f" providerId="ADAL" clId="{0C402FB5-1208-C94F-B091-6134B46BEC84}" dt="2024-10-10T21:47:55.823" v="819" actId="1037"/>
+          <ac:spMkLst>
+            <pc:docMk/>
+            <pc:sldMk cId="1538252808" sldId="257"/>
+            <ac:spMk id="1051" creationId="{97A51752-AD5A-0665-C487-A1800E9AC317}"/>
+          </ac:spMkLst>
+        </pc:spChg>
+        <pc:spChg chg="add mod">
+          <ac:chgData name="McCauley, Kathryn (NIH/NIAID) [C]" userId="8123e298-eaa7-4067-960e-8e9acda1581f" providerId="ADAL" clId="{0C402FB5-1208-C94F-B091-6134B46BEC84}" dt="2024-10-10T21:48:08.155" v="827" actId="1038"/>
+          <ac:spMkLst>
+            <pc:docMk/>
+            <pc:sldMk cId="1538252808" sldId="257"/>
+            <ac:spMk id="1052" creationId="{94033C18-6A72-AC41-3368-2E4B5A8C1E96}"/>
+          </ac:spMkLst>
+        </pc:spChg>
+        <pc:spChg chg="add mod">
+          <ac:chgData name="McCauley, Kathryn (NIH/NIAID) [C]" userId="8123e298-eaa7-4067-960e-8e9acda1581f" providerId="ADAL" clId="{0C402FB5-1208-C94F-B091-6134B46BEC84}" dt="2024-10-10T21:49:14.823" v="836" actId="1038"/>
+          <ac:spMkLst>
+            <pc:docMk/>
+            <pc:sldMk cId="1538252808" sldId="257"/>
+            <ac:spMk id="1054" creationId="{29F0411E-5C50-7F39-8AFA-B8673F40CCDF}"/>
+          </ac:spMkLst>
+        </pc:spChg>
+        <pc:spChg chg="mod">
+          <ac:chgData name="McCauley, Kathryn (NIH/NIAID) [C]" userId="8123e298-eaa7-4067-960e-8e9acda1581f" providerId="ADAL" clId="{0C402FB5-1208-C94F-B091-6134B46BEC84}" dt="2024-10-10T21:58:13.878" v="1148" actId="1076"/>
+          <ac:spMkLst>
+            <pc:docMk/>
+            <pc:sldMk cId="1538252808" sldId="257"/>
+            <ac:spMk id="1057" creationId="{31CE9A01-ECF3-3B21-723C-0AA742AAE434}"/>
+          </ac:spMkLst>
+        </pc:spChg>
+        <pc:spChg chg="mod">
+          <ac:chgData name="McCauley, Kathryn (NIH/NIAID) [C]" userId="8123e298-eaa7-4067-960e-8e9acda1581f" providerId="ADAL" clId="{0C402FB5-1208-C94F-B091-6134B46BEC84}" dt="2024-10-10T21:58:29.545" v="1154" actId="20577"/>
+          <ac:spMkLst>
+            <pc:docMk/>
+            <pc:sldMk cId="1538252808" sldId="257"/>
+            <ac:spMk id="1058" creationId="{FB0E8DB1-25FA-A254-68F2-936406C7F8E4}"/>
+          </ac:spMkLst>
+        </pc:spChg>
+        <pc:spChg chg="add mod">
+          <ac:chgData name="McCauley, Kathryn (NIH/NIAID) [C]" userId="8123e298-eaa7-4067-960e-8e9acda1581f" providerId="ADAL" clId="{0C402FB5-1208-C94F-B091-6134B46BEC84}" dt="2024-10-10T21:49:26.955" v="845" actId="1038"/>
+          <ac:spMkLst>
+            <pc:docMk/>
+            <pc:sldMk cId="1538252808" sldId="257"/>
+            <ac:spMk id="1059" creationId="{77F9B1C3-8A8B-4BC4-EC93-3D7D5A9949EF}"/>
+          </ac:spMkLst>
+        </pc:spChg>
+        <pc:spChg chg="add mod">
+          <ac:chgData name="McCauley, Kathryn (NIH/NIAID) [C]" userId="8123e298-eaa7-4067-960e-8e9acda1581f" providerId="ADAL" clId="{0C402FB5-1208-C94F-B091-6134B46BEC84}" dt="2024-10-10T21:49:38.185" v="852" actId="1038"/>
+          <ac:spMkLst>
+            <pc:docMk/>
+            <pc:sldMk cId="1538252808" sldId="257"/>
+            <ac:spMk id="1061" creationId="{B6C230F7-31C0-A912-5387-98999C145C6C}"/>
+          </ac:spMkLst>
+        </pc:spChg>
+        <pc:spChg chg="add mod">
+          <ac:chgData name="McCauley, Kathryn (NIH/NIAID) [C]" userId="8123e298-eaa7-4067-960e-8e9acda1581f" providerId="ADAL" clId="{0C402FB5-1208-C94F-B091-6134B46BEC84}" dt="2024-10-10T21:51:58.537" v="854" actId="1076"/>
+          <ac:spMkLst>
+            <pc:docMk/>
+            <pc:sldMk cId="1538252808" sldId="257"/>
+            <ac:spMk id="1067" creationId="{96B8CFF2-9618-F326-E641-2F61D79439BC}"/>
+          </ac:spMkLst>
+        </pc:spChg>
+        <pc:spChg chg="add mod">
+          <ac:chgData name="McCauley, Kathryn (NIH/NIAID) [C]" userId="8123e298-eaa7-4067-960e-8e9acda1581f" providerId="ADAL" clId="{0C402FB5-1208-C94F-B091-6134B46BEC84}" dt="2024-10-10T21:52:09.687" v="856" actId="1076"/>
+          <ac:spMkLst>
+            <pc:docMk/>
+            <pc:sldMk cId="1538252808" sldId="257"/>
+            <ac:spMk id="1068" creationId="{EDD1FC50-927F-44B5-D94F-9AF7F86095F1}"/>
+          </ac:spMkLst>
+        </pc:spChg>
+        <pc:spChg chg="add mod">
+          <ac:chgData name="McCauley, Kathryn (NIH/NIAID) [C]" userId="8123e298-eaa7-4067-960e-8e9acda1581f" providerId="ADAL" clId="{0C402FB5-1208-C94F-B091-6134B46BEC84}" dt="2024-10-10T21:52:15.692" v="858" actId="1076"/>
+          <ac:spMkLst>
+            <pc:docMk/>
+            <pc:sldMk cId="1538252808" sldId="257"/>
+            <ac:spMk id="1069" creationId="{BA02B8B7-CC93-63DF-FC38-5FCF926AA8E8}"/>
+          </ac:spMkLst>
+        </pc:spChg>
+        <pc:spChg chg="add mod">
+          <ac:chgData name="McCauley, Kathryn (NIH/NIAID) [C]" userId="8123e298-eaa7-4067-960e-8e9acda1581f" providerId="ADAL" clId="{0C402FB5-1208-C94F-B091-6134B46BEC84}" dt="2024-10-10T21:56:00.979" v="1116"/>
+          <ac:spMkLst>
+            <pc:docMk/>
+            <pc:sldMk cId="1538252808" sldId="257"/>
+            <ac:spMk id="1074" creationId="{7AF65165-85C2-304E-C251-ABC28DA4724D}"/>
+          </ac:spMkLst>
+        </pc:spChg>
+        <pc:spChg chg="mod">
+          <ac:chgData name="McCauley, Kathryn (NIH/NIAID) [C]" userId="8123e298-eaa7-4067-960e-8e9acda1581f" providerId="ADAL" clId="{0C402FB5-1208-C94F-B091-6134B46BEC84}" dt="2024-10-10T21:57:28.954" v="1142" actId="113"/>
+          <ac:spMkLst>
+            <pc:docMk/>
+            <pc:sldMk cId="1538252808" sldId="257"/>
+            <ac:spMk id="1083" creationId="{322CBFEC-637B-8C92-6695-8EB8C74A9977}"/>
+          </ac:spMkLst>
+        </pc:spChg>
+        <pc:spChg chg="mod">
+          <ac:chgData name="McCauley, Kathryn (NIH/NIAID) [C]" userId="8123e298-eaa7-4067-960e-8e9acda1581f" providerId="ADAL" clId="{0C402FB5-1208-C94F-B091-6134B46BEC84}" dt="2024-10-10T21:58:42.342" v="1160" actId="1037"/>
+          <ac:spMkLst>
+            <pc:docMk/>
+            <pc:sldMk cId="1538252808" sldId="257"/>
+            <ac:spMk id="1084" creationId="{8F2D0482-62F7-5F76-3845-419B31A811D6}"/>
+          </ac:spMkLst>
+        </pc:spChg>
+        <pc:picChg chg="mod">
+          <ac:chgData name="McCauley, Kathryn (NIH/NIAID) [C]" userId="8123e298-eaa7-4067-960e-8e9acda1581f" providerId="ADAL" clId="{0C402FB5-1208-C94F-B091-6134B46BEC84}" dt="2024-10-10T21:18:59.036" v="48" actId="1035"/>
+          <ac:picMkLst>
+            <pc:docMk/>
+            <pc:sldMk cId="1538252808" sldId="257"/>
+            <ac:picMk id="35" creationId="{A1FF18F0-2D41-99CC-797A-96EC43C2F043}"/>
+          </ac:picMkLst>
+        </pc:picChg>
+      </pc:sldChg>
+    </pc:docChg>
+  </pc:docChgLst>
+</pc:chgInfo>
 </file>
 
 <file path=ppt/slideLayouts/slideLayout1.xml><?xml version="1.0" encoding="utf-8"?>
@@ -252,7 +504,7 @@
           <a:p>
             <a:fld id="{DDCDFDCF-5B5E-9D4E-AA60-E7B60AA046F2}" type="datetimeFigureOut">
               <a:rPr lang="en-US" smtClean="0"/>
-              <a:t>10/9/24</a:t>
+              <a:t>10/10/24</a:t>
             </a:fld>
             <a:endParaRPr lang="en-US"/>
           </a:p>
@@ -422,7 +674,7 @@
           <a:p>
             <a:fld id="{DDCDFDCF-5B5E-9D4E-AA60-E7B60AA046F2}" type="datetimeFigureOut">
               <a:rPr lang="en-US" smtClean="0"/>
-              <a:t>10/9/24</a:t>
+              <a:t>10/10/24</a:t>
             </a:fld>
             <a:endParaRPr lang="en-US"/>
           </a:p>
@@ -602,7 +854,7 @@
           <a:p>
             <a:fld id="{DDCDFDCF-5B5E-9D4E-AA60-E7B60AA046F2}" type="datetimeFigureOut">
               <a:rPr lang="en-US" smtClean="0"/>
-              <a:t>10/9/24</a:t>
+              <a:t>10/10/24</a:t>
             </a:fld>
             <a:endParaRPr lang="en-US"/>
           </a:p>
@@ -772,7 +1024,7 @@
           <a:p>
             <a:fld id="{DDCDFDCF-5B5E-9D4E-AA60-E7B60AA046F2}" type="datetimeFigureOut">
               <a:rPr lang="en-US" smtClean="0"/>
-              <a:t>10/9/24</a:t>
+              <a:t>10/10/24</a:t>
             </a:fld>
             <a:endParaRPr lang="en-US"/>
           </a:p>
@@ -1018,7 +1270,7 @@
           <a:p>
             <a:fld id="{DDCDFDCF-5B5E-9D4E-AA60-E7B60AA046F2}" type="datetimeFigureOut">
               <a:rPr lang="en-US" smtClean="0"/>
-              <a:t>10/9/24</a:t>
+              <a:t>10/10/24</a:t>
             </a:fld>
             <a:endParaRPr lang="en-US"/>
           </a:p>
@@ -1250,7 +1502,7 @@
           <a:p>
             <a:fld id="{DDCDFDCF-5B5E-9D4E-AA60-E7B60AA046F2}" type="datetimeFigureOut">
               <a:rPr lang="en-US" smtClean="0"/>
-              <a:t>10/9/24</a:t>
+              <a:t>10/10/24</a:t>
             </a:fld>
             <a:endParaRPr lang="en-US"/>
           </a:p>
@@ -1617,7 +1869,7 @@
           <a:p>
             <a:fld id="{DDCDFDCF-5B5E-9D4E-AA60-E7B60AA046F2}" type="datetimeFigureOut">
               <a:rPr lang="en-US" smtClean="0"/>
-              <a:t>10/9/24</a:t>
+              <a:t>10/10/24</a:t>
             </a:fld>
             <a:endParaRPr lang="en-US"/>
           </a:p>
@@ -1735,7 +1987,7 @@
           <a:p>
             <a:fld id="{DDCDFDCF-5B5E-9D4E-AA60-E7B60AA046F2}" type="datetimeFigureOut">
               <a:rPr lang="en-US" smtClean="0"/>
-              <a:t>10/9/24</a:t>
+              <a:t>10/10/24</a:t>
             </a:fld>
             <a:endParaRPr lang="en-US"/>
           </a:p>
@@ -1830,7 +2082,7 @@
           <a:p>
             <a:fld id="{DDCDFDCF-5B5E-9D4E-AA60-E7B60AA046F2}" type="datetimeFigureOut">
               <a:rPr lang="en-US" smtClean="0"/>
-              <a:t>10/9/24</a:t>
+              <a:t>10/10/24</a:t>
             </a:fld>
             <a:endParaRPr lang="en-US"/>
           </a:p>
@@ -2107,7 +2359,7 @@
           <a:p>
             <a:fld id="{DDCDFDCF-5B5E-9D4E-AA60-E7B60AA046F2}" type="datetimeFigureOut">
               <a:rPr lang="en-US" smtClean="0"/>
-              <a:t>10/9/24</a:t>
+              <a:t>10/10/24</a:t>
             </a:fld>
             <a:endParaRPr lang="en-US"/>
           </a:p>
@@ -2364,7 +2616,7 @@
           <a:p>
             <a:fld id="{DDCDFDCF-5B5E-9D4E-AA60-E7B60AA046F2}" type="datetimeFigureOut">
               <a:rPr lang="en-US" smtClean="0"/>
-              <a:t>10/9/24</a:t>
+              <a:t>10/10/24</a:t>
             </a:fld>
             <a:endParaRPr lang="en-US"/>
           </a:p>
@@ -2577,7 +2829,7 @@
           <a:p>
             <a:fld id="{DDCDFDCF-5B5E-9D4E-AA60-E7B60AA046F2}" type="datetimeFigureOut">
               <a:rPr lang="en-US" smtClean="0"/>
-              <a:t>10/9/24</a:t>
+              <a:t>10/10/24</a:t>
             </a:fld>
             <a:endParaRPr lang="en-US"/>
           </a:p>
@@ -3505,8 +3757,8 @@
         </p:nvSpPr>
         <p:spPr>
           <a:xfrm>
-            <a:off x="23289474" y="26745753"/>
-            <a:ext cx="2927208" cy="4031873"/>
+            <a:off x="22991526" y="26862716"/>
+            <a:ext cx="3225156" cy="3539430"/>
           </a:xfrm>
           <a:prstGeom prst="rect">
             <a:avLst/>
@@ -3567,13 +3819,15 @@
               </a:rPr>
               <a:t>mechanistic</a:t>
             </a:r>
+          </a:p>
+          <a:p>
             <a:r>
               <a:rPr lang="en-US" sz="3200" dirty="0">
                 <a:latin typeface="Roboto" panose="02000000000000000000" pitchFamily="2" charset="0"/>
                 <a:ea typeface="Roboto" panose="02000000000000000000" pitchFamily="2" charset="0"/>
                 <a:cs typeface="Roboto" panose="02000000000000000000" pitchFamily="2" charset="0"/>
               </a:rPr>
-              <a:t> PI-ME/CFS research at NIH!</a:t>
+              <a:t>PI-ME/CFS research at NIH!</a:t>
             </a:r>
           </a:p>
         </p:txBody>
@@ -4522,7 +4776,7 @@
                 <a:ea typeface="Roboto" panose="02000000000000000000" pitchFamily="2" charset="0"/>
                 <a:cs typeface="Roboto" panose="02000000000000000000" pitchFamily="2" charset="0"/>
               </a:rPr>
-              <a:t>Reduced </a:t>
+              <a:t>Have Reduced </a:t>
             </a:r>
             <a:r>
               <a:rPr lang="en-US" sz="11500" b="1" dirty="0">
@@ -4544,7 +4798,7 @@
                 <a:ea typeface="Roboto" panose="02000000000000000000" pitchFamily="2" charset="0"/>
                 <a:cs typeface="Roboto" panose="02000000000000000000" pitchFamily="2" charset="0"/>
               </a:rPr>
-              <a:t>and Have</a:t>
+              <a:t>and</a:t>
             </a:r>
           </a:p>
           <a:p>
@@ -5155,7 +5409,7 @@
           </p:nvSpPr>
           <p:spPr>
             <a:xfrm>
-              <a:off x="18546712" y="18802977"/>
+              <a:off x="18262232" y="18802977"/>
               <a:ext cx="2731966" cy="369332"/>
             </a:xfrm>
             <a:prstGeom prst="rect">
@@ -6620,8 +6874,8 @@
         </p:nvSpPr>
         <p:spPr>
           <a:xfrm>
-            <a:off x="21592108" y="9806440"/>
-            <a:ext cx="2455945" cy="6494085"/>
+            <a:off x="21633574" y="10247836"/>
+            <a:ext cx="2800771" cy="5755422"/>
           </a:xfrm>
           <a:prstGeom prst="rect">
             <a:avLst/>
@@ -6648,7 +6902,23 @@
                 <a:ea typeface="Roboto" panose="02000000000000000000" pitchFamily="2" charset="0"/>
                 <a:cs typeface="Roboto" panose="02000000000000000000" pitchFamily="2" charset="0"/>
               </a:rPr>
-              <a:t>(A) PI-ME/CFS gut microbiota exhibits reduced richness but not diversity. (B) The IgG-negative fraction has reduced richness and diversity compared to the Pre-sort and IgG-Positive fractions (c) This difference occurs in a condition specific manner across all three fractions. (d) Microbiota composition between PI-ME/CFS and HV is distinct. (e) Canberra composition of all three fractions, linking within-subject samples. (f) IgG Negative fractions are compositionally-distinct from Pre-sort and IgG-Positive fractions, with no difference between PI-ME/CFS and HV.</a:t>
+              <a:t>(A) PI-ME/CFS gut microbiota exhibits </a:t>
+            </a:r>
+            <a:r>
+              <a:rPr lang="en-US" sz="1600" b="1" dirty="0">
+                <a:latin typeface="Roboto" panose="02000000000000000000" pitchFamily="2" charset="0"/>
+                <a:ea typeface="Roboto" panose="02000000000000000000" pitchFamily="2" charset="0"/>
+                <a:cs typeface="Roboto" panose="02000000000000000000" pitchFamily="2" charset="0"/>
+              </a:rPr>
+              <a:t>reduced richness </a:t>
+            </a:r>
+            <a:r>
+              <a:rPr lang="en-US" sz="1600" dirty="0">
+                <a:latin typeface="Roboto" panose="02000000000000000000" pitchFamily="2" charset="0"/>
+                <a:ea typeface="Roboto" panose="02000000000000000000" pitchFamily="2" charset="0"/>
+                <a:cs typeface="Roboto" panose="02000000000000000000" pitchFamily="2" charset="0"/>
+              </a:rPr>
+              <a:t>but not diversity. (B) The IgG-negative fraction has reduced richness and diversity compared to the Pre-sort and IgG-Positive fractions (c) This difference occurs in a condition specific manner across all three fractions. (d) Microbiota composition between PI-ME/CFS and HV is distinct. (e) Canberra composition of all three fractions, linking within-subject samples. (f) IgG Negative fractions are compositionally-distinct from Pre-sort and IgG-Positive fractions, with no difference between PI-ME/CFS and HV.</a:t>
             </a:r>
           </a:p>
         </p:txBody>
@@ -7156,10 +7426,66 @@
                 <a:ea typeface="Roboto" panose="02000000000000000000" pitchFamily="2" charset="0"/>
                 <a:cs typeface="Roboto" panose="02000000000000000000" pitchFamily="2" charset="0"/>
               </a:rPr>
-              <a:t>Interaction correlations of cytokines with IgG scores in (A) plasma and (B) cerebrospinal fluid. Correlations were performed within PI-ME/CFS and HV separately using a non-parametric </a:t>
-            </a:r>
-            <a:r>
-              <a:rPr lang="en-US" sz="1600" dirty="0" err="1">
+              <a:t>Interaction correlations of </a:t>
+            </a:r>
+            <a:r>
+              <a:rPr lang="en-US" sz="1600" b="1" dirty="0">
+                <a:latin typeface="Roboto" panose="02000000000000000000" pitchFamily="2" charset="0"/>
+                <a:ea typeface="Roboto" panose="02000000000000000000" pitchFamily="2" charset="0"/>
+                <a:cs typeface="Roboto" panose="02000000000000000000" pitchFamily="2" charset="0"/>
+              </a:rPr>
+              <a:t>cytokines</a:t>
+            </a:r>
+            <a:r>
+              <a:rPr lang="en-US" sz="1600" dirty="0">
+                <a:latin typeface="Roboto" panose="02000000000000000000" pitchFamily="2" charset="0"/>
+                <a:ea typeface="Roboto" panose="02000000000000000000" pitchFamily="2" charset="0"/>
+                <a:cs typeface="Roboto" panose="02000000000000000000" pitchFamily="2" charset="0"/>
+              </a:rPr>
+              <a:t> with IgG scores in (A) </a:t>
+            </a:r>
+            <a:r>
+              <a:rPr lang="en-US" sz="1600" b="1" dirty="0">
+                <a:latin typeface="Roboto" panose="02000000000000000000" pitchFamily="2" charset="0"/>
+                <a:ea typeface="Roboto" panose="02000000000000000000" pitchFamily="2" charset="0"/>
+                <a:cs typeface="Roboto" panose="02000000000000000000" pitchFamily="2" charset="0"/>
+              </a:rPr>
+              <a:t>plasma</a:t>
+            </a:r>
+            <a:r>
+              <a:rPr lang="en-US" sz="1600" dirty="0">
+                <a:latin typeface="Roboto" panose="02000000000000000000" pitchFamily="2" charset="0"/>
+                <a:ea typeface="Roboto" panose="02000000000000000000" pitchFamily="2" charset="0"/>
+                <a:cs typeface="Roboto" panose="02000000000000000000" pitchFamily="2" charset="0"/>
+              </a:rPr>
+              <a:t> and (B) </a:t>
+            </a:r>
+            <a:r>
+              <a:rPr lang="en-US" sz="1600" b="1" dirty="0">
+                <a:latin typeface="Roboto" panose="02000000000000000000" pitchFamily="2" charset="0"/>
+                <a:ea typeface="Roboto" panose="02000000000000000000" pitchFamily="2" charset="0"/>
+                <a:cs typeface="Roboto" panose="02000000000000000000" pitchFamily="2" charset="0"/>
+              </a:rPr>
+              <a:t>cerebrospinal fluid</a:t>
+            </a:r>
+            <a:r>
+              <a:rPr lang="en-US" sz="1600" dirty="0">
+                <a:latin typeface="Roboto" panose="02000000000000000000" pitchFamily="2" charset="0"/>
+                <a:ea typeface="Roboto" panose="02000000000000000000" pitchFamily="2" charset="0"/>
+                <a:cs typeface="Roboto" panose="02000000000000000000" pitchFamily="2" charset="0"/>
+              </a:rPr>
+              <a:t>. Correlations were performed within PI-ME/CFS and HV separately using a </a:t>
+            </a:r>
+            <a:r>
+              <a:rPr lang="en-US" sz="1600" b="1" dirty="0">
+                <a:latin typeface="Roboto" panose="02000000000000000000" pitchFamily="2" charset="0"/>
+                <a:ea typeface="Roboto" panose="02000000000000000000" pitchFamily="2" charset="0"/>
+                <a:cs typeface="Roboto" panose="02000000000000000000" pitchFamily="2" charset="0"/>
+              </a:rPr>
+              <a:t>non-parametric </a:t>
+            </a:r>
+            <a:r>
+              <a:rPr lang="en-US" sz="1600" b="1" dirty="0" err="1">
                 <a:latin typeface="Roboto" panose="02000000000000000000" pitchFamily="2" charset="0"/>
                 <a:ea typeface="Roboto" panose="02000000000000000000" pitchFamily="2" charset="0"/>
                 <a:cs typeface="Roboto" panose="02000000000000000000" pitchFamily="2" charset="0"/>
@@ -7167,12 +7493,36 @@
               <a:t>boostrap</a:t>
             </a:r>
             <a:r>
+              <a:rPr lang="en-US" sz="1600" b="1" dirty="0">
+                <a:latin typeface="Roboto" panose="02000000000000000000" pitchFamily="2" charset="0"/>
+                <a:ea typeface="Roboto" panose="02000000000000000000" pitchFamily="2" charset="0"/>
+                <a:cs typeface="Roboto" panose="02000000000000000000" pitchFamily="2" charset="0"/>
+              </a:rPr>
+              <a:t> </a:t>
+            </a:r>
+            <a:r>
               <a:rPr lang="en-US" sz="1600" dirty="0">
                 <a:latin typeface="Roboto" panose="02000000000000000000" pitchFamily="2" charset="0"/>
                 <a:ea typeface="Roboto" panose="02000000000000000000" pitchFamily="2" charset="0"/>
                 <a:cs typeface="Roboto" panose="02000000000000000000" pitchFamily="2" charset="0"/>
               </a:rPr>
-              <a:t> test. Interactions were identified when there was less than 5% overlap between confidence intervals. Significant taxa-cytokine interactions are grouped by ASV and sorted by significance from Figure 2.</a:t>
+              <a:t>test. Interactions were identified when there was less than 5% overlap between confidence intervals. Significant taxa-cytokine interactions are </a:t>
+            </a:r>
+            <a:r>
+              <a:rPr lang="en-US" sz="1600" b="1" dirty="0">
+                <a:latin typeface="Roboto" panose="02000000000000000000" pitchFamily="2" charset="0"/>
+                <a:ea typeface="Roboto" panose="02000000000000000000" pitchFamily="2" charset="0"/>
+                <a:cs typeface="Roboto" panose="02000000000000000000" pitchFamily="2" charset="0"/>
+              </a:rPr>
+              <a:t>grouped by ASV and sorted by significance </a:t>
+            </a:r>
+            <a:r>
+              <a:rPr lang="en-US" sz="1600" dirty="0">
+                <a:latin typeface="Roboto" panose="02000000000000000000" pitchFamily="2" charset="0"/>
+                <a:ea typeface="Roboto" panose="02000000000000000000" pitchFamily="2" charset="0"/>
+                <a:cs typeface="Roboto" panose="02000000000000000000" pitchFamily="2" charset="0"/>
+              </a:rPr>
+              <a:t>from Figure 2.</a:t>
             </a:r>
           </a:p>
         </p:txBody>
@@ -7191,8 +7541,8 @@
         </p:nvSpPr>
         <p:spPr>
           <a:xfrm>
-            <a:off x="35611951" y="19791735"/>
-            <a:ext cx="2894887" cy="4770537"/>
+            <a:off x="35558786" y="19791735"/>
+            <a:ext cx="3079928" cy="5755422"/>
           </a:xfrm>
           <a:prstGeom prst="rect">
             <a:avLst/>
@@ -7219,7 +7569,39 @@
                 <a:ea typeface="Roboto" panose="02000000000000000000" pitchFamily="2" charset="0"/>
                 <a:cs typeface="Roboto" panose="02000000000000000000" pitchFamily="2" charset="0"/>
               </a:rPr>
-              <a:t>Peak-to-Trough Ratios (PTRs) for taxa with differential translocation effects are higher in Healthy Volunteers than PI-ME/CFS. Points indicate the Mean Difference in PTR, with the IgG effect size (see Figure 2) represented by the size of the circle. Red indicates that the difference in PTR between groups exhibited modest trends (</a:t>
+              <a:t>Peak-to-Trough Ratios (PTRs) for taxa with differential translocation are higher in Healthy Volunteers than PI-ME/CFS. Points indicate the </a:t>
+            </a:r>
+            <a:r>
+              <a:rPr lang="en-US" sz="1600" b="1" dirty="0">
+                <a:latin typeface="Roboto" panose="02000000000000000000" pitchFamily="2" charset="0"/>
+                <a:ea typeface="Roboto" panose="02000000000000000000" pitchFamily="2" charset="0"/>
+                <a:cs typeface="Roboto" panose="02000000000000000000" pitchFamily="2" charset="0"/>
+              </a:rPr>
+              <a:t>Mean Difference in PTR</a:t>
+            </a:r>
+            <a:r>
+              <a:rPr lang="en-US" sz="1600" dirty="0">
+                <a:latin typeface="Roboto" panose="02000000000000000000" pitchFamily="2" charset="0"/>
+                <a:ea typeface="Roboto" panose="02000000000000000000" pitchFamily="2" charset="0"/>
+                <a:cs typeface="Roboto" panose="02000000000000000000" pitchFamily="2" charset="0"/>
+              </a:rPr>
+              <a:t>, with the IgG effect size (see Figure 2) represented by the size of the circle. A red </a:t>
+            </a:r>
+            <a:r>
+              <a:rPr lang="en-US" sz="1600" b="1" dirty="0">
+                <a:latin typeface="Roboto" panose="02000000000000000000" pitchFamily="2" charset="0"/>
+                <a:ea typeface="Roboto" panose="02000000000000000000" pitchFamily="2" charset="0"/>
+                <a:cs typeface="Roboto" panose="02000000000000000000" pitchFamily="2" charset="0"/>
+              </a:rPr>
+              <a:t>outline</a:t>
+            </a:r>
+            <a:r>
+              <a:rPr lang="en-US" sz="1600" dirty="0">
+                <a:latin typeface="Roboto" panose="02000000000000000000" pitchFamily="2" charset="0"/>
+                <a:ea typeface="Roboto" panose="02000000000000000000" pitchFamily="2" charset="0"/>
+                <a:cs typeface="Roboto" panose="02000000000000000000" pitchFamily="2" charset="0"/>
+              </a:rPr>
+              <a:t> indicates that the difference in PTR between groups exhibited modest trends (</a:t>
             </a:r>
             <a:r>
               <a:rPr lang="en-US" sz="1600" i="1" dirty="0">
@@ -7235,7 +7617,39 @@
                 <a:ea typeface="Roboto" panose="02000000000000000000" pitchFamily="2" charset="0"/>
                 <a:cs typeface="Roboto" panose="02000000000000000000" pitchFamily="2" charset="0"/>
               </a:rPr>
-              <a:t> &lt; 0.2). PTRs were obtained from metagenomic reads. Representative sequences from IgG-seq analysis were mapped to reference genomes to link IgG scores to PTR values.</a:t>
+              <a:t> &lt; 0.2). PTRs were obtained from </a:t>
+            </a:r>
+            <a:r>
+              <a:rPr lang="en-US" sz="1600" b="1" dirty="0">
+                <a:latin typeface="Roboto" panose="02000000000000000000" pitchFamily="2" charset="0"/>
+                <a:ea typeface="Roboto" panose="02000000000000000000" pitchFamily="2" charset="0"/>
+                <a:cs typeface="Roboto" panose="02000000000000000000" pitchFamily="2" charset="0"/>
+              </a:rPr>
+              <a:t>paired metagenomic samples </a:t>
+            </a:r>
+            <a:r>
+              <a:rPr lang="en-US" sz="1600" dirty="0">
+                <a:latin typeface="Roboto" panose="02000000000000000000" pitchFamily="2" charset="0"/>
+                <a:ea typeface="Roboto" panose="02000000000000000000" pitchFamily="2" charset="0"/>
+                <a:cs typeface="Roboto" panose="02000000000000000000" pitchFamily="2" charset="0"/>
+              </a:rPr>
+              <a:t>applied to a curated database of stool genomes. Representative sequences from IgG-seq analysis were mapped to reference genomes to link IgG scores to PTR values. </a:t>
+            </a:r>
+            <a:r>
+              <a:rPr lang="en-US" sz="1600" b="1" dirty="0">
+                <a:latin typeface="Roboto" panose="02000000000000000000" pitchFamily="2" charset="0"/>
+                <a:ea typeface="Roboto" panose="02000000000000000000" pitchFamily="2" charset="0"/>
+                <a:cs typeface="Roboto" panose="02000000000000000000" pitchFamily="2" charset="0"/>
+              </a:rPr>
+              <a:t>Circles</a:t>
+            </a:r>
+            <a:r>
+              <a:rPr lang="en-US" sz="1600" dirty="0">
+                <a:latin typeface="Roboto" panose="02000000000000000000" pitchFamily="2" charset="0"/>
+                <a:ea typeface="Roboto" panose="02000000000000000000" pitchFamily="2" charset="0"/>
+                <a:cs typeface="Roboto" panose="02000000000000000000" pitchFamily="2" charset="0"/>
+              </a:rPr>
+              <a:t> to the left of y-axis labels indicate the directionality of IgG-score differences from Figure 2.</a:t>
             </a:r>
           </a:p>
         </p:txBody>
@@ -7329,8 +7743,8 @@
         </p:nvSpPr>
         <p:spPr>
           <a:xfrm>
-            <a:off x="10077603" y="28263110"/>
-            <a:ext cx="12361146" cy="1323439"/>
+            <a:off x="10077603" y="28933670"/>
+            <a:ext cx="12361146" cy="1015663"/>
           </a:xfrm>
           <a:prstGeom prst="rect">
             <a:avLst/>
@@ -7349,7 +7763,7 @@
                 <a:ea typeface="Roboto" panose="02000000000000000000" pitchFamily="2" charset="0"/>
                 <a:cs typeface="Roboto" panose="02000000000000000000" pitchFamily="2" charset="0"/>
               </a:rPr>
-              <a:t>In ”Autologous” IgG-seq, in which the stool sample and serum sample are derived from the same subject, no bacterial counts in both pools results in a missing value for IgG-seq scores for that taxon and no currently-accepted methods for recovering those zeroes and missing values exist, leading to difficulty in interpretation and generalization of results.</a:t>
+              <a:t>In ”Autologous” IgG-seq, in which the stool sample and serum sample are derived from the same subject, no bacterial counts in both pools results in a missing value for IgG-seq scores for that taxon and limited techniques are available to recover meaningful values for those taxa.</a:t>
             </a:r>
           </a:p>
         </p:txBody>
@@ -7414,7 +7828,7 @@
         </p:blipFill>
         <p:spPr>
           <a:xfrm>
-            <a:off x="33860226" y="14594190"/>
+            <a:off x="33860226" y="14675470"/>
             <a:ext cx="4150683" cy="2450969"/>
           </a:xfrm>
           <a:prstGeom prst="rect">
@@ -7436,7 +7850,7 @@
         </p:nvSpPr>
         <p:spPr>
           <a:xfrm>
-            <a:off x="33860226" y="14013306"/>
+            <a:off x="33860226" y="14094586"/>
             <a:ext cx="4134292" cy="646331"/>
           </a:xfrm>
           <a:prstGeom prst="rect">
@@ -7516,7 +7930,7 @@
         </p:nvSpPr>
         <p:spPr>
           <a:xfrm>
-            <a:off x="10077603" y="29711259"/>
+            <a:off x="10077603" y="30117659"/>
             <a:ext cx="12361146" cy="707886"/>
           </a:xfrm>
           <a:prstGeom prst="rect">
@@ -8831,8 +9245,8 @@
         </p:nvSpPr>
         <p:spPr>
           <a:xfrm>
-            <a:off x="34952426" y="9819200"/>
-            <a:ext cx="2616486" cy="4031873"/>
+            <a:off x="35074346" y="9766035"/>
+            <a:ext cx="2616486" cy="4278094"/>
           </a:xfrm>
           <a:prstGeom prst="rect">
             <a:avLst/>
@@ -8859,7 +9273,7 @@
                 <a:ea typeface="Roboto" panose="02000000000000000000" pitchFamily="2" charset="0"/>
                 <a:cs typeface="Roboto" panose="02000000000000000000" pitchFamily="2" charset="0"/>
               </a:rPr>
-              <a:t>Differential IgG scores were observed between HV and ME/CFS for 20 bacterial taxa. Taxa are sorted by the magnitude of difference between ME/CFS and HV. Points represent the IgG Score, with positive values indicating relatively increased IgG response for that taxon and negative values indicating decreased IgG response. Results are from a linear model with </a:t>
+              <a:t>Differential IgG scores were observed between HV and PI-ME/CFS for 20 bacterial taxa. Taxa are sorted by the magnitude of difference between PI-ME/CFS and HV. Points represent the IgG Score, with positive values indicating relatively increased IgG response for that taxon and negative values indicating decreased IgG response. Results are from a linear model with </a:t>
             </a:r>
             <a:r>
               <a:rPr lang="en-US" sz="1600" i="1" dirty="0">
@@ -8867,7 +9281,7 @@
                 <a:ea typeface="Roboto" panose="02000000000000000000" pitchFamily="2" charset="0"/>
                 <a:cs typeface="Roboto" panose="02000000000000000000" pitchFamily="2" charset="0"/>
               </a:rPr>
-              <a:t>p</a:t>
+              <a:t>P</a:t>
             </a:r>
             <a:r>
               <a:rPr lang="en-US" sz="1600" dirty="0">
@@ -8925,6 +9339,941 @@
           </a:extLst>
         </p:spPr>
       </p:pic>
+      <p:sp>
+        <p:nvSpPr>
+          <p:cNvPr id="3" name="TextBox 2">
+            <a:extLst>
+              <a:ext uri="{FF2B5EF4-FFF2-40B4-BE49-F238E27FC236}">
+                <a16:creationId xmlns:a16="http://schemas.microsoft.com/office/drawing/2014/main" id="{2F1BB749-BE6B-7121-DDEC-86CBB96B86A4}"/>
+              </a:ext>
+            </a:extLst>
+          </p:cNvPr>
+          <p:cNvSpPr txBox="1"/>
+          <p:nvPr/>
+        </p:nvSpPr>
+        <p:spPr>
+          <a:xfrm>
+            <a:off x="10077603" y="28067742"/>
+            <a:ext cx="12361146" cy="707886"/>
+          </a:xfrm>
+          <a:prstGeom prst="rect">
+            <a:avLst/>
+          </a:prstGeom>
+          <a:noFill/>
+        </p:spPr>
+        <p:txBody>
+          <a:bodyPr wrap="square" rtlCol="0">
+            <a:spAutoFit/>
+          </a:bodyPr>
+          <a:lstStyle/>
+          <a:p>
+            <a:r>
+              <a:rPr lang="en-US" sz="2000" dirty="0">
+                <a:latin typeface="Roboto" panose="02000000000000000000" pitchFamily="2" charset="0"/>
+                <a:ea typeface="Roboto" panose="02000000000000000000" pitchFamily="2" charset="0"/>
+                <a:cs typeface="Roboto" panose="02000000000000000000" pitchFamily="2" charset="0"/>
+              </a:rPr>
+              <a:t>Amplicon sequencing has limited ability to provide information about bacterial functions, especially among bacteria with the potential to translocate</a:t>
+            </a:r>
+          </a:p>
+        </p:txBody>
+      </p:sp>
+      <p:sp>
+        <p:nvSpPr>
+          <p:cNvPr id="10" name="Oval 9">
+            <a:extLst>
+              <a:ext uri="{FF2B5EF4-FFF2-40B4-BE49-F238E27FC236}">
+                <a16:creationId xmlns:a16="http://schemas.microsoft.com/office/drawing/2014/main" id="{3FF8500E-F020-B67B-B2EC-6E060C812A30}"/>
+              </a:ext>
+            </a:extLst>
+          </p:cNvPr>
+          <p:cNvSpPr>
+            <a:spLocks noChangeAspect="1"/>
+          </p:cNvSpPr>
+          <p:nvPr/>
+        </p:nvSpPr>
+        <p:spPr>
+          <a:xfrm>
+            <a:off x="25779353" y="19513753"/>
+            <a:ext cx="228600" cy="228600"/>
+          </a:xfrm>
+          <a:prstGeom prst="ellipse">
+            <a:avLst/>
+          </a:prstGeom>
+          <a:solidFill>
+            <a:srgbClr val="FF0900"/>
+          </a:solidFill>
+          <a:ln>
+            <a:solidFill>
+              <a:schemeClr val="tx1"/>
+            </a:solidFill>
+          </a:ln>
+        </p:spPr>
+        <p:style>
+          <a:lnRef idx="2">
+            <a:schemeClr val="accent1">
+              <a:shade val="15000"/>
+            </a:schemeClr>
+          </a:lnRef>
+          <a:fillRef idx="1">
+            <a:schemeClr val="accent1"/>
+          </a:fillRef>
+          <a:effectRef idx="0">
+            <a:schemeClr val="accent1"/>
+          </a:effectRef>
+          <a:fontRef idx="minor">
+            <a:schemeClr val="lt1"/>
+          </a:fontRef>
+        </p:style>
+        <p:txBody>
+          <a:bodyPr rtlCol="0" anchor="ctr"/>
+          <a:lstStyle/>
+          <a:p>
+            <a:pPr algn="ctr"/>
+            <a:endParaRPr lang="en-US"/>
+          </a:p>
+        </p:txBody>
+      </p:sp>
+      <p:sp>
+        <p:nvSpPr>
+          <p:cNvPr id="33" name="Oval 32">
+            <a:extLst>
+              <a:ext uri="{FF2B5EF4-FFF2-40B4-BE49-F238E27FC236}">
+                <a16:creationId xmlns:a16="http://schemas.microsoft.com/office/drawing/2014/main" id="{C7A041FC-2FE3-CE2D-62AA-8623BDF14518}"/>
+              </a:ext>
+            </a:extLst>
+          </p:cNvPr>
+          <p:cNvSpPr>
+            <a:spLocks noChangeAspect="1"/>
+          </p:cNvSpPr>
+          <p:nvPr/>
+        </p:nvSpPr>
+        <p:spPr>
+          <a:xfrm>
+            <a:off x="26087292" y="19868138"/>
+            <a:ext cx="228600" cy="228600"/>
+          </a:xfrm>
+          <a:prstGeom prst="ellipse">
+            <a:avLst/>
+          </a:prstGeom>
+          <a:solidFill>
+            <a:srgbClr val="0F01FF"/>
+          </a:solidFill>
+          <a:ln>
+            <a:solidFill>
+              <a:schemeClr val="tx1"/>
+            </a:solidFill>
+          </a:ln>
+        </p:spPr>
+        <p:style>
+          <a:lnRef idx="2">
+            <a:schemeClr val="accent1">
+              <a:shade val="15000"/>
+            </a:schemeClr>
+          </a:lnRef>
+          <a:fillRef idx="1">
+            <a:schemeClr val="accent1"/>
+          </a:fillRef>
+          <a:effectRef idx="0">
+            <a:schemeClr val="accent1"/>
+          </a:effectRef>
+          <a:fontRef idx="minor">
+            <a:schemeClr val="lt1"/>
+          </a:fontRef>
+        </p:style>
+        <p:txBody>
+          <a:bodyPr rtlCol="0" anchor="ctr"/>
+          <a:lstStyle/>
+          <a:p>
+            <a:pPr algn="ctr"/>
+            <a:endParaRPr lang="en-US"/>
+          </a:p>
+        </p:txBody>
+      </p:sp>
+      <p:sp>
+        <p:nvSpPr>
+          <p:cNvPr id="34" name="Oval 33">
+            <a:extLst>
+              <a:ext uri="{FF2B5EF4-FFF2-40B4-BE49-F238E27FC236}">
+                <a16:creationId xmlns:a16="http://schemas.microsoft.com/office/drawing/2014/main" id="{6323F439-FCC2-49B2-CFD7-A85F32D5A215}"/>
+              </a:ext>
+            </a:extLst>
+          </p:cNvPr>
+          <p:cNvSpPr>
+            <a:spLocks noChangeAspect="1"/>
+          </p:cNvSpPr>
+          <p:nvPr/>
+        </p:nvSpPr>
+        <p:spPr>
+          <a:xfrm>
+            <a:off x="25930771" y="20194018"/>
+            <a:ext cx="228600" cy="228600"/>
+          </a:xfrm>
+          <a:prstGeom prst="ellipse">
+            <a:avLst/>
+          </a:prstGeom>
+          <a:solidFill>
+            <a:srgbClr val="0F01FF"/>
+          </a:solidFill>
+          <a:ln>
+            <a:solidFill>
+              <a:schemeClr val="tx1"/>
+            </a:solidFill>
+          </a:ln>
+        </p:spPr>
+        <p:style>
+          <a:lnRef idx="2">
+            <a:schemeClr val="accent1">
+              <a:shade val="15000"/>
+            </a:schemeClr>
+          </a:lnRef>
+          <a:fillRef idx="1">
+            <a:schemeClr val="accent1"/>
+          </a:fillRef>
+          <a:effectRef idx="0">
+            <a:schemeClr val="accent1"/>
+          </a:effectRef>
+          <a:fontRef idx="minor">
+            <a:schemeClr val="lt1"/>
+          </a:fontRef>
+        </p:style>
+        <p:txBody>
+          <a:bodyPr rtlCol="0" anchor="ctr"/>
+          <a:lstStyle/>
+          <a:p>
+            <a:pPr algn="ctr"/>
+            <a:endParaRPr lang="en-US"/>
+          </a:p>
+        </p:txBody>
+      </p:sp>
+      <p:sp>
+        <p:nvSpPr>
+          <p:cNvPr id="38" name="Oval 37">
+            <a:extLst>
+              <a:ext uri="{FF2B5EF4-FFF2-40B4-BE49-F238E27FC236}">
+                <a16:creationId xmlns:a16="http://schemas.microsoft.com/office/drawing/2014/main" id="{77A4B0E6-B56D-0044-B34A-AC97ED2A9663}"/>
+              </a:ext>
+            </a:extLst>
+          </p:cNvPr>
+          <p:cNvSpPr>
+            <a:spLocks noChangeAspect="1"/>
+          </p:cNvSpPr>
+          <p:nvPr/>
+        </p:nvSpPr>
+        <p:spPr>
+          <a:xfrm>
+            <a:off x="25980418" y="20519898"/>
+            <a:ext cx="228600" cy="228600"/>
+          </a:xfrm>
+          <a:prstGeom prst="ellipse">
+            <a:avLst/>
+          </a:prstGeom>
+          <a:solidFill>
+            <a:srgbClr val="0F01FF"/>
+          </a:solidFill>
+          <a:ln>
+            <a:solidFill>
+              <a:schemeClr val="tx1"/>
+            </a:solidFill>
+          </a:ln>
+        </p:spPr>
+        <p:style>
+          <a:lnRef idx="2">
+            <a:schemeClr val="accent1">
+              <a:shade val="15000"/>
+            </a:schemeClr>
+          </a:lnRef>
+          <a:fillRef idx="1">
+            <a:schemeClr val="accent1"/>
+          </a:fillRef>
+          <a:effectRef idx="0">
+            <a:schemeClr val="accent1"/>
+          </a:effectRef>
+          <a:fontRef idx="minor">
+            <a:schemeClr val="lt1"/>
+          </a:fontRef>
+        </p:style>
+        <p:txBody>
+          <a:bodyPr rtlCol="0" anchor="ctr"/>
+          <a:lstStyle/>
+          <a:p>
+            <a:pPr algn="ctr"/>
+            <a:endParaRPr lang="en-US"/>
+          </a:p>
+        </p:txBody>
+      </p:sp>
+      <p:sp>
+        <p:nvSpPr>
+          <p:cNvPr id="39" name="Oval 38">
+            <a:extLst>
+              <a:ext uri="{FF2B5EF4-FFF2-40B4-BE49-F238E27FC236}">
+                <a16:creationId xmlns:a16="http://schemas.microsoft.com/office/drawing/2014/main" id="{C0C8D7DD-FCDF-51E8-1DC6-86BAB9D025FA}"/>
+              </a:ext>
+            </a:extLst>
+          </p:cNvPr>
+          <p:cNvSpPr>
+            <a:spLocks noChangeAspect="1"/>
+          </p:cNvSpPr>
+          <p:nvPr/>
+        </p:nvSpPr>
+        <p:spPr>
+          <a:xfrm>
+            <a:off x="26123505" y="20845778"/>
+            <a:ext cx="228600" cy="228600"/>
+          </a:xfrm>
+          <a:prstGeom prst="ellipse">
+            <a:avLst/>
+          </a:prstGeom>
+          <a:solidFill>
+            <a:srgbClr val="FF0900"/>
+          </a:solidFill>
+          <a:ln>
+            <a:solidFill>
+              <a:schemeClr val="tx1"/>
+            </a:solidFill>
+          </a:ln>
+        </p:spPr>
+        <p:style>
+          <a:lnRef idx="2">
+            <a:schemeClr val="accent1">
+              <a:shade val="15000"/>
+            </a:schemeClr>
+          </a:lnRef>
+          <a:fillRef idx="1">
+            <a:schemeClr val="accent1"/>
+          </a:fillRef>
+          <a:effectRef idx="0">
+            <a:schemeClr val="accent1"/>
+          </a:effectRef>
+          <a:fontRef idx="minor">
+            <a:schemeClr val="lt1"/>
+          </a:fontRef>
+        </p:style>
+        <p:txBody>
+          <a:bodyPr rtlCol="0" anchor="ctr"/>
+          <a:lstStyle/>
+          <a:p>
+            <a:pPr algn="ctr"/>
+            <a:endParaRPr lang="en-US"/>
+          </a:p>
+        </p:txBody>
+      </p:sp>
+      <p:sp>
+        <p:nvSpPr>
+          <p:cNvPr id="1027" name="Oval 1026">
+            <a:extLst>
+              <a:ext uri="{FF2B5EF4-FFF2-40B4-BE49-F238E27FC236}">
+                <a16:creationId xmlns:a16="http://schemas.microsoft.com/office/drawing/2014/main" id="{6D84AA70-7A19-5F38-4C65-59C97ECD91C2}"/>
+              </a:ext>
+            </a:extLst>
+          </p:cNvPr>
+          <p:cNvSpPr>
+            <a:spLocks noChangeAspect="1"/>
+          </p:cNvSpPr>
+          <p:nvPr/>
+        </p:nvSpPr>
+        <p:spPr>
+          <a:xfrm>
+            <a:off x="25999924" y="21170033"/>
+            <a:ext cx="228600" cy="228600"/>
+          </a:xfrm>
+          <a:prstGeom prst="ellipse">
+            <a:avLst/>
+          </a:prstGeom>
+          <a:solidFill>
+            <a:srgbClr val="FF0900"/>
+          </a:solidFill>
+          <a:ln>
+            <a:solidFill>
+              <a:schemeClr val="tx1"/>
+            </a:solidFill>
+          </a:ln>
+        </p:spPr>
+        <p:style>
+          <a:lnRef idx="2">
+            <a:schemeClr val="accent1">
+              <a:shade val="15000"/>
+            </a:schemeClr>
+          </a:lnRef>
+          <a:fillRef idx="1">
+            <a:schemeClr val="accent1"/>
+          </a:fillRef>
+          <a:effectRef idx="0">
+            <a:schemeClr val="accent1"/>
+          </a:effectRef>
+          <a:fontRef idx="minor">
+            <a:schemeClr val="lt1"/>
+          </a:fontRef>
+        </p:style>
+        <p:txBody>
+          <a:bodyPr rtlCol="0" anchor="ctr"/>
+          <a:lstStyle/>
+          <a:p>
+            <a:pPr algn="ctr"/>
+            <a:endParaRPr lang="en-US"/>
+          </a:p>
+        </p:txBody>
+      </p:sp>
+      <p:sp>
+        <p:nvSpPr>
+          <p:cNvPr id="1048" name="Oval 1047">
+            <a:extLst>
+              <a:ext uri="{FF2B5EF4-FFF2-40B4-BE49-F238E27FC236}">
+                <a16:creationId xmlns:a16="http://schemas.microsoft.com/office/drawing/2014/main" id="{3EB4E4F8-EFCF-08A2-E73C-39653C392458}"/>
+              </a:ext>
+            </a:extLst>
+          </p:cNvPr>
+          <p:cNvSpPr>
+            <a:spLocks noChangeAspect="1"/>
+          </p:cNvSpPr>
+          <p:nvPr/>
+        </p:nvSpPr>
+        <p:spPr>
+          <a:xfrm>
+            <a:off x="26131058" y="21492561"/>
+            <a:ext cx="228600" cy="228600"/>
+          </a:xfrm>
+          <a:prstGeom prst="ellipse">
+            <a:avLst/>
+          </a:prstGeom>
+          <a:solidFill>
+            <a:srgbClr val="FF0900"/>
+          </a:solidFill>
+          <a:ln>
+            <a:solidFill>
+              <a:schemeClr val="tx1"/>
+            </a:solidFill>
+          </a:ln>
+        </p:spPr>
+        <p:style>
+          <a:lnRef idx="2">
+            <a:schemeClr val="accent1">
+              <a:shade val="15000"/>
+            </a:schemeClr>
+          </a:lnRef>
+          <a:fillRef idx="1">
+            <a:schemeClr val="accent1"/>
+          </a:fillRef>
+          <a:effectRef idx="0">
+            <a:schemeClr val="accent1"/>
+          </a:effectRef>
+          <a:fontRef idx="minor">
+            <a:schemeClr val="lt1"/>
+          </a:fontRef>
+        </p:style>
+        <p:txBody>
+          <a:bodyPr rtlCol="0" anchor="ctr"/>
+          <a:lstStyle/>
+          <a:p>
+            <a:pPr algn="ctr"/>
+            <a:endParaRPr lang="en-US"/>
+          </a:p>
+        </p:txBody>
+      </p:sp>
+      <p:sp>
+        <p:nvSpPr>
+          <p:cNvPr id="1050" name="Oval 1049">
+            <a:extLst>
+              <a:ext uri="{FF2B5EF4-FFF2-40B4-BE49-F238E27FC236}">
+                <a16:creationId xmlns:a16="http://schemas.microsoft.com/office/drawing/2014/main" id="{D9B59387-48BA-F9E3-44E2-7AE6D32AF625}"/>
+              </a:ext>
+            </a:extLst>
+          </p:cNvPr>
+          <p:cNvSpPr>
+            <a:spLocks noChangeAspect="1"/>
+          </p:cNvSpPr>
+          <p:nvPr/>
+        </p:nvSpPr>
+        <p:spPr>
+          <a:xfrm>
+            <a:off x="24765644" y="21837208"/>
+            <a:ext cx="228600" cy="228600"/>
+          </a:xfrm>
+          <a:prstGeom prst="ellipse">
+            <a:avLst/>
+          </a:prstGeom>
+          <a:solidFill>
+            <a:srgbClr val="FF0900"/>
+          </a:solidFill>
+          <a:ln>
+            <a:solidFill>
+              <a:schemeClr val="tx1"/>
+            </a:solidFill>
+          </a:ln>
+        </p:spPr>
+        <p:style>
+          <a:lnRef idx="2">
+            <a:schemeClr val="accent1">
+              <a:shade val="15000"/>
+            </a:schemeClr>
+          </a:lnRef>
+          <a:fillRef idx="1">
+            <a:schemeClr val="accent1"/>
+          </a:fillRef>
+          <a:effectRef idx="0">
+            <a:schemeClr val="accent1"/>
+          </a:effectRef>
+          <a:fontRef idx="minor">
+            <a:schemeClr val="lt1"/>
+          </a:fontRef>
+        </p:style>
+        <p:txBody>
+          <a:bodyPr rtlCol="0" anchor="ctr"/>
+          <a:lstStyle/>
+          <a:p>
+            <a:pPr algn="ctr"/>
+            <a:endParaRPr lang="en-US"/>
+          </a:p>
+        </p:txBody>
+      </p:sp>
+      <p:sp>
+        <p:nvSpPr>
+          <p:cNvPr id="1051" name="Oval 1050">
+            <a:extLst>
+              <a:ext uri="{FF2B5EF4-FFF2-40B4-BE49-F238E27FC236}">
+                <a16:creationId xmlns:a16="http://schemas.microsoft.com/office/drawing/2014/main" id="{97A51752-AD5A-0665-C487-A1800E9AC317}"/>
+              </a:ext>
+            </a:extLst>
+          </p:cNvPr>
+          <p:cNvSpPr>
+            <a:spLocks noChangeAspect="1"/>
+          </p:cNvSpPr>
+          <p:nvPr/>
+        </p:nvSpPr>
+        <p:spPr>
+          <a:xfrm>
+            <a:off x="25402858" y="22146032"/>
+            <a:ext cx="228600" cy="228600"/>
+          </a:xfrm>
+          <a:prstGeom prst="ellipse">
+            <a:avLst/>
+          </a:prstGeom>
+          <a:solidFill>
+            <a:srgbClr val="FF0900"/>
+          </a:solidFill>
+          <a:ln>
+            <a:solidFill>
+              <a:schemeClr val="tx1"/>
+            </a:solidFill>
+          </a:ln>
+        </p:spPr>
+        <p:style>
+          <a:lnRef idx="2">
+            <a:schemeClr val="accent1">
+              <a:shade val="15000"/>
+            </a:schemeClr>
+          </a:lnRef>
+          <a:fillRef idx="1">
+            <a:schemeClr val="accent1"/>
+          </a:fillRef>
+          <a:effectRef idx="0">
+            <a:schemeClr val="accent1"/>
+          </a:effectRef>
+          <a:fontRef idx="minor">
+            <a:schemeClr val="lt1"/>
+          </a:fontRef>
+        </p:style>
+        <p:txBody>
+          <a:bodyPr rtlCol="0" anchor="ctr"/>
+          <a:lstStyle/>
+          <a:p>
+            <a:pPr algn="ctr"/>
+            <a:endParaRPr lang="en-US"/>
+          </a:p>
+        </p:txBody>
+      </p:sp>
+      <p:sp>
+        <p:nvSpPr>
+          <p:cNvPr id="1052" name="Oval 1051">
+            <a:extLst>
+              <a:ext uri="{FF2B5EF4-FFF2-40B4-BE49-F238E27FC236}">
+                <a16:creationId xmlns:a16="http://schemas.microsoft.com/office/drawing/2014/main" id="{94033C18-6A72-AC41-3368-2E4B5A8C1E96}"/>
+              </a:ext>
+            </a:extLst>
+          </p:cNvPr>
+          <p:cNvSpPr>
+            <a:spLocks noChangeAspect="1"/>
+          </p:cNvSpPr>
+          <p:nvPr/>
+        </p:nvSpPr>
+        <p:spPr>
+          <a:xfrm>
+            <a:off x="26100747" y="22474531"/>
+            <a:ext cx="228600" cy="228600"/>
+          </a:xfrm>
+          <a:prstGeom prst="ellipse">
+            <a:avLst/>
+          </a:prstGeom>
+          <a:solidFill>
+            <a:srgbClr val="FF0900"/>
+          </a:solidFill>
+          <a:ln>
+            <a:solidFill>
+              <a:schemeClr val="tx1"/>
+            </a:solidFill>
+          </a:ln>
+        </p:spPr>
+        <p:style>
+          <a:lnRef idx="2">
+            <a:schemeClr val="accent1">
+              <a:shade val="15000"/>
+            </a:schemeClr>
+          </a:lnRef>
+          <a:fillRef idx="1">
+            <a:schemeClr val="accent1"/>
+          </a:fillRef>
+          <a:effectRef idx="0">
+            <a:schemeClr val="accent1"/>
+          </a:effectRef>
+          <a:fontRef idx="minor">
+            <a:schemeClr val="lt1"/>
+          </a:fontRef>
+        </p:style>
+        <p:txBody>
+          <a:bodyPr rtlCol="0" anchor="ctr"/>
+          <a:lstStyle/>
+          <a:p>
+            <a:pPr algn="ctr"/>
+            <a:endParaRPr lang="en-US"/>
+          </a:p>
+        </p:txBody>
+      </p:sp>
+      <p:sp>
+        <p:nvSpPr>
+          <p:cNvPr id="1054" name="Oval 1053">
+            <a:extLst>
+              <a:ext uri="{FF2B5EF4-FFF2-40B4-BE49-F238E27FC236}">
+                <a16:creationId xmlns:a16="http://schemas.microsoft.com/office/drawing/2014/main" id="{29F0411E-5C50-7F39-8AFA-B8673F40CCDF}"/>
+              </a:ext>
+            </a:extLst>
+          </p:cNvPr>
+          <p:cNvSpPr>
+            <a:spLocks noChangeAspect="1"/>
+          </p:cNvSpPr>
+          <p:nvPr/>
+        </p:nvSpPr>
+        <p:spPr>
+          <a:xfrm>
+            <a:off x="25898017" y="22819006"/>
+            <a:ext cx="228600" cy="228600"/>
+          </a:xfrm>
+          <a:prstGeom prst="ellipse">
+            <a:avLst/>
+          </a:prstGeom>
+          <a:solidFill>
+            <a:srgbClr val="0F01FF"/>
+          </a:solidFill>
+          <a:ln>
+            <a:solidFill>
+              <a:schemeClr val="tx1"/>
+            </a:solidFill>
+          </a:ln>
+        </p:spPr>
+        <p:style>
+          <a:lnRef idx="2">
+            <a:schemeClr val="accent1">
+              <a:shade val="15000"/>
+            </a:schemeClr>
+          </a:lnRef>
+          <a:fillRef idx="1">
+            <a:schemeClr val="accent1"/>
+          </a:fillRef>
+          <a:effectRef idx="0">
+            <a:schemeClr val="accent1"/>
+          </a:effectRef>
+          <a:fontRef idx="minor">
+            <a:schemeClr val="lt1"/>
+          </a:fontRef>
+        </p:style>
+        <p:txBody>
+          <a:bodyPr rtlCol="0" anchor="ctr"/>
+          <a:lstStyle/>
+          <a:p>
+            <a:pPr algn="ctr"/>
+            <a:endParaRPr lang="en-US"/>
+          </a:p>
+        </p:txBody>
+      </p:sp>
+      <p:sp>
+        <p:nvSpPr>
+          <p:cNvPr id="1059" name="Oval 1058">
+            <a:extLst>
+              <a:ext uri="{FF2B5EF4-FFF2-40B4-BE49-F238E27FC236}">
+                <a16:creationId xmlns:a16="http://schemas.microsoft.com/office/drawing/2014/main" id="{77F9B1C3-8A8B-4BC4-EC93-3D7D5A9949EF}"/>
+              </a:ext>
+            </a:extLst>
+          </p:cNvPr>
+          <p:cNvSpPr>
+            <a:spLocks noChangeAspect="1"/>
+          </p:cNvSpPr>
+          <p:nvPr/>
+        </p:nvSpPr>
+        <p:spPr>
+          <a:xfrm>
+            <a:off x="26826125" y="23150672"/>
+            <a:ext cx="228600" cy="228600"/>
+          </a:xfrm>
+          <a:prstGeom prst="ellipse">
+            <a:avLst/>
+          </a:prstGeom>
+          <a:solidFill>
+            <a:srgbClr val="0F01FF"/>
+          </a:solidFill>
+          <a:ln>
+            <a:solidFill>
+              <a:schemeClr val="tx1"/>
+            </a:solidFill>
+          </a:ln>
+        </p:spPr>
+        <p:style>
+          <a:lnRef idx="2">
+            <a:schemeClr val="accent1">
+              <a:shade val="15000"/>
+            </a:schemeClr>
+          </a:lnRef>
+          <a:fillRef idx="1">
+            <a:schemeClr val="accent1"/>
+          </a:fillRef>
+          <a:effectRef idx="0">
+            <a:schemeClr val="accent1"/>
+          </a:effectRef>
+          <a:fontRef idx="minor">
+            <a:schemeClr val="lt1"/>
+          </a:fontRef>
+        </p:style>
+        <p:txBody>
+          <a:bodyPr rtlCol="0" anchor="ctr"/>
+          <a:lstStyle/>
+          <a:p>
+            <a:pPr algn="ctr"/>
+            <a:endParaRPr lang="en-US"/>
+          </a:p>
+        </p:txBody>
+      </p:sp>
+      <p:sp>
+        <p:nvSpPr>
+          <p:cNvPr id="1061" name="Oval 1060">
+            <a:extLst>
+              <a:ext uri="{FF2B5EF4-FFF2-40B4-BE49-F238E27FC236}">
+                <a16:creationId xmlns:a16="http://schemas.microsoft.com/office/drawing/2014/main" id="{B6C230F7-31C0-A912-5387-98999C145C6C}"/>
+              </a:ext>
+            </a:extLst>
+          </p:cNvPr>
+          <p:cNvSpPr>
+            <a:spLocks noChangeAspect="1"/>
+          </p:cNvSpPr>
+          <p:nvPr/>
+        </p:nvSpPr>
+        <p:spPr>
+          <a:xfrm>
+            <a:off x="26080570" y="23452106"/>
+            <a:ext cx="228600" cy="228600"/>
+          </a:xfrm>
+          <a:prstGeom prst="ellipse">
+            <a:avLst/>
+          </a:prstGeom>
+          <a:solidFill>
+            <a:srgbClr val="0F01FF"/>
+          </a:solidFill>
+          <a:ln>
+            <a:solidFill>
+              <a:schemeClr val="tx1"/>
+            </a:solidFill>
+          </a:ln>
+        </p:spPr>
+        <p:style>
+          <a:lnRef idx="2">
+            <a:schemeClr val="accent1">
+              <a:shade val="15000"/>
+            </a:schemeClr>
+          </a:lnRef>
+          <a:fillRef idx="1">
+            <a:schemeClr val="accent1"/>
+          </a:fillRef>
+          <a:effectRef idx="0">
+            <a:schemeClr val="accent1"/>
+          </a:effectRef>
+          <a:fontRef idx="minor">
+            <a:schemeClr val="lt1"/>
+          </a:fontRef>
+        </p:style>
+        <p:txBody>
+          <a:bodyPr rtlCol="0" anchor="ctr"/>
+          <a:lstStyle/>
+          <a:p>
+            <a:pPr algn="ctr"/>
+            <a:endParaRPr lang="en-US"/>
+          </a:p>
+        </p:txBody>
+      </p:sp>
+      <p:sp>
+        <p:nvSpPr>
+          <p:cNvPr id="1067" name="Oval 1066">
+            <a:extLst>
+              <a:ext uri="{FF2B5EF4-FFF2-40B4-BE49-F238E27FC236}">
+                <a16:creationId xmlns:a16="http://schemas.microsoft.com/office/drawing/2014/main" id="{96B8CFF2-9618-F326-E641-2F61D79439BC}"/>
+              </a:ext>
+            </a:extLst>
+          </p:cNvPr>
+          <p:cNvSpPr>
+            <a:spLocks noChangeAspect="1"/>
+          </p:cNvSpPr>
+          <p:nvPr/>
+        </p:nvSpPr>
+        <p:spPr>
+          <a:xfrm>
+            <a:off x="25885624" y="23779029"/>
+            <a:ext cx="228600" cy="228600"/>
+          </a:xfrm>
+          <a:prstGeom prst="ellipse">
+            <a:avLst/>
+          </a:prstGeom>
+          <a:solidFill>
+            <a:srgbClr val="FF0900"/>
+          </a:solidFill>
+          <a:ln>
+            <a:solidFill>
+              <a:schemeClr val="tx1"/>
+            </a:solidFill>
+          </a:ln>
+        </p:spPr>
+        <p:style>
+          <a:lnRef idx="2">
+            <a:schemeClr val="accent1">
+              <a:shade val="15000"/>
+            </a:schemeClr>
+          </a:lnRef>
+          <a:fillRef idx="1">
+            <a:schemeClr val="accent1"/>
+          </a:fillRef>
+          <a:effectRef idx="0">
+            <a:schemeClr val="accent1"/>
+          </a:effectRef>
+          <a:fontRef idx="minor">
+            <a:schemeClr val="lt1"/>
+          </a:fontRef>
+        </p:style>
+        <p:txBody>
+          <a:bodyPr rtlCol="0" anchor="ctr"/>
+          <a:lstStyle/>
+          <a:p>
+            <a:pPr algn="ctr"/>
+            <a:endParaRPr lang="en-US"/>
+          </a:p>
+        </p:txBody>
+      </p:sp>
+      <p:sp>
+        <p:nvSpPr>
+          <p:cNvPr id="1068" name="Oval 1067">
+            <a:extLst>
+              <a:ext uri="{FF2B5EF4-FFF2-40B4-BE49-F238E27FC236}">
+                <a16:creationId xmlns:a16="http://schemas.microsoft.com/office/drawing/2014/main" id="{EDD1FC50-927F-44B5-D94F-9AF7F86095F1}"/>
+              </a:ext>
+            </a:extLst>
+          </p:cNvPr>
+          <p:cNvSpPr>
+            <a:spLocks noChangeAspect="1"/>
+          </p:cNvSpPr>
+          <p:nvPr/>
+        </p:nvSpPr>
+        <p:spPr>
+          <a:xfrm>
+            <a:off x="26554954" y="24121818"/>
+            <a:ext cx="228600" cy="228600"/>
+          </a:xfrm>
+          <a:prstGeom prst="ellipse">
+            <a:avLst/>
+          </a:prstGeom>
+          <a:solidFill>
+            <a:srgbClr val="0F01FF"/>
+          </a:solidFill>
+          <a:ln>
+            <a:solidFill>
+              <a:schemeClr val="tx1"/>
+            </a:solidFill>
+          </a:ln>
+        </p:spPr>
+        <p:style>
+          <a:lnRef idx="2">
+            <a:schemeClr val="accent1">
+              <a:shade val="15000"/>
+            </a:schemeClr>
+          </a:lnRef>
+          <a:fillRef idx="1">
+            <a:schemeClr val="accent1"/>
+          </a:fillRef>
+          <a:effectRef idx="0">
+            <a:schemeClr val="accent1"/>
+          </a:effectRef>
+          <a:fontRef idx="minor">
+            <a:schemeClr val="lt1"/>
+          </a:fontRef>
+        </p:style>
+        <p:txBody>
+          <a:bodyPr rtlCol="0" anchor="ctr"/>
+          <a:lstStyle/>
+          <a:p>
+            <a:pPr algn="ctr"/>
+            <a:endParaRPr lang="en-US"/>
+          </a:p>
+        </p:txBody>
+      </p:sp>
+      <p:sp>
+        <p:nvSpPr>
+          <p:cNvPr id="1069" name="Oval 1068">
+            <a:extLst>
+              <a:ext uri="{FF2B5EF4-FFF2-40B4-BE49-F238E27FC236}">
+                <a16:creationId xmlns:a16="http://schemas.microsoft.com/office/drawing/2014/main" id="{BA02B8B7-CC93-63DF-FC38-5FCF926AA8E8}"/>
+              </a:ext>
+            </a:extLst>
+          </p:cNvPr>
+          <p:cNvSpPr>
+            <a:spLocks noChangeAspect="1"/>
+          </p:cNvSpPr>
+          <p:nvPr/>
+        </p:nvSpPr>
+        <p:spPr>
+          <a:xfrm>
+            <a:off x="25820071" y="24448288"/>
+            <a:ext cx="228600" cy="228600"/>
+          </a:xfrm>
+          <a:prstGeom prst="ellipse">
+            <a:avLst/>
+          </a:prstGeom>
+          <a:solidFill>
+            <a:srgbClr val="0F01FF"/>
+          </a:solidFill>
+          <a:ln>
+            <a:solidFill>
+              <a:schemeClr val="tx1"/>
+            </a:solidFill>
+          </a:ln>
+        </p:spPr>
+        <p:style>
+          <a:lnRef idx="2">
+            <a:schemeClr val="accent1">
+              <a:shade val="15000"/>
+            </a:schemeClr>
+          </a:lnRef>
+          <a:fillRef idx="1">
+            <a:schemeClr val="accent1"/>
+          </a:fillRef>
+          <a:effectRef idx="0">
+            <a:schemeClr val="accent1"/>
+          </a:effectRef>
+          <a:fontRef idx="minor">
+            <a:schemeClr val="lt1"/>
+          </a:fontRef>
+        </p:style>
+        <p:txBody>
+          <a:bodyPr rtlCol="0" anchor="ctr"/>
+          <a:lstStyle/>
+          <a:p>
+            <a:pPr algn="ctr"/>
+            <a:endParaRPr lang="en-US"/>
+          </a:p>
+        </p:txBody>
+      </p:sp>
     </p:spTree>
     <p:extLst>
       <p:ext uri="{BB962C8B-B14F-4D97-AF65-F5344CB8AC3E}">

--- a/assets/CSHL_PPT_Poster_V2.pptx
+++ b/assets/CSHL_PPT_Poster_V2.pptx
@@ -4,6 +4,9 @@
   <p:sldMasterIdLst>
     <p:sldMasterId id="2147483660" r:id="rId1"/>
   </p:sldMasterIdLst>
+  <p:notesMasterIdLst>
+    <p:notesMasterId r:id="rId3"/>
+  </p:notesMasterIdLst>
   <p:sldIdLst>
     <p:sldId id="257" r:id="rId2"/>
   </p:sldIdLst>
@@ -115,7 +118,7 @@
 <file path=ppt/revisionInfo.xml><?xml version="1.0" encoding="utf-8"?>
 <p1510:revInfo xmlns:a="http://schemas.openxmlformats.org/drawingml/2006/main" xmlns:r="http://schemas.openxmlformats.org/officeDocument/2006/relationships" xmlns:p1510="http://schemas.microsoft.com/office/powerpoint/2015/10/main">
   <p1510:revLst>
-    <p1510:client id="{0C402FB5-1208-C94F-B091-6134B46BEC84}" v="18" dt="2024-10-10T21:56:04.701"/>
+    <p1510:client id="{0C402FB5-1208-C94F-B091-6134B46BEC84}" v="66" dt="2024-10-11T13:30:19.924"/>
   </p1510:revLst>
 </p1510:revInfo>
 </file>
@@ -125,18 +128,18 @@
   <pc:docChgLst>
     <pc:chgData name="McCauley, Kathryn (NIH/NIAID) [C]" userId="8123e298-eaa7-4067-960e-8e9acda1581f" providerId="ADAL" clId="{0C402FB5-1208-C94F-B091-6134B46BEC84}"/>
     <pc:docChg chg="undo custSel modSld">
-      <pc:chgData name="McCauley, Kathryn (NIH/NIAID) [C]" userId="8123e298-eaa7-4067-960e-8e9acda1581f" providerId="ADAL" clId="{0C402FB5-1208-C94F-B091-6134B46BEC84}" dt="2024-10-10T21:59:03.342" v="1174" actId="20577"/>
+      <pc:chgData name="McCauley, Kathryn (NIH/NIAID) [C]" userId="8123e298-eaa7-4067-960e-8e9acda1581f" providerId="ADAL" clId="{0C402FB5-1208-C94F-B091-6134B46BEC84}" dt="2024-10-22T18:57:11.778" v="1755" actId="20577"/>
       <pc:docMkLst>
         <pc:docMk/>
       </pc:docMkLst>
       <pc:sldChg chg="addSp modSp mod">
-        <pc:chgData name="McCauley, Kathryn (NIH/NIAID) [C]" userId="8123e298-eaa7-4067-960e-8e9acda1581f" providerId="ADAL" clId="{0C402FB5-1208-C94F-B091-6134B46BEC84}" dt="2024-10-10T21:59:03.342" v="1174" actId="20577"/>
+        <pc:chgData name="McCauley, Kathryn (NIH/NIAID) [C]" userId="8123e298-eaa7-4067-960e-8e9acda1581f" providerId="ADAL" clId="{0C402FB5-1208-C94F-B091-6134B46BEC84}" dt="2024-10-22T18:57:11.778" v="1755" actId="20577"/>
         <pc:sldMkLst>
           <pc:docMk/>
           <pc:sldMk cId="1538252808" sldId="257"/>
         </pc:sldMkLst>
         <pc:spChg chg="add mod">
-          <ac:chgData name="McCauley, Kathryn (NIH/NIAID) [C]" userId="8123e298-eaa7-4067-960e-8e9acda1581f" providerId="ADAL" clId="{0C402FB5-1208-C94F-B091-6134B46BEC84}" dt="2024-10-10T21:43:21.070" v="526" actId="20577"/>
+          <ac:chgData name="McCauley, Kathryn (NIH/NIAID) [C]" userId="8123e298-eaa7-4067-960e-8e9acda1581f" providerId="ADAL" clId="{0C402FB5-1208-C94F-B091-6134B46BEC84}" dt="2024-10-11T12:39:45.355" v="1545" actId="20577"/>
           <ac:spMkLst>
             <pc:docMk/>
             <pc:sldMk cId="1538252808" sldId="257"/>
@@ -144,11 +147,19 @@
           </ac:spMkLst>
         </pc:spChg>
         <pc:spChg chg="mod">
-          <ac:chgData name="McCauley, Kathryn (NIH/NIAID) [C]" userId="8123e298-eaa7-4067-960e-8e9acda1581f" providerId="ADAL" clId="{0C402FB5-1208-C94F-B091-6134B46BEC84}" dt="2024-10-10T21:08:09.377" v="13" actId="20577"/>
+          <ac:chgData name="McCauley, Kathryn (NIH/NIAID) [C]" userId="8123e298-eaa7-4067-960e-8e9acda1581f" providerId="ADAL" clId="{0C402FB5-1208-C94F-B091-6134B46BEC84}" dt="2024-10-22T18:57:11.778" v="1755" actId="20577"/>
           <ac:spMkLst>
             <pc:docMk/>
             <pc:sldMk cId="1538252808" sldId="257"/>
             <ac:spMk id="5" creationId="{F05E9AA4-4C73-6C18-EA6F-DED383352859}"/>
+          </ac:spMkLst>
+        </pc:spChg>
+        <pc:spChg chg="mod">
+          <ac:chgData name="McCauley, Kathryn (NIH/NIAID) [C]" userId="8123e298-eaa7-4067-960e-8e9acda1581f" providerId="ADAL" clId="{0C402FB5-1208-C94F-B091-6134B46BEC84}" dt="2024-10-11T12:37:38.189" v="1232" actId="1036"/>
+          <ac:spMkLst>
+            <pc:docMk/>
+            <pc:sldMk cId="1538252808" sldId="257"/>
+            <ac:spMk id="9" creationId="{0A79A25F-13DE-FD06-BD59-E694648ED921}"/>
           </ac:spMkLst>
         </pc:spChg>
         <pc:spChg chg="add mod">
@@ -168,11 +179,43 @@
           </ac:spMkLst>
         </pc:spChg>
         <pc:spChg chg="mod">
-          <ac:chgData name="McCauley, Kathryn (NIH/NIAID) [C]" userId="8123e298-eaa7-4067-960e-8e9acda1581f" providerId="ADAL" clId="{0C402FB5-1208-C94F-B091-6134B46BEC84}" dt="2024-10-10T21:44:20.067" v="727" actId="20577"/>
+          <ac:chgData name="McCauley, Kathryn (NIH/NIAID) [C]" userId="8123e298-eaa7-4067-960e-8e9acda1581f" providerId="ADAL" clId="{0C402FB5-1208-C94F-B091-6134B46BEC84}" dt="2024-10-11T12:36:43.064" v="1196" actId="1036"/>
+          <ac:spMkLst>
+            <pc:docMk/>
+            <pc:sldMk cId="1538252808" sldId="257"/>
+            <ac:spMk id="19" creationId="{FEEF5A29-4482-94B4-F92E-5B93C6159EDF}"/>
+          </ac:spMkLst>
+        </pc:spChg>
+        <pc:spChg chg="mod">
+          <ac:chgData name="McCauley, Kathryn (NIH/NIAID) [C]" userId="8123e298-eaa7-4067-960e-8e9acda1581f" providerId="ADAL" clId="{0C402FB5-1208-C94F-B091-6134B46BEC84}" dt="2024-10-11T13:30:12.472" v="1689" actId="20577"/>
+          <ac:spMkLst>
+            <pc:docMk/>
+            <pc:sldMk cId="1538252808" sldId="257"/>
+            <ac:spMk id="21" creationId="{1C4D0C0F-5686-3D1F-E9DF-693862ECD8EB}"/>
+          </ac:spMkLst>
+        </pc:spChg>
+        <pc:spChg chg="mod">
+          <ac:chgData name="McCauley, Kathryn (NIH/NIAID) [C]" userId="8123e298-eaa7-4067-960e-8e9acda1581f" providerId="ADAL" clId="{0C402FB5-1208-C94F-B091-6134B46BEC84}" dt="2024-10-11T12:39:54.780" v="1560" actId="20577"/>
           <ac:spMkLst>
             <pc:docMk/>
             <pc:sldMk cId="1538252808" sldId="257"/>
             <ac:spMk id="22" creationId="{E78A71C4-F697-E1B8-179F-12202F810773}"/>
+          </ac:spMkLst>
+        </pc:spChg>
+        <pc:spChg chg="mod">
+          <ac:chgData name="McCauley, Kathryn (NIH/NIAID) [C]" userId="8123e298-eaa7-4067-960e-8e9acda1581f" providerId="ADAL" clId="{0C402FB5-1208-C94F-B091-6134B46BEC84}" dt="2024-10-11T12:36:43.064" v="1196" actId="1036"/>
+          <ac:spMkLst>
+            <pc:docMk/>
+            <pc:sldMk cId="1538252808" sldId="257"/>
+            <ac:spMk id="23" creationId="{8781B7B8-646E-9818-0982-F969F2790B87}"/>
+          </ac:spMkLst>
+        </pc:spChg>
+        <pc:spChg chg="mod">
+          <ac:chgData name="McCauley, Kathryn (NIH/NIAID) [C]" userId="8123e298-eaa7-4067-960e-8e9acda1581f" providerId="ADAL" clId="{0C402FB5-1208-C94F-B091-6134B46BEC84}" dt="2024-10-11T12:36:43.064" v="1196" actId="1036"/>
+          <ac:spMkLst>
+            <pc:docMk/>
+            <pc:sldMk cId="1538252808" sldId="257"/>
+            <ac:spMk id="28" creationId="{A4FDDD30-2F46-30D5-FF7C-2FF7B4DA413C}"/>
           </ac:spMkLst>
         </pc:spChg>
         <pc:spChg chg="add mod">
@@ -216,11 +259,35 @@
           </ac:spMkLst>
         </pc:spChg>
         <pc:spChg chg="mod">
+          <ac:chgData name="McCauley, Kathryn (NIH/NIAID) [C]" userId="8123e298-eaa7-4067-960e-8e9acda1581f" providerId="ADAL" clId="{0C402FB5-1208-C94F-B091-6134B46BEC84}" dt="2024-10-11T12:37:38.189" v="1232" actId="1036"/>
+          <ac:spMkLst>
+            <pc:docMk/>
+            <pc:sldMk cId="1538252808" sldId="257"/>
+            <ac:spMk id="41" creationId="{4BBB8E3F-4A02-A356-F3C5-CABCB9EA6EDB}"/>
+          </ac:spMkLst>
+        </pc:spChg>
+        <pc:spChg chg="mod">
+          <ac:chgData name="McCauley, Kathryn (NIH/NIAID) [C]" userId="8123e298-eaa7-4067-960e-8e9acda1581f" providerId="ADAL" clId="{0C402FB5-1208-C94F-B091-6134B46BEC84}" dt="2024-10-11T12:37:45.027" v="1234" actId="1035"/>
+          <ac:spMkLst>
+            <pc:docMk/>
+            <pc:sldMk cId="1538252808" sldId="257"/>
+            <ac:spMk id="42" creationId="{BCAA0DB4-FC20-3C3C-C6F6-FA116F205340}"/>
+          </ac:spMkLst>
+        </pc:spChg>
+        <pc:spChg chg="mod">
           <ac:chgData name="McCauley, Kathryn (NIH/NIAID) [C]" userId="8123e298-eaa7-4067-960e-8e9acda1581f" providerId="ADAL" clId="{0C402FB5-1208-C94F-B091-6134B46BEC84}" dt="2024-10-10T21:44:26.241" v="742" actId="1035"/>
           <ac:spMkLst>
             <pc:docMk/>
             <pc:sldMk cId="1538252808" sldId="257"/>
             <ac:spMk id="46" creationId="{1F5AA803-EB7B-4D90-1F1E-4CE8BA1AA2ED}"/>
+          </ac:spMkLst>
+        </pc:spChg>
+        <pc:spChg chg="mod">
+          <ac:chgData name="McCauley, Kathryn (NIH/NIAID) [C]" userId="8123e298-eaa7-4067-960e-8e9acda1581f" providerId="ADAL" clId="{0C402FB5-1208-C94F-B091-6134B46BEC84}" dt="2024-10-11T13:30:19.924" v="1694" actId="1036"/>
+          <ac:spMkLst>
+            <pc:docMk/>
+            <pc:sldMk cId="1538252808" sldId="257"/>
+            <ac:spMk id="1026" creationId="{CBB40510-E8B7-5137-BAB9-53AE83D04521}"/>
           </ac:spMkLst>
         </pc:spChg>
         <pc:spChg chg="add mod">
@@ -239,12 +306,60 @@
             <ac:spMk id="1030" creationId="{04C874F6-88B8-AEC9-0831-AE90BD572DB4}"/>
           </ac:spMkLst>
         </pc:spChg>
+        <pc:spChg chg="mod">
+          <ac:chgData name="McCauley, Kathryn (NIH/NIAID) [C]" userId="8123e298-eaa7-4067-960e-8e9acda1581f" providerId="ADAL" clId="{0C402FB5-1208-C94F-B091-6134B46BEC84}" dt="2024-10-11T13:32:20.313" v="1703" actId="20577"/>
+          <ac:spMkLst>
+            <pc:docMk/>
+            <pc:sldMk cId="1538252808" sldId="257"/>
+            <ac:spMk id="1033" creationId="{E4445685-F59B-C83F-5687-D4DA7C4BEF5F}"/>
+          </ac:spMkLst>
+        </pc:spChg>
+        <pc:spChg chg="mod">
+          <ac:chgData name="McCauley, Kathryn (NIH/NIAID) [C]" userId="8123e298-eaa7-4067-960e-8e9acda1581f" providerId="ADAL" clId="{0C402FB5-1208-C94F-B091-6134B46BEC84}" dt="2024-10-11T13:32:44.312" v="1735" actId="14100"/>
+          <ac:spMkLst>
+            <pc:docMk/>
+            <pc:sldMk cId="1538252808" sldId="257"/>
+            <ac:spMk id="1041" creationId="{2BBFEE76-7B0D-C73E-0997-19BEB01699AD}"/>
+          </ac:spMkLst>
+        </pc:spChg>
+        <pc:spChg chg="mod">
+          <ac:chgData name="McCauley, Kathryn (NIH/NIAID) [C]" userId="8123e298-eaa7-4067-960e-8e9acda1581f" providerId="ADAL" clId="{0C402FB5-1208-C94F-B091-6134B46BEC84}" dt="2024-10-11T12:38:04.740" v="1245" actId="1036"/>
+          <ac:spMkLst>
+            <pc:docMk/>
+            <pc:sldMk cId="1538252808" sldId="257"/>
+            <ac:spMk id="1042" creationId="{A8BA2A78-B362-A075-4EDE-B3898128443F}"/>
+          </ac:spMkLst>
+        </pc:spChg>
+        <pc:spChg chg="mod">
+          <ac:chgData name="McCauley, Kathryn (NIH/NIAID) [C]" userId="8123e298-eaa7-4067-960e-8e9acda1581f" providerId="ADAL" clId="{0C402FB5-1208-C94F-B091-6134B46BEC84}" dt="2024-10-11T12:38:04.740" v="1245" actId="1036"/>
+          <ac:spMkLst>
+            <pc:docMk/>
+            <pc:sldMk cId="1538252808" sldId="257"/>
+            <ac:spMk id="1043" creationId="{504A633B-5EAE-BE71-18B7-57FAEDE0B009}"/>
+          </ac:spMkLst>
+        </pc:spChg>
+        <pc:spChg chg="mod">
+          <ac:chgData name="McCauley, Kathryn (NIH/NIAID) [C]" userId="8123e298-eaa7-4067-960e-8e9acda1581f" providerId="ADAL" clId="{0C402FB5-1208-C94F-B091-6134B46BEC84}" dt="2024-10-11T12:42:54.517" v="1635" actId="1035"/>
+          <ac:spMkLst>
+            <pc:docMk/>
+            <pc:sldMk cId="1538252808" sldId="257"/>
+            <ac:spMk id="1045" creationId="{F49BE465-CE6B-6EDC-A685-7E87EB75E856}"/>
+          </ac:spMkLst>
+        </pc:spChg>
         <pc:spChg chg="add mod">
           <ac:chgData name="McCauley, Kathryn (NIH/NIAID) [C]" userId="8123e298-eaa7-4067-960e-8e9acda1581f" providerId="ADAL" clId="{0C402FB5-1208-C94F-B091-6134B46BEC84}" dt="2024-10-10T21:47:08.680" v="804" actId="1038"/>
           <ac:spMkLst>
             <pc:docMk/>
             <pc:sldMk cId="1538252808" sldId="257"/>
             <ac:spMk id="1048" creationId="{3EB4E4F8-EFCF-08A2-E73C-39653C392458}"/>
+          </ac:spMkLst>
+        </pc:spChg>
+        <pc:spChg chg="mod">
+          <ac:chgData name="McCauley, Kathryn (NIH/NIAID) [C]" userId="8123e298-eaa7-4067-960e-8e9acda1581f" providerId="ADAL" clId="{0C402FB5-1208-C94F-B091-6134B46BEC84}" dt="2024-10-11T12:38:04.740" v="1245" actId="1036"/>
+          <ac:spMkLst>
+            <pc:docMk/>
+            <pc:sldMk cId="1538252808" sldId="257"/>
+            <ac:spMk id="1049" creationId="{F5CEAACC-EC81-B1F4-D272-FAD40BB8C1B5}"/>
           </ac:spMkLst>
         </pc:spChg>
         <pc:spChg chg="add mod">
@@ -280,7 +395,7 @@
           </ac:spMkLst>
         </pc:spChg>
         <pc:spChg chg="mod">
-          <ac:chgData name="McCauley, Kathryn (NIH/NIAID) [C]" userId="8123e298-eaa7-4067-960e-8e9acda1581f" providerId="ADAL" clId="{0C402FB5-1208-C94F-B091-6134B46BEC84}" dt="2024-10-10T21:58:13.878" v="1148" actId="1076"/>
+          <ac:chgData name="McCauley, Kathryn (NIH/NIAID) [C]" userId="8123e298-eaa7-4067-960e-8e9acda1581f" providerId="ADAL" clId="{0C402FB5-1208-C94F-B091-6134B46BEC84}" dt="2024-10-11T12:49:18.580" v="1637" actId="113"/>
           <ac:spMkLst>
             <pc:docMk/>
             <pc:sldMk cId="1538252808" sldId="257"/>
@@ -311,6 +426,38 @@
             <ac:spMk id="1061" creationId="{B6C230F7-31C0-A912-5387-98999C145C6C}"/>
           </ac:spMkLst>
         </pc:spChg>
+        <pc:spChg chg="mod">
+          <ac:chgData name="McCauley, Kathryn (NIH/NIAID) [C]" userId="8123e298-eaa7-4067-960e-8e9acda1581f" providerId="ADAL" clId="{0C402FB5-1208-C94F-B091-6134B46BEC84}" dt="2024-10-11T12:37:38.189" v="1232" actId="1036"/>
+          <ac:spMkLst>
+            <pc:docMk/>
+            <pc:sldMk cId="1538252808" sldId="257"/>
+            <ac:spMk id="1063" creationId="{0471134E-2AA1-4AE9-572B-BEF2AE9104DA}"/>
+          </ac:spMkLst>
+        </pc:spChg>
+        <pc:spChg chg="mod">
+          <ac:chgData name="McCauley, Kathryn (NIH/NIAID) [C]" userId="8123e298-eaa7-4067-960e-8e9acda1581f" providerId="ADAL" clId="{0C402FB5-1208-C94F-B091-6134B46BEC84}" dt="2024-10-11T12:37:38.189" v="1232" actId="1036"/>
+          <ac:spMkLst>
+            <pc:docMk/>
+            <pc:sldMk cId="1538252808" sldId="257"/>
+            <ac:spMk id="1064" creationId="{233E3213-2669-2D0E-D9BE-F8235EB9D87A}"/>
+          </ac:spMkLst>
+        </pc:spChg>
+        <pc:spChg chg="mod">
+          <ac:chgData name="McCauley, Kathryn (NIH/NIAID) [C]" userId="8123e298-eaa7-4067-960e-8e9acda1581f" providerId="ADAL" clId="{0C402FB5-1208-C94F-B091-6134B46BEC84}" dt="2024-10-11T12:36:43.064" v="1196" actId="1036"/>
+          <ac:spMkLst>
+            <pc:docMk/>
+            <pc:sldMk cId="1538252808" sldId="257"/>
+            <ac:spMk id="1065" creationId="{DA6F340A-EDF3-636C-B0C9-DFDD5BBED8F6}"/>
+          </ac:spMkLst>
+        </pc:spChg>
+        <pc:spChg chg="mod">
+          <ac:chgData name="McCauley, Kathryn (NIH/NIAID) [C]" userId="8123e298-eaa7-4067-960e-8e9acda1581f" providerId="ADAL" clId="{0C402FB5-1208-C94F-B091-6134B46BEC84}" dt="2024-10-11T12:37:38.189" v="1232" actId="1036"/>
+          <ac:spMkLst>
+            <pc:docMk/>
+            <pc:sldMk cId="1538252808" sldId="257"/>
+            <ac:spMk id="1066" creationId="{D8876C19-71F6-4969-2449-71E9F586FCCF}"/>
+          </ac:spMkLst>
+        </pc:spChg>
         <pc:spChg chg="add mod">
           <ac:chgData name="McCauley, Kathryn (NIH/NIAID) [C]" userId="8123e298-eaa7-4067-960e-8e9acda1581f" providerId="ADAL" clId="{0C402FB5-1208-C94F-B091-6134B46BEC84}" dt="2024-10-10T21:51:58.537" v="854" actId="1076"/>
           <ac:spMkLst>
@@ -335,6 +482,30 @@
             <ac:spMk id="1069" creationId="{BA02B8B7-CC93-63DF-FC38-5FCF926AA8E8}"/>
           </ac:spMkLst>
         </pc:spChg>
+        <pc:spChg chg="mod">
+          <ac:chgData name="McCauley, Kathryn (NIH/NIAID) [C]" userId="8123e298-eaa7-4067-960e-8e9acda1581f" providerId="ADAL" clId="{0C402FB5-1208-C94F-B091-6134B46BEC84}" dt="2024-10-11T12:37:38.189" v="1232" actId="1036"/>
+          <ac:spMkLst>
+            <pc:docMk/>
+            <pc:sldMk cId="1538252808" sldId="257"/>
+            <ac:spMk id="1070" creationId="{B369F00A-CB72-5F12-4650-5981E2DDCCF4}"/>
+          </ac:spMkLst>
+        </pc:spChg>
+        <pc:spChg chg="mod">
+          <ac:chgData name="McCauley, Kathryn (NIH/NIAID) [C]" userId="8123e298-eaa7-4067-960e-8e9acda1581f" providerId="ADAL" clId="{0C402FB5-1208-C94F-B091-6134B46BEC84}" dt="2024-10-11T12:37:38.189" v="1232" actId="1036"/>
+          <ac:spMkLst>
+            <pc:docMk/>
+            <pc:sldMk cId="1538252808" sldId="257"/>
+            <ac:spMk id="1071" creationId="{61189F15-AB4C-2D69-04EF-BD015E2A0B70}"/>
+          </ac:spMkLst>
+        </pc:spChg>
+        <pc:spChg chg="mod">
+          <ac:chgData name="McCauley, Kathryn (NIH/NIAID) [C]" userId="8123e298-eaa7-4067-960e-8e9acda1581f" providerId="ADAL" clId="{0C402FB5-1208-C94F-B091-6134B46BEC84}" dt="2024-10-11T12:38:04.740" v="1245" actId="1036"/>
+          <ac:spMkLst>
+            <pc:docMk/>
+            <pc:sldMk cId="1538252808" sldId="257"/>
+            <ac:spMk id="1072" creationId="{0031D751-1E21-B9E1-9143-F351BDDE04D2}"/>
+          </ac:spMkLst>
+        </pc:spChg>
         <pc:spChg chg="add mod">
           <ac:chgData name="McCauley, Kathryn (NIH/NIAID) [C]" userId="8123e298-eaa7-4067-960e-8e9acda1581f" providerId="ADAL" clId="{0C402FB5-1208-C94F-B091-6134B46BEC84}" dt="2024-10-10T21:56:00.979" v="1116"/>
           <ac:spMkLst>
@@ -344,7 +515,7 @@
           </ac:spMkLst>
         </pc:spChg>
         <pc:spChg chg="mod">
-          <ac:chgData name="McCauley, Kathryn (NIH/NIAID) [C]" userId="8123e298-eaa7-4067-960e-8e9acda1581f" providerId="ADAL" clId="{0C402FB5-1208-C94F-B091-6134B46BEC84}" dt="2024-10-10T21:57:28.954" v="1142" actId="113"/>
+          <ac:chgData name="McCauley, Kathryn (NIH/NIAID) [C]" userId="8123e298-eaa7-4067-960e-8e9acda1581f" providerId="ADAL" clId="{0C402FB5-1208-C94F-B091-6134B46BEC84}" dt="2024-10-11T13:03:12.412" v="1638" actId="20577"/>
           <ac:spMkLst>
             <pc:docMk/>
             <pc:sldMk cId="1538252808" sldId="257"/>
@@ -359,6 +530,54 @@
             <ac:spMk id="1084" creationId="{8F2D0482-62F7-5F76-3845-419B31A811D6}"/>
           </ac:spMkLst>
         </pc:spChg>
+        <pc:spChg chg="mod">
+          <ac:chgData name="McCauley, Kathryn (NIH/NIAID) [C]" userId="8123e298-eaa7-4067-960e-8e9acda1581f" providerId="ADAL" clId="{0C402FB5-1208-C94F-B091-6134B46BEC84}" dt="2024-10-11T12:38:04.740" v="1245" actId="1036"/>
+          <ac:spMkLst>
+            <pc:docMk/>
+            <pc:sldMk cId="1538252808" sldId="257"/>
+            <ac:spMk id="3091" creationId="{DF12105D-6BBB-0090-4C93-3C8E18646240}"/>
+          </ac:spMkLst>
+        </pc:spChg>
+        <pc:grpChg chg="mod">
+          <ac:chgData name="McCauley, Kathryn (NIH/NIAID) [C]" userId="8123e298-eaa7-4067-960e-8e9acda1581f" providerId="ADAL" clId="{0C402FB5-1208-C94F-B091-6134B46BEC84}" dt="2024-10-11T12:42:54.517" v="1635" actId="1035"/>
+          <ac:grpSpMkLst>
+            <pc:docMk/>
+            <pc:sldMk cId="1538252808" sldId="257"/>
+            <ac:grpSpMk id="1044" creationId="{8A150E4E-5ED8-A5ED-BF2B-D8219901B0A1}"/>
+          </ac:grpSpMkLst>
+        </pc:grpChg>
+        <pc:grpChg chg="mod">
+          <ac:chgData name="McCauley, Kathryn (NIH/NIAID) [C]" userId="8123e298-eaa7-4067-960e-8e9acda1581f" providerId="ADAL" clId="{0C402FB5-1208-C94F-B091-6134B46BEC84}" dt="2024-10-11T12:41:02.044" v="1631" actId="1036"/>
+          <ac:grpSpMkLst>
+            <pc:docMk/>
+            <pc:sldMk cId="1538252808" sldId="257"/>
+            <ac:grpSpMk id="1082" creationId="{366B9172-8B9D-BBBF-3AC0-900733DC09C4}"/>
+          </ac:grpSpMkLst>
+        </pc:grpChg>
+        <pc:grpChg chg="mod">
+          <ac:chgData name="McCauley, Kathryn (NIH/NIAID) [C]" userId="8123e298-eaa7-4067-960e-8e9acda1581f" providerId="ADAL" clId="{0C402FB5-1208-C94F-B091-6134B46BEC84}" dt="2024-10-11T12:38:04.740" v="1245" actId="1036"/>
+          <ac:grpSpMkLst>
+            <pc:docMk/>
+            <pc:sldMk cId="1538252808" sldId="257"/>
+            <ac:grpSpMk id="3092" creationId="{0D8C77FA-7602-A00A-9C53-CA41345B1E73}"/>
+          </ac:grpSpMkLst>
+        </pc:grpChg>
+        <pc:picChg chg="mod">
+          <ac:chgData name="McCauley, Kathryn (NIH/NIAID) [C]" userId="8123e298-eaa7-4067-960e-8e9acda1581f" providerId="ADAL" clId="{0C402FB5-1208-C94F-B091-6134B46BEC84}" dt="2024-10-11T12:37:38.189" v="1232" actId="1036"/>
+          <ac:picMkLst>
+            <pc:docMk/>
+            <pc:sldMk cId="1538252808" sldId="257"/>
+            <ac:picMk id="30" creationId="{D217530F-500D-E97C-6A97-0D0E4780B700}"/>
+          </ac:picMkLst>
+        </pc:picChg>
+        <pc:picChg chg="mod">
+          <ac:chgData name="McCauley, Kathryn (NIH/NIAID) [C]" userId="8123e298-eaa7-4067-960e-8e9acda1581f" providerId="ADAL" clId="{0C402FB5-1208-C94F-B091-6134B46BEC84}" dt="2024-10-11T12:37:38.189" v="1232" actId="1036"/>
+          <ac:picMkLst>
+            <pc:docMk/>
+            <pc:sldMk cId="1538252808" sldId="257"/>
+            <ac:picMk id="32" creationId="{6F4B57AC-C74D-A64B-96D8-EE4E8B9008DB}"/>
+          </ac:picMkLst>
+        </pc:picChg>
         <pc:picChg chg="mod">
           <ac:chgData name="McCauley, Kathryn (NIH/NIAID) [C]" userId="8123e298-eaa7-4067-960e-8e9acda1581f" providerId="ADAL" clId="{0C402FB5-1208-C94F-B091-6134B46BEC84}" dt="2024-10-10T21:18:59.036" v="48" actId="1035"/>
           <ac:picMkLst>
@@ -367,10 +586,547 @@
             <ac:picMk id="35" creationId="{A1FF18F0-2D41-99CC-797A-96EC43C2F043}"/>
           </ac:picMkLst>
         </pc:picChg>
+        <pc:picChg chg="mod">
+          <ac:chgData name="McCauley, Kathryn (NIH/NIAID) [C]" userId="8123e298-eaa7-4067-960e-8e9acda1581f" providerId="ADAL" clId="{0C402FB5-1208-C94F-B091-6134B46BEC84}" dt="2024-10-11T12:41:02.044" v="1631" actId="1036"/>
+          <ac:picMkLst>
+            <pc:docMk/>
+            <pc:sldMk cId="1538252808" sldId="257"/>
+            <ac:picMk id="43" creationId="{57C5C114-0E29-A7F0-0C8D-8EB5097B9683}"/>
+          </ac:picMkLst>
+        </pc:picChg>
+        <pc:picChg chg="mod">
+          <ac:chgData name="McCauley, Kathryn (NIH/NIAID) [C]" userId="8123e298-eaa7-4067-960e-8e9acda1581f" providerId="ADAL" clId="{0C402FB5-1208-C94F-B091-6134B46BEC84}" dt="2024-10-11T12:41:02.044" v="1631" actId="1036"/>
+          <ac:picMkLst>
+            <pc:docMk/>
+            <pc:sldMk cId="1538252808" sldId="257"/>
+            <ac:picMk id="45" creationId="{4381684F-58E8-B5CA-1D28-260F5DFC1280}"/>
+          </ac:picMkLst>
+        </pc:picChg>
+        <pc:picChg chg="mod">
+          <ac:chgData name="McCauley, Kathryn (NIH/NIAID) [C]" userId="8123e298-eaa7-4067-960e-8e9acda1581f" providerId="ADAL" clId="{0C402FB5-1208-C94F-B091-6134B46BEC84}" dt="2024-10-11T12:41:02.044" v="1631" actId="1036"/>
+          <ac:picMkLst>
+            <pc:docMk/>
+            <pc:sldMk cId="1538252808" sldId="257"/>
+            <ac:picMk id="47" creationId="{7491A645-23E6-7E4C-93B6-F7CCF4D2FF6A}"/>
+          </ac:picMkLst>
+        </pc:picChg>
+        <pc:picChg chg="mod">
+          <ac:chgData name="McCauley, Kathryn (NIH/NIAID) [C]" userId="8123e298-eaa7-4067-960e-8e9acda1581f" providerId="ADAL" clId="{0C402FB5-1208-C94F-B091-6134B46BEC84}" dt="2024-10-11T13:30:19.924" v="1694" actId="1036"/>
+          <ac:picMkLst>
+            <pc:docMk/>
+            <pc:sldMk cId="1538252808" sldId="257"/>
+            <ac:picMk id="1024" creationId="{79802014-D1AC-7256-DFE2-DCBC10F1521D}"/>
+          </ac:picMkLst>
+        </pc:picChg>
+        <pc:picChg chg="mod">
+          <ac:chgData name="McCauley, Kathryn (NIH/NIAID) [C]" userId="8123e298-eaa7-4067-960e-8e9acda1581f" providerId="ADAL" clId="{0C402FB5-1208-C94F-B091-6134B46BEC84}" dt="2024-10-11T13:30:19.924" v="1694" actId="1036"/>
+          <ac:picMkLst>
+            <pc:docMk/>
+            <pc:sldMk cId="1538252808" sldId="257"/>
+            <ac:picMk id="1037" creationId="{32594F86-70B8-8039-3C3E-0D83EEFC604E}"/>
+          </ac:picMkLst>
+        </pc:picChg>
+        <pc:picChg chg="mod">
+          <ac:chgData name="McCauley, Kathryn (NIH/NIAID) [C]" userId="8123e298-eaa7-4067-960e-8e9acda1581f" providerId="ADAL" clId="{0C402FB5-1208-C94F-B091-6134B46BEC84}" dt="2024-10-22T18:56:51.493" v="1749" actId="1076"/>
+          <ac:picMkLst>
+            <pc:docMk/>
+            <pc:sldMk cId="1538252808" sldId="257"/>
+            <ac:picMk id="1046" creationId="{0272D15B-908E-274A-DC36-3779A74968A6}"/>
+          </ac:picMkLst>
+        </pc:picChg>
+        <pc:picChg chg="mod">
+          <ac:chgData name="McCauley, Kathryn (NIH/NIAID) [C]" userId="8123e298-eaa7-4067-960e-8e9acda1581f" providerId="ADAL" clId="{0C402FB5-1208-C94F-B091-6134B46BEC84}" dt="2024-10-11T12:38:04.740" v="1245" actId="1036"/>
+          <ac:picMkLst>
+            <pc:docMk/>
+            <pc:sldMk cId="1538252808" sldId="257"/>
+            <ac:picMk id="1056" creationId="{4637BDDA-D580-7582-8CA2-B6109DD0A581}"/>
+          </ac:picMkLst>
+        </pc:picChg>
+        <pc:picChg chg="mod">
+          <ac:chgData name="McCauley, Kathryn (NIH/NIAID) [C]" userId="8123e298-eaa7-4067-960e-8e9acda1581f" providerId="ADAL" clId="{0C402FB5-1208-C94F-B091-6134B46BEC84}" dt="2024-10-11T12:38:04.740" v="1245" actId="1036"/>
+          <ac:picMkLst>
+            <pc:docMk/>
+            <pc:sldMk cId="1538252808" sldId="257"/>
+            <ac:picMk id="1060" creationId="{72B9B3BB-2B0A-95B1-1703-42A0E9B779BD}"/>
+          </ac:picMkLst>
+        </pc:picChg>
+        <pc:picChg chg="mod">
+          <ac:chgData name="McCauley, Kathryn (NIH/NIAID) [C]" userId="8123e298-eaa7-4067-960e-8e9acda1581f" providerId="ADAL" clId="{0C402FB5-1208-C94F-B091-6134B46BEC84}" dt="2024-10-11T12:38:04.740" v="1245" actId="1036"/>
+          <ac:picMkLst>
+            <pc:docMk/>
+            <pc:sldMk cId="1538252808" sldId="257"/>
+            <ac:picMk id="1062" creationId="{F2C9C3A9-2798-F737-2FA0-00BDC99DB057}"/>
+          </ac:picMkLst>
+        </pc:picChg>
+        <pc:picChg chg="mod">
+          <ac:chgData name="McCauley, Kathryn (NIH/NIAID) [C]" userId="8123e298-eaa7-4067-960e-8e9acda1581f" providerId="ADAL" clId="{0C402FB5-1208-C94F-B091-6134B46BEC84}" dt="2024-10-11T12:38:04.740" v="1245" actId="1036"/>
+          <ac:picMkLst>
+            <pc:docMk/>
+            <pc:sldMk cId="1538252808" sldId="257"/>
+            <ac:picMk id="1075" creationId="{E66BC3D4-093B-BC01-DF5A-89C00F0770EB}"/>
+          </ac:picMkLst>
+        </pc:picChg>
+        <pc:picChg chg="mod">
+          <ac:chgData name="McCauley, Kathryn (NIH/NIAID) [C]" userId="8123e298-eaa7-4067-960e-8e9acda1581f" providerId="ADAL" clId="{0C402FB5-1208-C94F-B091-6134B46BEC84}" dt="2024-10-11T12:37:38.189" v="1232" actId="1036"/>
+          <ac:picMkLst>
+            <pc:docMk/>
+            <pc:sldMk cId="1538252808" sldId="257"/>
+            <ac:picMk id="3078" creationId="{E30F5DAB-C139-E5A0-8D02-C0B111865725}"/>
+          </ac:picMkLst>
+        </pc:picChg>
+        <pc:picChg chg="mod">
+          <ac:chgData name="McCauley, Kathryn (NIH/NIAID) [C]" userId="8123e298-eaa7-4067-960e-8e9acda1581f" providerId="ADAL" clId="{0C402FB5-1208-C94F-B091-6134B46BEC84}" dt="2024-10-11T12:38:04.740" v="1245" actId="1036"/>
+          <ac:picMkLst>
+            <pc:docMk/>
+            <pc:sldMk cId="1538252808" sldId="257"/>
+            <ac:picMk id="3089" creationId="{B1369CF9-5607-80A7-379B-825C1E0F4097}"/>
+          </ac:picMkLst>
+        </pc:picChg>
+        <pc:cxnChg chg="mod">
+          <ac:chgData name="McCauley, Kathryn (NIH/NIAID) [C]" userId="8123e298-eaa7-4067-960e-8e9acda1581f" providerId="ADAL" clId="{0C402FB5-1208-C94F-B091-6134B46BEC84}" dt="2024-10-11T12:37:38.189" v="1232" actId="1036"/>
+          <ac:cxnSpMkLst>
+            <pc:docMk/>
+            <pc:sldMk cId="1538252808" sldId="257"/>
+            <ac:cxnSpMk id="1073" creationId="{2513C9E0-88AB-D00D-B9DB-243DB4EF638A}"/>
+          </ac:cxnSpMkLst>
+        </pc:cxnChg>
       </pc:sldChg>
     </pc:docChg>
   </pc:docChgLst>
 </pc:chgInfo>
+</file>
+
+<file path=ppt/notesMasters/notesMaster1.xml><?xml version="1.0" encoding="utf-8"?>
+<p:notesMaster xmlns:a="http://schemas.openxmlformats.org/drawingml/2006/main" xmlns:r="http://schemas.openxmlformats.org/officeDocument/2006/relationships" xmlns:p="http://schemas.openxmlformats.org/presentationml/2006/main">
+  <p:cSld>
+    <p:bg>
+      <p:bgRef idx="1001">
+        <a:schemeClr val="bg1"/>
+      </p:bgRef>
+    </p:bg>
+    <p:spTree>
+      <p:nvGrpSpPr>
+        <p:cNvPr id="1" name=""/>
+        <p:cNvGrpSpPr/>
+        <p:nvPr/>
+      </p:nvGrpSpPr>
+      <p:grpSpPr>
+        <a:xfrm>
+          <a:off x="0" y="0"/>
+          <a:ext cx="0" cy="0"/>
+          <a:chOff x="0" y="0"/>
+          <a:chExt cx="0" cy="0"/>
+        </a:xfrm>
+      </p:grpSpPr>
+      <p:sp>
+        <p:nvSpPr>
+          <p:cNvPr id="2" name="Header Placeholder 1"/>
+          <p:cNvSpPr>
+            <a:spLocks noGrp="1"/>
+          </p:cNvSpPr>
+          <p:nvPr>
+            <p:ph type="hdr" sz="quarter"/>
+          </p:nvPr>
+        </p:nvSpPr>
+        <p:spPr>
+          <a:xfrm>
+            <a:off x="0" y="0"/>
+            <a:ext cx="2971800" cy="458788"/>
+          </a:xfrm>
+          <a:prstGeom prst="rect">
+            <a:avLst/>
+          </a:prstGeom>
+        </p:spPr>
+        <p:txBody>
+          <a:bodyPr vert="horz" lIns="91440" tIns="45720" rIns="91440" bIns="45720" rtlCol="0"/>
+          <a:lstStyle>
+            <a:lvl1pPr algn="l">
+              <a:defRPr sz="1200"/>
+            </a:lvl1pPr>
+          </a:lstStyle>
+          <a:p>
+            <a:endParaRPr lang="en-US"/>
+          </a:p>
+        </p:txBody>
+      </p:sp>
+      <p:sp>
+        <p:nvSpPr>
+          <p:cNvPr id="3" name="Date Placeholder 2"/>
+          <p:cNvSpPr>
+            <a:spLocks noGrp="1"/>
+          </p:cNvSpPr>
+          <p:nvPr>
+            <p:ph type="dt" idx="1"/>
+          </p:nvPr>
+        </p:nvSpPr>
+        <p:spPr>
+          <a:xfrm>
+            <a:off x="3884613" y="0"/>
+            <a:ext cx="2971800" cy="458788"/>
+          </a:xfrm>
+          <a:prstGeom prst="rect">
+            <a:avLst/>
+          </a:prstGeom>
+        </p:spPr>
+        <p:txBody>
+          <a:bodyPr vert="horz" lIns="91440" tIns="45720" rIns="91440" bIns="45720" rtlCol="0"/>
+          <a:lstStyle>
+            <a:lvl1pPr algn="r">
+              <a:defRPr sz="1200"/>
+            </a:lvl1pPr>
+          </a:lstStyle>
+          <a:p>
+            <a:fld id="{23FB4B41-4CCE-9541-B1BD-AD7E0745DD20}" type="datetimeFigureOut">
+              <a:rPr lang="en-US" smtClean="0"/>
+              <a:t>10/22/24</a:t>
+            </a:fld>
+            <a:endParaRPr lang="en-US"/>
+          </a:p>
+        </p:txBody>
+      </p:sp>
+      <p:sp>
+        <p:nvSpPr>
+          <p:cNvPr id="4" name="Slide Image Placeholder 3"/>
+          <p:cNvSpPr>
+            <a:spLocks noGrp="1" noRot="1" noChangeAspect="1"/>
+          </p:cNvSpPr>
+          <p:nvPr>
+            <p:ph type="sldImg" idx="2"/>
+          </p:nvPr>
+        </p:nvSpPr>
+        <p:spPr>
+          <a:xfrm>
+            <a:off x="1489075" y="1143000"/>
+            <a:ext cx="3879850" cy="3086100"/>
+          </a:xfrm>
+          <a:prstGeom prst="rect">
+            <a:avLst/>
+          </a:prstGeom>
+          <a:noFill/>
+          <a:ln w="12700">
+            <a:solidFill>
+              <a:prstClr val="black"/>
+            </a:solidFill>
+          </a:ln>
+        </p:spPr>
+        <p:txBody>
+          <a:bodyPr vert="horz" lIns="91440" tIns="45720" rIns="91440" bIns="45720" rtlCol="0" anchor="ctr"/>
+          <a:lstStyle/>
+          <a:p>
+            <a:endParaRPr lang="en-US"/>
+          </a:p>
+        </p:txBody>
+      </p:sp>
+      <p:sp>
+        <p:nvSpPr>
+          <p:cNvPr id="5" name="Notes Placeholder 4"/>
+          <p:cNvSpPr>
+            <a:spLocks noGrp="1"/>
+          </p:cNvSpPr>
+          <p:nvPr>
+            <p:ph type="body" sz="quarter" idx="3"/>
+          </p:nvPr>
+        </p:nvSpPr>
+        <p:spPr>
+          <a:xfrm>
+            <a:off x="685800" y="4400550"/>
+            <a:ext cx="5486400" cy="3600450"/>
+          </a:xfrm>
+          <a:prstGeom prst="rect">
+            <a:avLst/>
+          </a:prstGeom>
+        </p:spPr>
+        <p:txBody>
+          <a:bodyPr vert="horz" lIns="91440" tIns="45720" rIns="91440" bIns="45720" rtlCol="0"/>
+          <a:lstStyle/>
+          <a:p>
+            <a:pPr lvl="0"/>
+            <a:r>
+              <a:rPr lang="en-US"/>
+              <a:t>Click to edit Master text styles</a:t>
+            </a:r>
+          </a:p>
+          <a:p>
+            <a:pPr lvl="1"/>
+            <a:r>
+              <a:rPr lang="en-US"/>
+              <a:t>Second level</a:t>
+            </a:r>
+          </a:p>
+          <a:p>
+            <a:pPr lvl="2"/>
+            <a:r>
+              <a:rPr lang="en-US"/>
+              <a:t>Third level</a:t>
+            </a:r>
+          </a:p>
+          <a:p>
+            <a:pPr lvl="3"/>
+            <a:r>
+              <a:rPr lang="en-US"/>
+              <a:t>Fourth level</a:t>
+            </a:r>
+          </a:p>
+          <a:p>
+            <a:pPr lvl="4"/>
+            <a:r>
+              <a:rPr lang="en-US"/>
+              <a:t>Fifth level</a:t>
+            </a:r>
+          </a:p>
+        </p:txBody>
+      </p:sp>
+      <p:sp>
+        <p:nvSpPr>
+          <p:cNvPr id="6" name="Footer Placeholder 5"/>
+          <p:cNvSpPr>
+            <a:spLocks noGrp="1"/>
+          </p:cNvSpPr>
+          <p:nvPr>
+            <p:ph type="ftr" sz="quarter" idx="4"/>
+          </p:nvPr>
+        </p:nvSpPr>
+        <p:spPr>
+          <a:xfrm>
+            <a:off x="0" y="8685213"/>
+            <a:ext cx="2971800" cy="458787"/>
+          </a:xfrm>
+          <a:prstGeom prst="rect">
+            <a:avLst/>
+          </a:prstGeom>
+        </p:spPr>
+        <p:txBody>
+          <a:bodyPr vert="horz" lIns="91440" tIns="45720" rIns="91440" bIns="45720" rtlCol="0" anchor="b"/>
+          <a:lstStyle>
+            <a:lvl1pPr algn="l">
+              <a:defRPr sz="1200"/>
+            </a:lvl1pPr>
+          </a:lstStyle>
+          <a:p>
+            <a:endParaRPr lang="en-US"/>
+          </a:p>
+        </p:txBody>
+      </p:sp>
+      <p:sp>
+        <p:nvSpPr>
+          <p:cNvPr id="7" name="Slide Number Placeholder 6"/>
+          <p:cNvSpPr>
+            <a:spLocks noGrp="1"/>
+          </p:cNvSpPr>
+          <p:nvPr>
+            <p:ph type="sldNum" sz="quarter" idx="5"/>
+          </p:nvPr>
+        </p:nvSpPr>
+        <p:spPr>
+          <a:xfrm>
+            <a:off x="3884613" y="8685213"/>
+            <a:ext cx="2971800" cy="458787"/>
+          </a:xfrm>
+          <a:prstGeom prst="rect">
+            <a:avLst/>
+          </a:prstGeom>
+        </p:spPr>
+        <p:txBody>
+          <a:bodyPr vert="horz" lIns="91440" tIns="45720" rIns="91440" bIns="45720" rtlCol="0" anchor="b"/>
+          <a:lstStyle>
+            <a:lvl1pPr algn="r">
+              <a:defRPr sz="1200"/>
+            </a:lvl1pPr>
+          </a:lstStyle>
+          <a:p>
+            <a:fld id="{489D4D6F-70BF-224F-98FD-C7A424EB8F2D}" type="slidenum">
+              <a:rPr lang="en-US" smtClean="0"/>
+              <a:t>‹#›</a:t>
+            </a:fld>
+            <a:endParaRPr lang="en-US"/>
+          </a:p>
+        </p:txBody>
+      </p:sp>
+    </p:spTree>
+    <p:extLst>
+      <p:ext uri="{BB962C8B-B14F-4D97-AF65-F5344CB8AC3E}">
+        <p14:creationId xmlns:p14="http://schemas.microsoft.com/office/powerpoint/2010/main" val="3559177759"/>
+      </p:ext>
+    </p:extLst>
+  </p:cSld>
+  <p:clrMap bg1="lt1" tx1="dk1" bg2="lt2" tx2="dk2" accent1="accent1" accent2="accent2" accent3="accent3" accent4="accent4" accent5="accent5" accent6="accent6" hlink="hlink" folHlink="folHlink"/>
+  <p:notesStyle>
+    <a:lvl1pPr marL="0" algn="l" defTabSz="914400" rtl="0" eaLnBrk="1" latinLnBrk="0" hangingPunct="1">
+      <a:defRPr sz="1200" kern="1200">
+        <a:solidFill>
+          <a:schemeClr val="tx1"/>
+        </a:solidFill>
+        <a:latin typeface="+mn-lt"/>
+        <a:ea typeface="+mn-ea"/>
+        <a:cs typeface="+mn-cs"/>
+      </a:defRPr>
+    </a:lvl1pPr>
+    <a:lvl2pPr marL="457200" algn="l" defTabSz="914400" rtl="0" eaLnBrk="1" latinLnBrk="0" hangingPunct="1">
+      <a:defRPr sz="1200" kern="1200">
+        <a:solidFill>
+          <a:schemeClr val="tx1"/>
+        </a:solidFill>
+        <a:latin typeface="+mn-lt"/>
+        <a:ea typeface="+mn-ea"/>
+        <a:cs typeface="+mn-cs"/>
+      </a:defRPr>
+    </a:lvl2pPr>
+    <a:lvl3pPr marL="914400" algn="l" defTabSz="914400" rtl="0" eaLnBrk="1" latinLnBrk="0" hangingPunct="1">
+      <a:defRPr sz="1200" kern="1200">
+        <a:solidFill>
+          <a:schemeClr val="tx1"/>
+        </a:solidFill>
+        <a:latin typeface="+mn-lt"/>
+        <a:ea typeface="+mn-ea"/>
+        <a:cs typeface="+mn-cs"/>
+      </a:defRPr>
+    </a:lvl3pPr>
+    <a:lvl4pPr marL="1371600" algn="l" defTabSz="914400" rtl="0" eaLnBrk="1" latinLnBrk="0" hangingPunct="1">
+      <a:defRPr sz="1200" kern="1200">
+        <a:solidFill>
+          <a:schemeClr val="tx1"/>
+        </a:solidFill>
+        <a:latin typeface="+mn-lt"/>
+        <a:ea typeface="+mn-ea"/>
+        <a:cs typeface="+mn-cs"/>
+      </a:defRPr>
+    </a:lvl4pPr>
+    <a:lvl5pPr marL="1828800" algn="l" defTabSz="914400" rtl="0" eaLnBrk="1" latinLnBrk="0" hangingPunct="1">
+      <a:defRPr sz="1200" kern="1200">
+        <a:solidFill>
+          <a:schemeClr val="tx1"/>
+        </a:solidFill>
+        <a:latin typeface="+mn-lt"/>
+        <a:ea typeface="+mn-ea"/>
+        <a:cs typeface="+mn-cs"/>
+      </a:defRPr>
+    </a:lvl5pPr>
+    <a:lvl6pPr marL="2286000" algn="l" defTabSz="914400" rtl="0" eaLnBrk="1" latinLnBrk="0" hangingPunct="1">
+      <a:defRPr sz="1200" kern="1200">
+        <a:solidFill>
+          <a:schemeClr val="tx1"/>
+        </a:solidFill>
+        <a:latin typeface="+mn-lt"/>
+        <a:ea typeface="+mn-ea"/>
+        <a:cs typeface="+mn-cs"/>
+      </a:defRPr>
+    </a:lvl6pPr>
+    <a:lvl7pPr marL="2743200" algn="l" defTabSz="914400" rtl="0" eaLnBrk="1" latinLnBrk="0" hangingPunct="1">
+      <a:defRPr sz="1200" kern="1200">
+        <a:solidFill>
+          <a:schemeClr val="tx1"/>
+        </a:solidFill>
+        <a:latin typeface="+mn-lt"/>
+        <a:ea typeface="+mn-ea"/>
+        <a:cs typeface="+mn-cs"/>
+      </a:defRPr>
+    </a:lvl7pPr>
+    <a:lvl8pPr marL="3200400" algn="l" defTabSz="914400" rtl="0" eaLnBrk="1" latinLnBrk="0" hangingPunct="1">
+      <a:defRPr sz="1200" kern="1200">
+        <a:solidFill>
+          <a:schemeClr val="tx1"/>
+        </a:solidFill>
+        <a:latin typeface="+mn-lt"/>
+        <a:ea typeface="+mn-ea"/>
+        <a:cs typeface="+mn-cs"/>
+      </a:defRPr>
+    </a:lvl8pPr>
+    <a:lvl9pPr marL="3657600" algn="l" defTabSz="914400" rtl="0" eaLnBrk="1" latinLnBrk="0" hangingPunct="1">
+      <a:defRPr sz="1200" kern="1200">
+        <a:solidFill>
+          <a:schemeClr val="tx1"/>
+        </a:solidFill>
+        <a:latin typeface="+mn-lt"/>
+        <a:ea typeface="+mn-ea"/>
+        <a:cs typeface="+mn-cs"/>
+      </a:defRPr>
+    </a:lvl9pPr>
+  </p:notesStyle>
+</p:notesMaster>
+</file>
+
+<file path=ppt/notesSlides/notesSlide1.xml><?xml version="1.0" encoding="utf-8"?>
+<p:notes xmlns:a="http://schemas.openxmlformats.org/drawingml/2006/main" xmlns:r="http://schemas.openxmlformats.org/officeDocument/2006/relationships" xmlns:p="http://schemas.openxmlformats.org/presentationml/2006/main">
+  <p:cSld>
+    <p:spTree>
+      <p:nvGrpSpPr>
+        <p:cNvPr id="1" name=""/>
+        <p:cNvGrpSpPr/>
+        <p:nvPr/>
+      </p:nvGrpSpPr>
+      <p:grpSpPr>
+        <a:xfrm>
+          <a:off x="0" y="0"/>
+          <a:ext cx="0" cy="0"/>
+          <a:chOff x="0" y="0"/>
+          <a:chExt cx="0" cy="0"/>
+        </a:xfrm>
+      </p:grpSpPr>
+      <p:sp>
+        <p:nvSpPr>
+          <p:cNvPr id="2" name="Slide Image Placeholder 1"/>
+          <p:cNvSpPr>
+            <a:spLocks noGrp="1" noRot="1" noChangeAspect="1"/>
+          </p:cNvSpPr>
+          <p:nvPr>
+            <p:ph type="sldImg"/>
+          </p:nvPr>
+        </p:nvSpPr>
+        <p:spPr/>
+      </p:sp>
+      <p:sp>
+        <p:nvSpPr>
+          <p:cNvPr id="3" name="Notes Placeholder 2"/>
+          <p:cNvSpPr>
+            <a:spLocks noGrp="1"/>
+          </p:cNvSpPr>
+          <p:nvPr>
+            <p:ph type="body" idx="1"/>
+          </p:nvPr>
+        </p:nvSpPr>
+        <p:spPr/>
+        <p:txBody>
+          <a:bodyPr/>
+          <a:lstStyle/>
+          <a:p>
+            <a:endParaRPr lang="en-US" dirty="0"/>
+          </a:p>
+        </p:txBody>
+      </p:sp>
+      <p:sp>
+        <p:nvSpPr>
+          <p:cNvPr id="4" name="Slide Number Placeholder 3"/>
+          <p:cNvSpPr>
+            <a:spLocks noGrp="1"/>
+          </p:cNvSpPr>
+          <p:nvPr>
+            <p:ph type="sldNum" sz="quarter" idx="5"/>
+          </p:nvPr>
+        </p:nvSpPr>
+        <p:spPr/>
+        <p:txBody>
+          <a:bodyPr/>
+          <a:lstStyle/>
+          <a:p>
+            <a:fld id="{489D4D6F-70BF-224F-98FD-C7A424EB8F2D}" type="slidenum">
+              <a:rPr lang="en-US" smtClean="0"/>
+              <a:t>1</a:t>
+            </a:fld>
+            <a:endParaRPr lang="en-US"/>
+          </a:p>
+        </p:txBody>
+      </p:sp>
+    </p:spTree>
+    <p:extLst>
+      <p:ext uri="{BB962C8B-B14F-4D97-AF65-F5344CB8AC3E}">
+        <p14:creationId xmlns:p14="http://schemas.microsoft.com/office/powerpoint/2010/main" val="2482977365"/>
+      </p:ext>
+    </p:extLst>
+  </p:cSld>
+  <p:clrMapOvr>
+    <a:masterClrMapping/>
+  </p:clrMapOvr>
+</p:notes>
 </file>
 
 <file path=ppt/slideLayouts/slideLayout1.xml><?xml version="1.0" encoding="utf-8"?>
@@ -504,7 +1260,7 @@
           <a:p>
             <a:fld id="{DDCDFDCF-5B5E-9D4E-AA60-E7B60AA046F2}" type="datetimeFigureOut">
               <a:rPr lang="en-US" smtClean="0"/>
-              <a:t>10/10/24</a:t>
+              <a:t>10/22/24</a:t>
             </a:fld>
             <a:endParaRPr lang="en-US"/>
           </a:p>
@@ -674,7 +1430,7 @@
           <a:p>
             <a:fld id="{DDCDFDCF-5B5E-9D4E-AA60-E7B60AA046F2}" type="datetimeFigureOut">
               <a:rPr lang="en-US" smtClean="0"/>
-              <a:t>10/10/24</a:t>
+              <a:t>10/22/24</a:t>
             </a:fld>
             <a:endParaRPr lang="en-US"/>
           </a:p>
@@ -854,7 +1610,7 @@
           <a:p>
             <a:fld id="{DDCDFDCF-5B5E-9D4E-AA60-E7B60AA046F2}" type="datetimeFigureOut">
               <a:rPr lang="en-US" smtClean="0"/>
-              <a:t>10/10/24</a:t>
+              <a:t>10/22/24</a:t>
             </a:fld>
             <a:endParaRPr lang="en-US"/>
           </a:p>
@@ -1024,7 +1780,7 @@
           <a:p>
             <a:fld id="{DDCDFDCF-5B5E-9D4E-AA60-E7B60AA046F2}" type="datetimeFigureOut">
               <a:rPr lang="en-US" smtClean="0"/>
-              <a:t>10/10/24</a:t>
+              <a:t>10/22/24</a:t>
             </a:fld>
             <a:endParaRPr lang="en-US"/>
           </a:p>
@@ -1270,7 +2026,7 @@
           <a:p>
             <a:fld id="{DDCDFDCF-5B5E-9D4E-AA60-E7B60AA046F2}" type="datetimeFigureOut">
               <a:rPr lang="en-US" smtClean="0"/>
-              <a:t>10/10/24</a:t>
+              <a:t>10/22/24</a:t>
             </a:fld>
             <a:endParaRPr lang="en-US"/>
           </a:p>
@@ -1502,7 +2258,7 @@
           <a:p>
             <a:fld id="{DDCDFDCF-5B5E-9D4E-AA60-E7B60AA046F2}" type="datetimeFigureOut">
               <a:rPr lang="en-US" smtClean="0"/>
-              <a:t>10/10/24</a:t>
+              <a:t>10/22/24</a:t>
             </a:fld>
             <a:endParaRPr lang="en-US"/>
           </a:p>
@@ -1869,7 +2625,7 @@
           <a:p>
             <a:fld id="{DDCDFDCF-5B5E-9D4E-AA60-E7B60AA046F2}" type="datetimeFigureOut">
               <a:rPr lang="en-US" smtClean="0"/>
-              <a:t>10/10/24</a:t>
+              <a:t>10/22/24</a:t>
             </a:fld>
             <a:endParaRPr lang="en-US"/>
           </a:p>
@@ -1987,7 +2743,7 @@
           <a:p>
             <a:fld id="{DDCDFDCF-5B5E-9D4E-AA60-E7B60AA046F2}" type="datetimeFigureOut">
               <a:rPr lang="en-US" smtClean="0"/>
-              <a:t>10/10/24</a:t>
+              <a:t>10/22/24</a:t>
             </a:fld>
             <a:endParaRPr lang="en-US"/>
           </a:p>
@@ -2082,7 +2838,7 @@
           <a:p>
             <a:fld id="{DDCDFDCF-5B5E-9D4E-AA60-E7B60AA046F2}" type="datetimeFigureOut">
               <a:rPr lang="en-US" smtClean="0"/>
-              <a:t>10/10/24</a:t>
+              <a:t>10/22/24</a:t>
             </a:fld>
             <a:endParaRPr lang="en-US"/>
           </a:p>
@@ -2359,7 +3115,7 @@
           <a:p>
             <a:fld id="{DDCDFDCF-5B5E-9D4E-AA60-E7B60AA046F2}" type="datetimeFigureOut">
               <a:rPr lang="en-US" smtClean="0"/>
-              <a:t>10/10/24</a:t>
+              <a:t>10/22/24</a:t>
             </a:fld>
             <a:endParaRPr lang="en-US"/>
           </a:p>
@@ -2616,7 +3372,7 @@
           <a:p>
             <a:fld id="{DDCDFDCF-5B5E-9D4E-AA60-E7B60AA046F2}" type="datetimeFigureOut">
               <a:rPr lang="en-US" smtClean="0"/>
-              <a:t>10/10/24</a:t>
+              <a:t>10/22/24</a:t>
             </a:fld>
             <a:endParaRPr lang="en-US"/>
           </a:p>
@@ -2829,7 +3585,7 @@
           <a:p>
             <a:fld id="{DDCDFDCF-5B5E-9D4E-AA60-E7B60AA046F2}" type="datetimeFigureOut">
               <a:rPr lang="en-US" smtClean="0"/>
-              <a:t>10/10/24</a:t>
+              <a:t>10/22/24</a:t>
             </a:fld>
             <a:endParaRPr lang="en-US"/>
           </a:p>
@@ -3255,7 +4011,7 @@
           <p:nvPr/>
         </p:nvPicPr>
         <p:blipFill>
-          <a:blip r:embed="rId2">
+          <a:blip r:embed="rId3">
             <a:extLst>
               <a:ext uri="{28A0092B-C50C-407E-A947-70E740481C1C}">
                 <a14:useLocalDpi xmlns:a14="http://schemas.microsoft.com/office/drawing/2010/main" val="0"/>
@@ -3462,7 +4218,7 @@
           <p:nvPr/>
         </p:nvPicPr>
         <p:blipFill rotWithShape="1">
-          <a:blip r:embed="rId3">
+          <a:blip r:embed="rId4">
             <a:extLst>
               <a:ext uri="{28A0092B-C50C-407E-A947-70E740481C1C}">
                 <a14:useLocalDpi xmlns:a14="http://schemas.microsoft.com/office/drawing/2010/main" val="0"/>
@@ -3474,7 +4230,7 @@
         </p:blipFill>
         <p:spPr bwMode="auto">
           <a:xfrm>
-            <a:off x="6199458" y="12818993"/>
+            <a:off x="6199458" y="13227218"/>
             <a:ext cx="2922508" cy="8731520"/>
           </a:xfrm>
           <a:prstGeom prst="rect">
@@ -3672,7 +4428,7 @@
         </p:nvSpPr>
         <p:spPr>
           <a:xfrm>
-            <a:off x="345764" y="12732211"/>
+            <a:off x="345764" y="13140436"/>
             <a:ext cx="1808508" cy="584775"/>
           </a:xfrm>
           <a:prstGeom prst="rect">
@@ -4114,8 +4870,8 @@
         </p:nvSpPr>
         <p:spPr>
           <a:xfrm>
-            <a:off x="1336366" y="13316986"/>
-            <a:ext cx="4795740" cy="8094524"/>
+            <a:off x="1336366" y="13725211"/>
+            <a:ext cx="4795740" cy="8710077"/>
           </a:xfrm>
           <a:prstGeom prst="rect">
             <a:avLst/>
@@ -4255,7 +5011,7 @@
                 <a:ea typeface="Roboto" panose="02000000000000000000" pitchFamily="2" charset="0"/>
                 <a:cs typeface="Roboto" panose="02000000000000000000" pitchFamily="2" charset="0"/>
               </a:rPr>
-              <a:t>and IgG-unbound bacteria</a:t>
+              <a:t>and IgG-unbound bacteria from paired stool and serum for “Autologous” IgG-seq</a:t>
             </a:r>
             <a:r>
               <a:rPr lang="en-US" sz="2000" baseline="30000" dirty="0">
@@ -4483,7 +5239,7 @@
                 <a:ea typeface="Roboto" panose="02000000000000000000" pitchFamily="2" charset="0"/>
                 <a:cs typeface="Roboto" panose="02000000000000000000" pitchFamily="2" charset="0"/>
               </a:rPr>
-              <a:t>)</a:t>
+              <a:t>) to obtain a Peak-to-Trough Ratio</a:t>
             </a:r>
             <a:r>
               <a:rPr lang="en-US" sz="2000" baseline="30000" dirty="0">
@@ -4768,7 +5524,7 @@
               </a:lnSpc>
             </a:pPr>
             <a:r>
-              <a:rPr lang="en-US" sz="11500" dirty="0">
+              <a:rPr lang="en-US" sz="11500">
                 <a:solidFill>
                   <a:schemeClr val="bg1"/>
                 </a:solidFill>
@@ -4776,7 +5532,7 @@
                 <a:ea typeface="Roboto" panose="02000000000000000000" pitchFamily="2" charset="0"/>
                 <a:cs typeface="Roboto" panose="02000000000000000000" pitchFamily="2" charset="0"/>
               </a:rPr>
-              <a:t>Have Reduced </a:t>
+              <a:t>Reduce Local </a:t>
             </a:r>
             <a:r>
               <a:rPr lang="en-US" sz="11500" b="1" dirty="0">
@@ -4816,7 +5572,7 @@
                 <a:ea typeface="Roboto" panose="02000000000000000000" pitchFamily="2" charset="0"/>
                 <a:cs typeface="Roboto" panose="02000000000000000000" pitchFamily="2" charset="0"/>
               </a:rPr>
-              <a:t>Lower </a:t>
+              <a:t>Have Lower </a:t>
             </a:r>
             <a:r>
               <a:rPr lang="en-US" sz="11500" b="1" dirty="0">
@@ -4858,7 +5614,7 @@
           <p:nvPr/>
         </p:nvPicPr>
         <p:blipFill>
-          <a:blip r:embed="rId4"/>
+          <a:blip r:embed="rId5"/>
           <a:stretch>
             <a:fillRect/>
           </a:stretch>
@@ -4888,7 +5644,7 @@
           <p:nvPr/>
         </p:nvPicPr>
         <p:blipFill>
-          <a:blip r:embed="rId5">
+          <a:blip r:embed="rId6">
             <a:extLst>
               <a:ext uri="{28A0092B-C50C-407E-A947-70E740481C1C}">
                 <a14:useLocalDpi xmlns:a14="http://schemas.microsoft.com/office/drawing/2010/main" val="0"/>
@@ -4935,10 +5691,10 @@
           <p:nvPr/>
         </p:nvPicPr>
         <p:blipFill>
-          <a:blip r:embed="rId6">
+          <a:blip r:embed="rId7">
             <a:extLst>
               <a:ext uri="{96DAC541-7B7A-43D3-8B79-37D633B846F1}">
-                <asvg:svgBlip xmlns:asvg="http://schemas.microsoft.com/office/drawing/2016/SVG/main" r:embed="rId7"/>
+                <asvg:svgBlip xmlns:asvg="http://schemas.microsoft.com/office/drawing/2016/SVG/main" r:embed="rId8"/>
               </a:ext>
             </a:extLst>
           </a:blip>
@@ -4948,7 +5704,7 @@
         </p:blipFill>
         <p:spPr>
           <a:xfrm>
-            <a:off x="533702" y="13361934"/>
+            <a:off x="533702" y="13770159"/>
             <a:ext cx="914400" cy="914400"/>
           </a:xfrm>
           <a:prstGeom prst="rect">
@@ -4971,10 +5727,10 @@
           <p:nvPr/>
         </p:nvPicPr>
         <p:blipFill>
-          <a:blip r:embed="rId8">
+          <a:blip r:embed="rId9">
             <a:extLst>
               <a:ext uri="{96DAC541-7B7A-43D3-8B79-37D633B846F1}">
-                <asvg:svgBlip xmlns:asvg="http://schemas.microsoft.com/office/drawing/2016/SVG/main" r:embed="rId9"/>
+                <asvg:svgBlip xmlns:asvg="http://schemas.microsoft.com/office/drawing/2016/SVG/main" r:embed="rId10"/>
               </a:ext>
             </a:extLst>
           </a:blip>
@@ -4984,7 +5740,7 @@
         </p:blipFill>
         <p:spPr>
           <a:xfrm>
-            <a:off x="507189" y="15093707"/>
+            <a:off x="507189" y="15501932"/>
             <a:ext cx="914400" cy="914400"/>
           </a:xfrm>
           <a:prstGeom prst="rect">
@@ -5006,7 +5762,7 @@
         </p:nvSpPr>
         <p:spPr>
           <a:xfrm>
-            <a:off x="6170036" y="21626758"/>
+            <a:off x="6170036" y="22034983"/>
             <a:ext cx="3130441" cy="276999"/>
           </a:xfrm>
           <a:prstGeom prst="rect">
@@ -5065,10 +5821,10 @@
           <p:nvPr/>
         </p:nvPicPr>
         <p:blipFill>
-          <a:blip r:embed="rId10">
+          <a:blip r:embed="rId11">
             <a:extLst>
               <a:ext uri="{96DAC541-7B7A-43D3-8B79-37D633B846F1}">
-                <asvg:svgBlip xmlns:asvg="http://schemas.microsoft.com/office/drawing/2016/SVG/main" r:embed="rId11"/>
+                <asvg:svgBlip xmlns:asvg="http://schemas.microsoft.com/office/drawing/2016/SVG/main" r:embed="rId12"/>
               </a:ext>
             </a:extLst>
           </a:blip>
@@ -5078,7 +5834,7 @@
         </p:blipFill>
         <p:spPr>
           <a:xfrm>
-            <a:off x="241383" y="16669982"/>
+            <a:off x="241383" y="17176181"/>
             <a:ext cx="914400" cy="914400"/>
           </a:xfrm>
           <a:prstGeom prst="rect">
@@ -5101,10 +5857,10 @@
           <p:nvPr/>
         </p:nvPicPr>
         <p:blipFill>
-          <a:blip r:embed="rId12">
+          <a:blip r:embed="rId13">
             <a:extLst>
               <a:ext uri="{96DAC541-7B7A-43D3-8B79-37D633B846F1}">
-                <asvg:svgBlip xmlns:asvg="http://schemas.microsoft.com/office/drawing/2016/SVG/main" r:embed="rId13"/>
+                <asvg:svgBlip xmlns:asvg="http://schemas.microsoft.com/office/drawing/2016/SVG/main" r:embed="rId14"/>
               </a:ext>
             </a:extLst>
           </a:blip>
@@ -5114,7 +5870,7 @@
         </p:blipFill>
         <p:spPr>
           <a:xfrm>
-            <a:off x="622505" y="17282632"/>
+            <a:off x="622505" y="17788831"/>
             <a:ext cx="914400" cy="914400"/>
           </a:xfrm>
           <a:prstGeom prst="rect">
@@ -5137,10 +5893,10 @@
           <p:nvPr/>
         </p:nvPicPr>
         <p:blipFill>
-          <a:blip r:embed="rId14">
+          <a:blip r:embed="rId15">
             <a:extLst>
               <a:ext uri="{96DAC541-7B7A-43D3-8B79-37D633B846F1}">
-                <asvg:svgBlip xmlns:asvg="http://schemas.microsoft.com/office/drawing/2016/SVG/main" r:embed="rId15"/>
+                <asvg:svgBlip xmlns:asvg="http://schemas.microsoft.com/office/drawing/2016/SVG/main" r:embed="rId16"/>
               </a:ext>
             </a:extLst>
           </a:blip>
@@ -5150,7 +5906,7 @@
         </p:blipFill>
         <p:spPr>
           <a:xfrm>
-            <a:off x="421121" y="20435923"/>
+            <a:off x="421121" y="20942122"/>
             <a:ext cx="914400" cy="914400"/>
           </a:xfrm>
           <a:prstGeom prst="rect">
@@ -5221,7 +5977,7 @@
           <p:nvPr/>
         </p:nvPicPr>
         <p:blipFill rotWithShape="1">
-          <a:blip r:embed="rId16">
+          <a:blip r:embed="rId17">
             <a:extLst>
               <a:ext uri="{28A0092B-C50C-407E-A947-70E740481C1C}">
                 <a14:useLocalDpi xmlns:a14="http://schemas.microsoft.com/office/drawing/2010/main" val="0"/>
@@ -5233,7 +5989,7 @@
         </p:blipFill>
         <p:spPr bwMode="auto">
           <a:xfrm>
-            <a:off x="345764" y="21671354"/>
+            <a:off x="345764" y="22373498"/>
             <a:ext cx="3029203" cy="1374857"/>
           </a:xfrm>
           <a:prstGeom prst="rect">
@@ -5265,7 +6021,7 @@
         </p:nvSpPr>
         <p:spPr>
           <a:xfrm>
-            <a:off x="380269" y="23076466"/>
+            <a:off x="380269" y="23778610"/>
             <a:ext cx="6070187" cy="276999"/>
           </a:xfrm>
           <a:prstGeom prst="rect">
@@ -5328,7 +6084,7 @@
             <p:nvPr/>
           </p:nvPicPr>
           <p:blipFill>
-            <a:blip r:embed="rId17">
+            <a:blip r:embed="rId18">
               <a:extLst>
                 <a:ext uri="{28A0092B-C50C-407E-A947-70E740481C1C}">
                   <a14:useLocalDpi xmlns:a14="http://schemas.microsoft.com/office/drawing/2010/main" val="0"/>
@@ -5466,7 +6222,7 @@
             <p:nvPr/>
           </p:nvPicPr>
           <p:blipFill>
-            <a:blip r:embed="rId18">
+            <a:blip r:embed="rId19">
               <a:extLst>
                 <a:ext uri="{28A0092B-C50C-407E-A947-70E740481C1C}">
                   <a14:useLocalDpi xmlns:a14="http://schemas.microsoft.com/office/drawing/2010/main" val="0"/>
@@ -6060,7 +6816,7 @@
         <p:spPr>
           <a:xfrm>
             <a:off x="10638732" y="17500612"/>
-            <a:ext cx="12341189" cy="1323439"/>
+            <a:ext cx="12848252" cy="1323439"/>
           </a:xfrm>
           <a:prstGeom prst="rect">
             <a:avLst/>
@@ -6080,7 +6836,7 @@
                 <a:ea typeface="Roboto" panose="02000000000000000000" pitchFamily="2" charset="0"/>
                 <a:cs typeface="Roboto" panose="02000000000000000000" pitchFamily="2" charset="0"/>
               </a:rPr>
-              <a:t>Butyricicoccus</a:t>
+              <a:t>Butyricicoccus spp. </a:t>
             </a:r>
             <a:r>
               <a:rPr lang="en-US" sz="4000" dirty="0">
@@ -6088,7 +6844,7 @@
                 <a:ea typeface="Roboto" panose="02000000000000000000" pitchFamily="2" charset="0"/>
                 <a:cs typeface="Roboto" panose="02000000000000000000" pitchFamily="2" charset="0"/>
               </a:rPr>
-              <a:t> Translocation in PI-ME/CFS Negatively Correlates with </a:t>
+              <a:t>Translocation in PI-ME/CFS Negatively Correlates with </a:t>
             </a:r>
             <a:r>
               <a:rPr lang="en-US" sz="4000" b="1" dirty="0">
@@ -6185,7 +6941,7 @@
           <p:nvPr/>
         </p:nvPicPr>
         <p:blipFill rotWithShape="1">
-          <a:blip r:embed="rId19">
+          <a:blip r:embed="rId20">
             <a:extLst>
               <a:ext uri="{28A0092B-C50C-407E-A947-70E740481C1C}">
                 <a14:useLocalDpi xmlns:a14="http://schemas.microsoft.com/office/drawing/2010/main" val="0"/>
@@ -6230,7 +6986,7 @@
           <p:nvPr/>
         </p:nvPicPr>
         <p:blipFill>
-          <a:blip r:embed="rId20"/>
+          <a:blip r:embed="rId21"/>
           <a:stretch>
             <a:fillRect/>
           </a:stretch>
@@ -6295,8 +7051,8 @@
         </p:nvSpPr>
         <p:spPr>
           <a:xfrm>
-            <a:off x="1746195" y="7700011"/>
-            <a:ext cx="6808608" cy="1015663"/>
+            <a:off x="1746194" y="7814314"/>
+            <a:ext cx="7131105" cy="1015663"/>
           </a:xfrm>
           <a:prstGeom prst="rect">
             <a:avLst/>
@@ -6315,7 +7071,7 @@
                 <a:ea typeface="Roboto" panose="02000000000000000000" pitchFamily="2" charset="0"/>
                 <a:cs typeface="Roboto" panose="02000000000000000000" pitchFamily="2" charset="0"/>
               </a:rPr>
-              <a:t>PI-ME/CFS is a debilitating condition with severe fatigue, cognitive impairments, and gastrointestinal distress, typically as a result of previous bacterial or viral infection</a:t>
+              <a:t>PI-ME/CFS is a debilitating condition with post-exertional malaise, cognitive impairments, and gastrointestinal distress, typically as a result of previous bacterial or viral infection</a:t>
             </a:r>
           </a:p>
         </p:txBody>
@@ -6334,7 +7090,7 @@
         </p:nvGrpSpPr>
         <p:grpSpPr>
           <a:xfrm>
-            <a:off x="821319" y="9798067"/>
+            <a:off x="821319" y="9847054"/>
             <a:ext cx="886007" cy="777647"/>
             <a:chOff x="7606415" y="9115083"/>
             <a:chExt cx="886007" cy="777647"/>
@@ -6788,7 +7544,7 @@
         </p:nvSpPr>
         <p:spPr>
           <a:xfrm>
-            <a:off x="1722092" y="9829691"/>
+            <a:off x="1722092" y="9878678"/>
             <a:ext cx="6573980" cy="707886"/>
           </a:xfrm>
           <a:prstGeom prst="rect">
@@ -6827,7 +7583,7 @@
         </p:nvSpPr>
         <p:spPr>
           <a:xfrm>
-            <a:off x="680051" y="11440700"/>
+            <a:off x="680051" y="11620319"/>
             <a:ext cx="8372470" cy="1200329"/>
           </a:xfrm>
           <a:prstGeom prst="rect">
@@ -6902,23 +7658,7 @@
                 <a:ea typeface="Roboto" panose="02000000000000000000" pitchFamily="2" charset="0"/>
                 <a:cs typeface="Roboto" panose="02000000000000000000" pitchFamily="2" charset="0"/>
               </a:rPr>
-              <a:t>(A) PI-ME/CFS gut microbiota exhibits </a:t>
-            </a:r>
-            <a:r>
-              <a:rPr lang="en-US" sz="1600" b="1" dirty="0">
-                <a:latin typeface="Roboto" panose="02000000000000000000" pitchFamily="2" charset="0"/>
-                <a:ea typeface="Roboto" panose="02000000000000000000" pitchFamily="2" charset="0"/>
-                <a:cs typeface="Roboto" panose="02000000000000000000" pitchFamily="2" charset="0"/>
-              </a:rPr>
-              <a:t>reduced richness </a:t>
-            </a:r>
-            <a:r>
-              <a:rPr lang="en-US" sz="1600" dirty="0">
-                <a:latin typeface="Roboto" panose="02000000000000000000" pitchFamily="2" charset="0"/>
-                <a:ea typeface="Roboto" panose="02000000000000000000" pitchFamily="2" charset="0"/>
-                <a:cs typeface="Roboto" panose="02000000000000000000" pitchFamily="2" charset="0"/>
-              </a:rPr>
-              <a:t>but not diversity. (B) The IgG-negative fraction has reduced richness and diversity compared to the Pre-sort and IgG-Positive fractions (c) This difference occurs in a condition specific manner across all three fractions. (d) Microbiota composition between PI-ME/CFS and HV is distinct. (e) Canberra composition of all three fractions, linking within-subject samples. (f) IgG Negative fractions are compositionally-distinct from Pre-sort and IgG-Positive fractions, with no difference between PI-ME/CFS and HV.</a:t>
+              <a:t>(A) PI-ME/CFS gut microbiota exhibits reduced richness but not diversity. (B) The IgG-negative fraction has reduced richness and diversity compared to the Pre-sort and IgG-Positive fractions (c) This difference occurs in a condition specific manner across all three fractions. (d) Microbiota composition between PI-ME/CFS and HV is distinct. (e) Canberra composition of all three fractions, linking within-subject samples. (f) IgG Negative fractions are compositionally-distinct from Pre-sort and IgG-Positive fractions, with no difference between PI-ME/CFS and HV.</a:t>
             </a:r>
           </a:p>
         </p:txBody>
@@ -6937,7 +7677,7 @@
         </p:nvGrpSpPr>
         <p:grpSpPr>
           <a:xfrm>
-            <a:off x="757750" y="7678425"/>
+            <a:off x="757750" y="7792728"/>
             <a:ext cx="1045466" cy="963101"/>
             <a:chOff x="757750" y="8087496"/>
             <a:chExt cx="1045466" cy="963101"/>
@@ -6958,10 +7698,10 @@
             <p:nvPr/>
           </p:nvPicPr>
           <p:blipFill>
-            <a:blip r:embed="rId21">
+            <a:blip r:embed="rId22">
               <a:extLst>
                 <a:ext uri="{96DAC541-7B7A-43D3-8B79-37D633B846F1}">
-                  <asvg:svgBlip xmlns:asvg="http://schemas.microsoft.com/office/drawing/2016/SVG/main" r:embed="rId22"/>
+                  <asvg:svgBlip xmlns:asvg="http://schemas.microsoft.com/office/drawing/2016/SVG/main" r:embed="rId23"/>
                 </a:ext>
               </a:extLst>
             </a:blip>
@@ -6994,10 +7734,10 @@
             <p:nvPr/>
           </p:nvPicPr>
           <p:blipFill>
-            <a:blip r:embed="rId23">
+            <a:blip r:embed="rId24">
               <a:extLst>
                 <a:ext uri="{96DAC541-7B7A-43D3-8B79-37D633B846F1}">
-                  <asvg:svgBlip xmlns:asvg="http://schemas.microsoft.com/office/drawing/2016/SVG/main" r:embed="rId24"/>
+                  <asvg:svgBlip xmlns:asvg="http://schemas.microsoft.com/office/drawing/2016/SVG/main" r:embed="rId25"/>
                 </a:ext>
               </a:extLst>
             </a:blip>
@@ -7030,10 +7770,10 @@
             <p:nvPr/>
           </p:nvPicPr>
           <p:blipFill>
-            <a:blip r:embed="rId25">
+            <a:blip r:embed="rId26">
               <a:extLst>
                 <a:ext uri="{96DAC541-7B7A-43D3-8B79-37D633B846F1}">
-                  <asvg:svgBlip xmlns:asvg="http://schemas.microsoft.com/office/drawing/2016/SVG/main" r:embed="rId26"/>
+                  <asvg:svgBlip xmlns:asvg="http://schemas.microsoft.com/office/drawing/2016/SVG/main" r:embed="rId27"/>
                 </a:ext>
               </a:extLst>
             </a:blip>
@@ -7066,7 +7806,7 @@
         </p:nvGrpSpPr>
         <p:grpSpPr>
           <a:xfrm>
-            <a:off x="470955" y="19092729"/>
+            <a:off x="470955" y="19598928"/>
             <a:ext cx="703309" cy="914400"/>
             <a:chOff x="185358" y="17014521"/>
             <a:chExt cx="800991" cy="1145096"/>
@@ -7482,23 +8222,7 @@
                 <a:ea typeface="Roboto" panose="02000000000000000000" pitchFamily="2" charset="0"/>
                 <a:cs typeface="Roboto" panose="02000000000000000000" pitchFamily="2" charset="0"/>
               </a:rPr>
-              <a:t>non-parametric </a:t>
-            </a:r>
-            <a:r>
-              <a:rPr lang="en-US" sz="1600" b="1" dirty="0" err="1">
-                <a:latin typeface="Roboto" panose="02000000000000000000" pitchFamily="2" charset="0"/>
-                <a:ea typeface="Roboto" panose="02000000000000000000" pitchFamily="2" charset="0"/>
-                <a:cs typeface="Roboto" panose="02000000000000000000" pitchFamily="2" charset="0"/>
-              </a:rPr>
-              <a:t>boostrap</a:t>
-            </a:r>
-            <a:r>
-              <a:rPr lang="en-US" sz="1600" b="1" dirty="0">
-                <a:latin typeface="Roboto" panose="02000000000000000000" pitchFamily="2" charset="0"/>
-                <a:ea typeface="Roboto" panose="02000000000000000000" pitchFamily="2" charset="0"/>
-                <a:cs typeface="Roboto" panose="02000000000000000000" pitchFamily="2" charset="0"/>
-              </a:rPr>
-              <a:t> </a:t>
+              <a:t>non-parametric bootstrap </a:t>
             </a:r>
             <a:r>
               <a:rPr lang="en-US" sz="1600" dirty="0">
@@ -7669,10 +8393,10 @@
           <p:nvPr/>
         </p:nvPicPr>
         <p:blipFill>
-          <a:blip r:embed="rId27">
+          <a:blip r:embed="rId28">
             <a:extLst>
               <a:ext uri="{96DAC541-7B7A-43D3-8B79-37D633B846F1}">
-                <asvg:svgBlip xmlns:asvg="http://schemas.microsoft.com/office/drawing/2016/SVG/main" r:embed="rId28"/>
+                <asvg:svgBlip xmlns:asvg="http://schemas.microsoft.com/office/drawing/2016/SVG/main" r:embed="rId29"/>
               </a:ext>
             </a:extLst>
           </a:blip>
@@ -7682,7 +8406,7 @@
         </p:blipFill>
         <p:spPr>
           <a:xfrm>
-            <a:off x="7395815" y="8767626"/>
+            <a:off x="7395815" y="8881929"/>
             <a:ext cx="914400" cy="914400"/>
           </a:xfrm>
           <a:prstGeom prst="rect">
@@ -7704,7 +8428,7 @@
         </p:nvSpPr>
         <p:spPr>
           <a:xfrm>
-            <a:off x="757750" y="8845146"/>
+            <a:off x="757750" y="8959449"/>
             <a:ext cx="6511065" cy="707886"/>
           </a:xfrm>
           <a:prstGeom prst="rect">
@@ -7763,7 +8487,7 @@
                 <a:ea typeface="Roboto" panose="02000000000000000000" pitchFamily="2" charset="0"/>
                 <a:cs typeface="Roboto" panose="02000000000000000000" pitchFamily="2" charset="0"/>
               </a:rPr>
-              <a:t>In ”Autologous” IgG-seq, in which the stool sample and serum sample are derived from the same subject, no bacterial counts in both pools results in a missing value for IgG-seq scores for that taxon and limited techniques are available to recover meaningful values for those taxa.</a:t>
+              <a:t>In ”Autologous” IgG-seq, performed here in which the stool sample and serum sample are derived from the same subject, no bacterial counts in both pools results in a missing value for IgG-seq scores for that taxon and limited techniques are available to recover meaningful values for those taxa.</a:t>
             </a:r>
           </a:p>
         </p:txBody>
@@ -7821,7 +8545,7 @@
           <p:nvPr/>
         </p:nvPicPr>
         <p:blipFill>
-          <a:blip r:embed="rId29"/>
+          <a:blip r:embed="rId30"/>
           <a:stretch>
             <a:fillRect/>
           </a:stretch>
@@ -8250,10 +8974,10 @@
           <p:nvPr/>
         </p:nvPicPr>
         <p:blipFill>
-          <a:blip r:embed="rId30">
+          <a:blip r:embed="rId31">
             <a:extLst>
               <a:ext uri="{96DAC541-7B7A-43D3-8B79-37D633B846F1}">
-                <asvg:svgBlip xmlns:asvg="http://schemas.microsoft.com/office/drawing/2016/SVG/main" r:embed="rId31"/>
+                <asvg:svgBlip xmlns:asvg="http://schemas.microsoft.com/office/drawing/2016/SVG/main" r:embed="rId32"/>
               </a:ext>
             </a:extLst>
           </a:blip>
@@ -8286,10 +9010,10 @@
           <p:nvPr/>
         </p:nvPicPr>
         <p:blipFill>
-          <a:blip r:embed="rId30">
+          <a:blip r:embed="rId31">
             <a:extLst>
               <a:ext uri="{96DAC541-7B7A-43D3-8B79-37D633B846F1}">
-                <asvg:svgBlip xmlns:asvg="http://schemas.microsoft.com/office/drawing/2016/SVG/main" r:embed="rId31"/>
+                <asvg:svgBlip xmlns:asvg="http://schemas.microsoft.com/office/drawing/2016/SVG/main" r:embed="rId32"/>
               </a:ext>
             </a:extLst>
           </a:blip>
@@ -8299,7 +9023,7 @@
         </p:blipFill>
         <p:spPr>
           <a:xfrm rot="358523">
-            <a:off x="36905850" y="4673837"/>
+            <a:off x="36808939" y="3565954"/>
             <a:ext cx="2371156" cy="2371156"/>
           </a:xfrm>
           <a:prstGeom prst="rect">
@@ -8693,7 +9417,7 @@
         </p:nvSpPr>
         <p:spPr>
           <a:xfrm>
-            <a:off x="382748" y="23471577"/>
+            <a:off x="382748" y="24190039"/>
             <a:ext cx="2464136" cy="584775"/>
           </a:xfrm>
           <a:prstGeom prst="rect">
@@ -8733,7 +9457,7 @@
         </p:nvSpPr>
         <p:spPr>
           <a:xfrm>
-            <a:off x="763488" y="24094101"/>
+            <a:off x="763488" y="24812563"/>
             <a:ext cx="7771029" cy="707886"/>
           </a:xfrm>
           <a:prstGeom prst="rect">
@@ -8772,7 +9496,7 @@
         </p:nvSpPr>
         <p:spPr>
           <a:xfrm>
-            <a:off x="763488" y="25007514"/>
+            <a:off x="763488" y="25725976"/>
             <a:ext cx="7771029" cy="1015663"/>
           </a:xfrm>
           <a:prstGeom prst="rect">
@@ -8811,7 +9535,7 @@
         </p:nvSpPr>
         <p:spPr>
           <a:xfrm>
-            <a:off x="6294208" y="12876143"/>
+            <a:off x="6294208" y="13251710"/>
             <a:ext cx="275661" cy="408489"/>
           </a:xfrm>
           <a:prstGeom prst="rect">
@@ -8915,7 +9639,7 @@
         </p:nvSpPr>
         <p:spPr>
           <a:xfrm>
-            <a:off x="742436" y="26237922"/>
+            <a:off x="742436" y="26956384"/>
             <a:ext cx="7771029" cy="1015663"/>
           </a:xfrm>
           <a:prstGeom prst="rect">
@@ -8954,7 +9678,7 @@
         </p:nvSpPr>
         <p:spPr>
           <a:xfrm>
-            <a:off x="719645" y="10609685"/>
+            <a:off x="719645" y="10723988"/>
             <a:ext cx="6676170" cy="707886"/>
           </a:xfrm>
           <a:prstGeom prst="rect">
@@ -8994,7 +9718,7 @@
           <p:nvPr/>
         </p:nvPicPr>
         <p:blipFill>
-          <a:blip r:embed="rId32">
+          <a:blip r:embed="rId33">
             <a:extLst>
               <a:ext uri="{28A0092B-C50C-407E-A947-70E740481C1C}">
                 <a14:useLocalDpi xmlns:a14="http://schemas.microsoft.com/office/drawing/2010/main" val="0"/>
@@ -9008,7 +9732,7 @@
         </p:blipFill>
         <p:spPr bwMode="auto">
           <a:xfrm>
-            <a:off x="6922557" y="10641109"/>
+            <a:off x="6922557" y="10755412"/>
             <a:ext cx="1270000" cy="711200"/>
           </a:xfrm>
           <a:prstGeom prst="rect">
@@ -9041,7 +9765,7 @@
           <p:nvPr/>
         </p:nvPicPr>
         <p:blipFill>
-          <a:blip r:embed="rId33"/>
+          <a:blip r:embed="rId34"/>
           <a:stretch>
             <a:fillRect/>
           </a:stretch>
@@ -9309,7 +10033,7 @@
           <p:nvPr/>
         </p:nvPicPr>
         <p:blipFill rotWithShape="1">
-          <a:blip r:embed="rId16">
+          <a:blip r:embed="rId17">
             <a:extLst>
               <a:ext uri="{28A0092B-C50C-407E-A947-70E740481C1C}">
                 <a14:useLocalDpi xmlns:a14="http://schemas.microsoft.com/office/drawing/2010/main" val="0"/>
@@ -9321,7 +10045,7 @@
         </p:blipFill>
         <p:spPr bwMode="auto">
           <a:xfrm>
-            <a:off x="3351684" y="21671354"/>
+            <a:off x="3351684" y="22373498"/>
             <a:ext cx="2841865" cy="1374857"/>
           </a:xfrm>
           <a:prstGeom prst="rect">
@@ -9373,7 +10097,7 @@
                 <a:ea typeface="Roboto" panose="02000000000000000000" pitchFamily="2" charset="0"/>
                 <a:cs typeface="Roboto" panose="02000000000000000000" pitchFamily="2" charset="0"/>
               </a:rPr>
-              <a:t>Amplicon sequencing has limited ability to provide information about bacterial functions, especially among bacteria with the potential to translocate</a:t>
+              <a:t>Amplicon sequencing is limited in its ability to provide species specificity or information about the conserved functions of microbiota with the ability to translocate</a:t>
             </a:r>
           </a:p>
         </p:txBody>
@@ -10602,6 +11326,321 @@
 </a:theme>
 </file>
 
+<file path=ppt/theme/theme2.xml><?xml version="1.0" encoding="utf-8"?>
+<a:theme xmlns:a="http://schemas.openxmlformats.org/drawingml/2006/main" name="Office Theme">
+  <a:themeElements>
+    <a:clrScheme name="Office">
+      <a:dk1>
+        <a:sysClr val="windowText" lastClr="000000"/>
+      </a:dk1>
+      <a:lt1>
+        <a:sysClr val="window" lastClr="FFFFFF"/>
+      </a:lt1>
+      <a:dk2>
+        <a:srgbClr val="0E2841"/>
+      </a:dk2>
+      <a:lt2>
+        <a:srgbClr val="E8E8E8"/>
+      </a:lt2>
+      <a:accent1>
+        <a:srgbClr val="156082"/>
+      </a:accent1>
+      <a:accent2>
+        <a:srgbClr val="E97132"/>
+      </a:accent2>
+      <a:accent3>
+        <a:srgbClr val="196B24"/>
+      </a:accent3>
+      <a:accent4>
+        <a:srgbClr val="0F9ED5"/>
+      </a:accent4>
+      <a:accent5>
+        <a:srgbClr val="A02B93"/>
+      </a:accent5>
+      <a:accent6>
+        <a:srgbClr val="4EA72E"/>
+      </a:accent6>
+      <a:hlink>
+        <a:srgbClr val="467886"/>
+      </a:hlink>
+      <a:folHlink>
+        <a:srgbClr val="96607D"/>
+      </a:folHlink>
+    </a:clrScheme>
+    <a:fontScheme name="Office">
+      <a:majorFont>
+        <a:latin typeface="Aptos Display" panose="02110004020202020204"/>
+        <a:ea typeface=""/>
+        <a:cs typeface=""/>
+        <a:font script="Jpan" typeface="游ゴシック Light"/>
+        <a:font script="Hang" typeface="맑은 고딕"/>
+        <a:font script="Hans" typeface="等线 Light"/>
+        <a:font script="Hant" typeface="新細明體"/>
+        <a:font script="Arab" typeface="Times New Roman"/>
+        <a:font script="Hebr" typeface="Times New Roman"/>
+        <a:font script="Thai" typeface="Angsana New"/>
+        <a:font script="Ethi" typeface="Nyala"/>
+        <a:font script="Beng" typeface="Vrinda"/>
+        <a:font script="Gujr" typeface="Shruti"/>
+        <a:font script="Khmr" typeface="MoolBoran"/>
+        <a:font script="Knda" typeface="Tunga"/>
+        <a:font script="Guru" typeface="Raavi"/>
+        <a:font script="Cans" typeface="Euphemia"/>
+        <a:font script="Cher" typeface="Plantagenet Cherokee"/>
+        <a:font script="Yiii" typeface="Microsoft Yi Baiti"/>
+        <a:font script="Tibt" typeface="Microsoft Himalaya"/>
+        <a:font script="Thaa" typeface="MV Boli"/>
+        <a:font script="Deva" typeface="Mangal"/>
+        <a:font script="Telu" typeface="Gautami"/>
+        <a:font script="Taml" typeface="Latha"/>
+        <a:font script="Syrc" typeface="Estrangelo Edessa"/>
+        <a:font script="Orya" typeface="Kalinga"/>
+        <a:font script="Mlym" typeface="Kartika"/>
+        <a:font script="Laoo" typeface="DokChampa"/>
+        <a:font script="Sinh" typeface="Iskoola Pota"/>
+        <a:font script="Mong" typeface="Mongolian Baiti"/>
+        <a:font script="Viet" typeface="Times New Roman"/>
+        <a:font script="Uigh" typeface="Microsoft Uighur"/>
+        <a:font script="Geor" typeface="Sylfaen"/>
+        <a:font script="Armn" typeface="Arial"/>
+        <a:font script="Bugi" typeface="Leelawadee UI"/>
+        <a:font script="Bopo" typeface="Microsoft JhengHei"/>
+        <a:font script="Java" typeface="Javanese Text"/>
+        <a:font script="Lisu" typeface="Segoe UI"/>
+        <a:font script="Mymr" typeface="Myanmar Text"/>
+        <a:font script="Nkoo" typeface="Ebrima"/>
+        <a:font script="Olck" typeface="Nirmala UI"/>
+        <a:font script="Osma" typeface="Ebrima"/>
+        <a:font script="Phag" typeface="Phagspa"/>
+        <a:font script="Syrn" typeface="Estrangelo Edessa"/>
+        <a:font script="Syrj" typeface="Estrangelo Edessa"/>
+        <a:font script="Syre" typeface="Estrangelo Edessa"/>
+        <a:font script="Sora" typeface="Nirmala UI"/>
+        <a:font script="Tale" typeface="Microsoft Tai Le"/>
+        <a:font script="Talu" typeface="Microsoft New Tai Lue"/>
+        <a:font script="Tfng" typeface="Ebrima"/>
+      </a:majorFont>
+      <a:minorFont>
+        <a:latin typeface="Aptos" panose="02110004020202020204"/>
+        <a:ea typeface=""/>
+        <a:cs typeface=""/>
+        <a:font script="Jpan" typeface="游ゴシック"/>
+        <a:font script="Hang" typeface="맑은 고딕"/>
+        <a:font script="Hans" typeface="等线"/>
+        <a:font script="Hant" typeface="新細明體"/>
+        <a:font script="Arab" typeface="Arial"/>
+        <a:font script="Hebr" typeface="Arial"/>
+        <a:font script="Thai" typeface="Cordia New"/>
+        <a:font script="Ethi" typeface="Nyala"/>
+        <a:font script="Beng" typeface="Vrinda"/>
+        <a:font script="Gujr" typeface="Shruti"/>
+        <a:font script="Khmr" typeface="DaunPenh"/>
+        <a:font script="Knda" typeface="Tunga"/>
+        <a:font script="Guru" typeface="Raavi"/>
+        <a:font script="Cans" typeface="Euphemia"/>
+        <a:font script="Cher" typeface="Plantagenet Cherokee"/>
+        <a:font script="Yiii" typeface="Microsoft Yi Baiti"/>
+        <a:font script="Tibt" typeface="Microsoft Himalaya"/>
+        <a:font script="Thaa" typeface="MV Boli"/>
+        <a:font script="Deva" typeface="Mangal"/>
+        <a:font script="Telu" typeface="Gautami"/>
+        <a:font script="Taml" typeface="Latha"/>
+        <a:font script="Syrc" typeface="Estrangelo Edessa"/>
+        <a:font script="Orya" typeface="Kalinga"/>
+        <a:font script="Mlym" typeface="Kartika"/>
+        <a:font script="Laoo" typeface="DokChampa"/>
+        <a:font script="Sinh" typeface="Iskoola Pota"/>
+        <a:font script="Mong" typeface="Mongolian Baiti"/>
+        <a:font script="Viet" typeface="Arial"/>
+        <a:font script="Uigh" typeface="Microsoft Uighur"/>
+        <a:font script="Geor" typeface="Sylfaen"/>
+        <a:font script="Armn" typeface="Arial"/>
+        <a:font script="Bugi" typeface="Leelawadee UI"/>
+        <a:font script="Bopo" typeface="Microsoft JhengHei"/>
+        <a:font script="Java" typeface="Javanese Text"/>
+        <a:font script="Lisu" typeface="Segoe UI"/>
+        <a:font script="Mymr" typeface="Myanmar Text"/>
+        <a:font script="Nkoo" typeface="Ebrima"/>
+        <a:font script="Olck" typeface="Nirmala UI"/>
+        <a:font script="Osma" typeface="Ebrima"/>
+        <a:font script="Phag" typeface="Phagspa"/>
+        <a:font script="Syrn" typeface="Estrangelo Edessa"/>
+        <a:font script="Syrj" typeface="Estrangelo Edessa"/>
+        <a:font script="Syre" typeface="Estrangelo Edessa"/>
+        <a:font script="Sora" typeface="Nirmala UI"/>
+        <a:font script="Tale" typeface="Microsoft Tai Le"/>
+        <a:font script="Talu" typeface="Microsoft New Tai Lue"/>
+        <a:font script="Tfng" typeface="Ebrima"/>
+      </a:minorFont>
+    </a:fontScheme>
+    <a:fmtScheme name="Office">
+      <a:fillStyleLst>
+        <a:solidFill>
+          <a:schemeClr val="phClr"/>
+        </a:solidFill>
+        <a:gradFill rotWithShape="1">
+          <a:gsLst>
+            <a:gs pos="0">
+              <a:schemeClr val="phClr">
+                <a:lumMod val="110000"/>
+                <a:satMod val="105000"/>
+                <a:tint val="67000"/>
+              </a:schemeClr>
+            </a:gs>
+            <a:gs pos="50000">
+              <a:schemeClr val="phClr">
+                <a:lumMod val="105000"/>
+                <a:satMod val="103000"/>
+                <a:tint val="73000"/>
+              </a:schemeClr>
+            </a:gs>
+            <a:gs pos="100000">
+              <a:schemeClr val="phClr">
+                <a:lumMod val="105000"/>
+                <a:satMod val="109000"/>
+                <a:tint val="81000"/>
+              </a:schemeClr>
+            </a:gs>
+          </a:gsLst>
+          <a:lin ang="5400000" scaled="0"/>
+        </a:gradFill>
+        <a:gradFill rotWithShape="1">
+          <a:gsLst>
+            <a:gs pos="0">
+              <a:schemeClr val="phClr">
+                <a:satMod val="103000"/>
+                <a:lumMod val="102000"/>
+                <a:tint val="94000"/>
+              </a:schemeClr>
+            </a:gs>
+            <a:gs pos="50000">
+              <a:schemeClr val="phClr">
+                <a:satMod val="110000"/>
+                <a:lumMod val="100000"/>
+                <a:shade val="100000"/>
+              </a:schemeClr>
+            </a:gs>
+            <a:gs pos="100000">
+              <a:schemeClr val="phClr">
+                <a:lumMod val="99000"/>
+                <a:satMod val="120000"/>
+                <a:shade val="78000"/>
+              </a:schemeClr>
+            </a:gs>
+          </a:gsLst>
+          <a:lin ang="5400000" scaled="0"/>
+        </a:gradFill>
+      </a:fillStyleLst>
+      <a:lnStyleLst>
+        <a:ln w="12700" cap="flat" cmpd="sng" algn="ctr">
+          <a:solidFill>
+            <a:schemeClr val="phClr"/>
+          </a:solidFill>
+          <a:prstDash val="solid"/>
+          <a:miter lim="800000"/>
+        </a:ln>
+        <a:ln w="19050" cap="flat" cmpd="sng" algn="ctr">
+          <a:solidFill>
+            <a:schemeClr val="phClr"/>
+          </a:solidFill>
+          <a:prstDash val="solid"/>
+          <a:miter lim="800000"/>
+        </a:ln>
+        <a:ln w="25400" cap="flat" cmpd="sng" algn="ctr">
+          <a:solidFill>
+            <a:schemeClr val="phClr"/>
+          </a:solidFill>
+          <a:prstDash val="solid"/>
+          <a:miter lim="800000"/>
+        </a:ln>
+      </a:lnStyleLst>
+      <a:effectStyleLst>
+        <a:effectStyle>
+          <a:effectLst/>
+        </a:effectStyle>
+        <a:effectStyle>
+          <a:effectLst/>
+        </a:effectStyle>
+        <a:effectStyle>
+          <a:effectLst>
+            <a:outerShdw blurRad="57150" dist="19050" dir="5400000" algn="ctr" rotWithShape="0">
+              <a:srgbClr val="000000">
+                <a:alpha val="63000"/>
+              </a:srgbClr>
+            </a:outerShdw>
+          </a:effectLst>
+        </a:effectStyle>
+      </a:effectStyleLst>
+      <a:bgFillStyleLst>
+        <a:solidFill>
+          <a:schemeClr val="phClr"/>
+        </a:solidFill>
+        <a:solidFill>
+          <a:schemeClr val="phClr">
+            <a:tint val="95000"/>
+            <a:satMod val="170000"/>
+          </a:schemeClr>
+        </a:solidFill>
+        <a:gradFill rotWithShape="1">
+          <a:gsLst>
+            <a:gs pos="0">
+              <a:schemeClr val="phClr">
+                <a:tint val="93000"/>
+                <a:satMod val="150000"/>
+                <a:shade val="98000"/>
+                <a:lumMod val="102000"/>
+              </a:schemeClr>
+            </a:gs>
+            <a:gs pos="50000">
+              <a:schemeClr val="phClr">
+                <a:tint val="98000"/>
+                <a:satMod val="130000"/>
+                <a:shade val="90000"/>
+                <a:lumMod val="103000"/>
+              </a:schemeClr>
+            </a:gs>
+            <a:gs pos="100000">
+              <a:schemeClr val="phClr">
+                <a:shade val="63000"/>
+                <a:satMod val="120000"/>
+              </a:schemeClr>
+            </a:gs>
+          </a:gsLst>
+          <a:lin ang="5400000" scaled="0"/>
+        </a:gradFill>
+      </a:bgFillStyleLst>
+    </a:fmtScheme>
+  </a:themeElements>
+  <a:objectDefaults>
+    <a:lnDef>
+      <a:spPr/>
+      <a:bodyPr/>
+      <a:lstStyle/>
+      <a:style>
+        <a:lnRef idx="2">
+          <a:schemeClr val="accent1"/>
+        </a:lnRef>
+        <a:fillRef idx="0">
+          <a:schemeClr val="accent1"/>
+        </a:fillRef>
+        <a:effectRef idx="1">
+          <a:schemeClr val="accent1"/>
+        </a:effectRef>
+        <a:fontRef idx="minor">
+          <a:schemeClr val="tx1"/>
+        </a:fontRef>
+      </a:style>
+    </a:lnDef>
+  </a:objectDefaults>
+  <a:extraClrSchemeLst/>
+  <a:extLst>
+    <a:ext uri="{05A4C25C-085E-4340-85A3-A5531E510DB2}">
+      <thm15:themeFamily xmlns:thm15="http://schemas.microsoft.com/office/thememl/2012/main" name="Office Theme" id="{2E142A2C-CD16-42D6-873A-C26D2A0506FA}" vid="{1BDDFF52-6CD6-40A5-AB3C-68EB2F1E4D0A}"/>
+    </a:ext>
+  </a:extLst>
+</a:theme>
+</file>
+
 <file path=docMetadata/LabelInfo.xml><?xml version="1.0" encoding="utf-8"?>
 <clbl:labelList xmlns:clbl="http://schemas.microsoft.com/office/2020/mipLabelMetadata">
   <clbl:label id="{14b77578-9773-42d5-8507-251ca2dc2b06}" enabled="0" method="" siteId="{14b77578-9773-42d5-8507-251ca2dc2b06}" removed="1"/>

--- a/assets/CSHL_PPT_Poster_V2.pptx
+++ b/assets/CSHL_PPT_Poster_V2.pptx
@@ -118,7 +118,7 @@
 <file path=ppt/revisionInfo.xml><?xml version="1.0" encoding="utf-8"?>
 <p1510:revInfo xmlns:a="http://schemas.openxmlformats.org/drawingml/2006/main" xmlns:r="http://schemas.openxmlformats.org/officeDocument/2006/relationships" xmlns:p1510="http://schemas.microsoft.com/office/powerpoint/2015/10/main">
   <p1510:revLst>
-    <p1510:client id="{0C402FB5-1208-C94F-B091-6134B46BEC84}" v="66" dt="2024-10-11T13:30:19.924"/>
+    <p1510:client id="{0C402FB5-1208-C94F-B091-6134B46BEC84}" v="91" dt="2024-10-23T13:39:02.504"/>
   </p1510:revLst>
 </p1510:revInfo>
 </file>
@@ -128,12 +128,12 @@
   <pc:docChgLst>
     <pc:chgData name="McCauley, Kathryn (NIH/NIAID) [C]" userId="8123e298-eaa7-4067-960e-8e9acda1581f" providerId="ADAL" clId="{0C402FB5-1208-C94F-B091-6134B46BEC84}"/>
     <pc:docChg chg="undo custSel modSld">
-      <pc:chgData name="McCauley, Kathryn (NIH/NIAID) [C]" userId="8123e298-eaa7-4067-960e-8e9acda1581f" providerId="ADAL" clId="{0C402FB5-1208-C94F-B091-6134B46BEC84}" dt="2024-10-22T18:57:11.778" v="1755" actId="20577"/>
+      <pc:chgData name="McCauley, Kathryn (NIH/NIAID) [C]" userId="8123e298-eaa7-4067-960e-8e9acda1581f" providerId="ADAL" clId="{0C402FB5-1208-C94F-B091-6134B46BEC84}" dt="2024-10-23T13:39:32.280" v="2428" actId="20577"/>
       <pc:docMkLst>
         <pc:docMk/>
       </pc:docMkLst>
       <pc:sldChg chg="addSp modSp mod">
-        <pc:chgData name="McCauley, Kathryn (NIH/NIAID) [C]" userId="8123e298-eaa7-4067-960e-8e9acda1581f" providerId="ADAL" clId="{0C402FB5-1208-C94F-B091-6134B46BEC84}" dt="2024-10-22T18:57:11.778" v="1755" actId="20577"/>
+        <pc:chgData name="McCauley, Kathryn (NIH/NIAID) [C]" userId="8123e298-eaa7-4067-960e-8e9acda1581f" providerId="ADAL" clId="{0C402FB5-1208-C94F-B091-6134B46BEC84}" dt="2024-10-23T13:39:32.280" v="2428" actId="20577"/>
         <pc:sldMkLst>
           <pc:docMk/>
           <pc:sldMk cId="1538252808" sldId="257"/>
@@ -179,7 +179,7 @@
           </ac:spMkLst>
         </pc:spChg>
         <pc:spChg chg="mod">
-          <ac:chgData name="McCauley, Kathryn (NIH/NIAID) [C]" userId="8123e298-eaa7-4067-960e-8e9acda1581f" providerId="ADAL" clId="{0C402FB5-1208-C94F-B091-6134B46BEC84}" dt="2024-10-11T12:36:43.064" v="1196" actId="1036"/>
+          <ac:chgData name="McCauley, Kathryn (NIH/NIAID) [C]" userId="8123e298-eaa7-4067-960e-8e9acda1581f" providerId="ADAL" clId="{0C402FB5-1208-C94F-B091-6134B46BEC84}" dt="2024-10-23T13:38:27.321" v="2409" actId="1036"/>
           <ac:spMkLst>
             <pc:docMk/>
             <pc:sldMk cId="1538252808" sldId="257"/>
@@ -203,7 +203,7 @@
           </ac:spMkLst>
         </pc:spChg>
         <pc:spChg chg="mod">
-          <ac:chgData name="McCauley, Kathryn (NIH/NIAID) [C]" userId="8123e298-eaa7-4067-960e-8e9acda1581f" providerId="ADAL" clId="{0C402FB5-1208-C94F-B091-6134B46BEC84}" dt="2024-10-11T12:36:43.064" v="1196" actId="1036"/>
+          <ac:chgData name="McCauley, Kathryn (NIH/NIAID) [C]" userId="8123e298-eaa7-4067-960e-8e9acda1581f" providerId="ADAL" clId="{0C402FB5-1208-C94F-B091-6134B46BEC84}" dt="2024-10-23T13:38:32.247" v="2412" actId="1036"/>
           <ac:spMkLst>
             <pc:docMk/>
             <pc:sldMk cId="1538252808" sldId="257"/>
@@ -211,11 +211,19 @@
           </ac:spMkLst>
         </pc:spChg>
         <pc:spChg chg="mod">
-          <ac:chgData name="McCauley, Kathryn (NIH/NIAID) [C]" userId="8123e298-eaa7-4067-960e-8e9acda1581f" providerId="ADAL" clId="{0C402FB5-1208-C94F-B091-6134B46BEC84}" dt="2024-10-11T12:36:43.064" v="1196" actId="1036"/>
+          <ac:chgData name="McCauley, Kathryn (NIH/NIAID) [C]" userId="8123e298-eaa7-4067-960e-8e9acda1581f" providerId="ADAL" clId="{0C402FB5-1208-C94F-B091-6134B46BEC84}" dt="2024-10-23T13:38:32.247" v="2412" actId="1036"/>
           <ac:spMkLst>
             <pc:docMk/>
             <pc:sldMk cId="1538252808" sldId="257"/>
             <ac:spMk id="28" creationId="{A4FDDD30-2F46-30D5-FF7C-2FF7B4DA413C}"/>
+          </ac:spMkLst>
+        </pc:spChg>
+        <pc:spChg chg="mod">
+          <ac:chgData name="McCauley, Kathryn (NIH/NIAID) [C]" userId="8123e298-eaa7-4067-960e-8e9acda1581f" providerId="ADAL" clId="{0C402FB5-1208-C94F-B091-6134B46BEC84}" dt="2024-10-23T13:37:43.912" v="2395" actId="1038"/>
+          <ac:spMkLst>
+            <pc:docMk/>
+            <pc:sldMk cId="1538252808" sldId="257"/>
+            <ac:spMk id="31" creationId="{02E31B3B-576D-3926-91AC-F7E28B4EAAF2}"/>
           </ac:spMkLst>
         </pc:spChg>
         <pc:spChg chg="add mod">
@@ -235,7 +243,7 @@
           </ac:spMkLst>
         </pc:spChg>
         <pc:spChg chg="mod">
-          <ac:chgData name="McCauley, Kathryn (NIH/NIAID) [C]" userId="8123e298-eaa7-4067-960e-8e9acda1581f" providerId="ADAL" clId="{0C402FB5-1208-C94F-B091-6134B46BEC84}" dt="2024-10-10T21:18:59.036" v="48" actId="1035"/>
+          <ac:chgData name="McCauley, Kathryn (NIH/NIAID) [C]" userId="8123e298-eaa7-4067-960e-8e9acda1581f" providerId="ADAL" clId="{0C402FB5-1208-C94F-B091-6134B46BEC84}" dt="2024-10-23T13:37:28.768" v="2386" actId="1037"/>
           <ac:spMkLst>
             <pc:docMk/>
             <pc:sldMk cId="1538252808" sldId="257"/>
@@ -275,11 +283,147 @@
           </ac:spMkLst>
         </pc:spChg>
         <pc:spChg chg="mod">
+          <ac:chgData name="McCauley, Kathryn (NIH/NIAID) [C]" userId="8123e298-eaa7-4067-960e-8e9acda1581f" providerId="ADAL" clId="{0C402FB5-1208-C94F-B091-6134B46BEC84}" dt="2024-10-23T13:37:43.912" v="2395" actId="1038"/>
+          <ac:spMkLst>
+            <pc:docMk/>
+            <pc:sldMk cId="1538252808" sldId="257"/>
+            <ac:spMk id="44" creationId="{4555B48F-E707-2CC5-4371-A410C0219888}"/>
+          </ac:spMkLst>
+        </pc:spChg>
+        <pc:spChg chg="mod">
           <ac:chgData name="McCauley, Kathryn (NIH/NIAID) [C]" userId="8123e298-eaa7-4067-960e-8e9acda1581f" providerId="ADAL" clId="{0C402FB5-1208-C94F-B091-6134B46BEC84}" dt="2024-10-10T21:44:26.241" v="742" actId="1035"/>
           <ac:spMkLst>
             <pc:docMk/>
             <pc:sldMk cId="1538252808" sldId="257"/>
             <ac:spMk id="46" creationId="{1F5AA803-EB7B-4D90-1F1E-4CE8BA1AA2ED}"/>
+          </ac:spMkLst>
+        </pc:spChg>
+        <pc:spChg chg="mod">
+          <ac:chgData name="McCauley, Kathryn (NIH/NIAID) [C]" userId="8123e298-eaa7-4067-960e-8e9acda1581f" providerId="ADAL" clId="{0C402FB5-1208-C94F-B091-6134B46BEC84}" dt="2024-10-23T13:37:34.848" v="2388" actId="1076"/>
+          <ac:spMkLst>
+            <pc:docMk/>
+            <pc:sldMk cId="1538252808" sldId="257"/>
+            <ac:spMk id="48" creationId="{95FDF5CF-7BAE-801F-EC42-63FC353CDB2E}"/>
+          </ac:spMkLst>
+        </pc:spChg>
+        <pc:spChg chg="mod">
+          <ac:chgData name="McCauley, Kathryn (NIH/NIAID) [C]" userId="8123e298-eaa7-4067-960e-8e9acda1581f" providerId="ADAL" clId="{0C402FB5-1208-C94F-B091-6134B46BEC84}" dt="2024-10-23T13:37:43.912" v="2395" actId="1038"/>
+          <ac:spMkLst>
+            <pc:docMk/>
+            <pc:sldMk cId="1538252808" sldId="257"/>
+            <ac:spMk id="49" creationId="{3D46B2F8-A0E3-F28C-D9A1-7CC6D3A5354B}"/>
+          </ac:spMkLst>
+        </pc:spChg>
+        <pc:spChg chg="mod">
+          <ac:chgData name="McCauley, Kathryn (NIH/NIAID) [C]" userId="8123e298-eaa7-4067-960e-8e9acda1581f" providerId="ADAL" clId="{0C402FB5-1208-C94F-B091-6134B46BEC84}" dt="2024-10-23T13:37:28.768" v="2386" actId="1037"/>
+          <ac:spMkLst>
+            <pc:docMk/>
+            <pc:sldMk cId="1538252808" sldId="257"/>
+            <ac:spMk id="50" creationId="{6EE87C16-53E2-2584-DE87-D931ED486B03}"/>
+          </ac:spMkLst>
+        </pc:spChg>
+        <pc:spChg chg="mod">
+          <ac:chgData name="McCauley, Kathryn (NIH/NIAID) [C]" userId="8123e298-eaa7-4067-960e-8e9acda1581f" providerId="ADAL" clId="{0C402FB5-1208-C94F-B091-6134B46BEC84}" dt="2024-10-23T13:37:28.768" v="2386" actId="1037"/>
+          <ac:spMkLst>
+            <pc:docMk/>
+            <pc:sldMk cId="1538252808" sldId="257"/>
+            <ac:spMk id="51" creationId="{9D08971E-D850-A8B5-A66E-FD1536DF674A}"/>
+          </ac:spMkLst>
+        </pc:spChg>
+        <pc:spChg chg="mod">
+          <ac:chgData name="McCauley, Kathryn (NIH/NIAID) [C]" userId="8123e298-eaa7-4067-960e-8e9acda1581f" providerId="ADAL" clId="{0C402FB5-1208-C94F-B091-6134B46BEC84}" dt="2024-10-23T13:37:28.768" v="2386" actId="1037"/>
+          <ac:spMkLst>
+            <pc:docMk/>
+            <pc:sldMk cId="1538252808" sldId="257"/>
+            <ac:spMk id="52" creationId="{069C7E63-F924-5E7D-7AD3-626040A3C2B3}"/>
+          </ac:spMkLst>
+        </pc:spChg>
+        <pc:spChg chg="mod">
+          <ac:chgData name="McCauley, Kathryn (NIH/NIAID) [C]" userId="8123e298-eaa7-4067-960e-8e9acda1581f" providerId="ADAL" clId="{0C402FB5-1208-C94F-B091-6134B46BEC84}" dt="2024-10-23T13:37:28.768" v="2386" actId="1037"/>
+          <ac:spMkLst>
+            <pc:docMk/>
+            <pc:sldMk cId="1538252808" sldId="257"/>
+            <ac:spMk id="53" creationId="{63255C69-88EB-23D3-91EE-C4E825BDE12D}"/>
+          </ac:spMkLst>
+        </pc:spChg>
+        <pc:spChg chg="mod">
+          <ac:chgData name="McCauley, Kathryn (NIH/NIAID) [C]" userId="8123e298-eaa7-4067-960e-8e9acda1581f" providerId="ADAL" clId="{0C402FB5-1208-C94F-B091-6134B46BEC84}" dt="2024-10-23T13:37:28.768" v="2386" actId="1037"/>
+          <ac:spMkLst>
+            <pc:docMk/>
+            <pc:sldMk cId="1538252808" sldId="257"/>
+            <ac:spMk id="54" creationId="{C3E3074A-D0AA-72A7-1E72-DC3C7F0C80B1}"/>
+          </ac:spMkLst>
+        </pc:spChg>
+        <pc:spChg chg="mod">
+          <ac:chgData name="McCauley, Kathryn (NIH/NIAID) [C]" userId="8123e298-eaa7-4067-960e-8e9acda1581f" providerId="ADAL" clId="{0C402FB5-1208-C94F-B091-6134B46BEC84}" dt="2024-10-23T13:37:28.768" v="2386" actId="1037"/>
+          <ac:spMkLst>
+            <pc:docMk/>
+            <pc:sldMk cId="1538252808" sldId="257"/>
+            <ac:spMk id="55" creationId="{07802011-D821-7848-43E9-2330BA50D123}"/>
+          </ac:spMkLst>
+        </pc:spChg>
+        <pc:spChg chg="mod">
+          <ac:chgData name="McCauley, Kathryn (NIH/NIAID) [C]" userId="8123e298-eaa7-4067-960e-8e9acda1581f" providerId="ADAL" clId="{0C402FB5-1208-C94F-B091-6134B46BEC84}" dt="2024-10-23T13:37:28.768" v="2386" actId="1037"/>
+          <ac:spMkLst>
+            <pc:docMk/>
+            <pc:sldMk cId="1538252808" sldId="257"/>
+            <ac:spMk id="56" creationId="{F20F99F2-DB8A-F246-EC24-93467DE96EE3}"/>
+          </ac:spMkLst>
+        </pc:spChg>
+        <pc:spChg chg="mod">
+          <ac:chgData name="McCauley, Kathryn (NIH/NIAID) [C]" userId="8123e298-eaa7-4067-960e-8e9acda1581f" providerId="ADAL" clId="{0C402FB5-1208-C94F-B091-6134B46BEC84}" dt="2024-10-23T13:37:28.768" v="2386" actId="1037"/>
+          <ac:spMkLst>
+            <pc:docMk/>
+            <pc:sldMk cId="1538252808" sldId="257"/>
+            <ac:spMk id="57" creationId="{8C2745FB-F3FD-6823-722E-0A3D44939DA9}"/>
+          </ac:spMkLst>
+        </pc:spChg>
+        <pc:spChg chg="mod">
+          <ac:chgData name="McCauley, Kathryn (NIH/NIAID) [C]" userId="8123e298-eaa7-4067-960e-8e9acda1581f" providerId="ADAL" clId="{0C402FB5-1208-C94F-B091-6134B46BEC84}" dt="2024-10-23T13:37:28.768" v="2386" actId="1037"/>
+          <ac:spMkLst>
+            <pc:docMk/>
+            <pc:sldMk cId="1538252808" sldId="257"/>
+            <ac:spMk id="58" creationId="{6644EF7D-A272-84B3-A857-F490EA5EE5F7}"/>
+          </ac:spMkLst>
+        </pc:spChg>
+        <pc:spChg chg="mod">
+          <ac:chgData name="McCauley, Kathryn (NIH/NIAID) [C]" userId="8123e298-eaa7-4067-960e-8e9acda1581f" providerId="ADAL" clId="{0C402FB5-1208-C94F-B091-6134B46BEC84}" dt="2024-10-23T13:37:28.768" v="2386" actId="1037"/>
+          <ac:spMkLst>
+            <pc:docMk/>
+            <pc:sldMk cId="1538252808" sldId="257"/>
+            <ac:spMk id="59" creationId="{2A76AAEA-E5EC-20A0-1EA1-0881EA7BA0ED}"/>
+          </ac:spMkLst>
+        </pc:spChg>
+        <pc:spChg chg="mod">
+          <ac:chgData name="McCauley, Kathryn (NIH/NIAID) [C]" userId="8123e298-eaa7-4067-960e-8e9acda1581f" providerId="ADAL" clId="{0C402FB5-1208-C94F-B091-6134B46BEC84}" dt="2024-10-23T13:37:28.768" v="2386" actId="1037"/>
+          <ac:spMkLst>
+            <pc:docMk/>
+            <pc:sldMk cId="1538252808" sldId="257"/>
+            <ac:spMk id="60" creationId="{05F77DA5-EED0-DC44-E9DA-BB9C8116B053}"/>
+          </ac:spMkLst>
+        </pc:spChg>
+        <pc:spChg chg="mod">
+          <ac:chgData name="McCauley, Kathryn (NIH/NIAID) [C]" userId="8123e298-eaa7-4067-960e-8e9acda1581f" providerId="ADAL" clId="{0C402FB5-1208-C94F-B091-6134B46BEC84}" dt="2024-10-23T13:37:28.768" v="2386" actId="1037"/>
+          <ac:spMkLst>
+            <pc:docMk/>
+            <pc:sldMk cId="1538252808" sldId="257"/>
+            <ac:spMk id="61" creationId="{A00A6B99-BC3E-3D2E-F74C-6B920ABF1112}"/>
+          </ac:spMkLst>
+        </pc:spChg>
+        <pc:spChg chg="mod">
+          <ac:chgData name="McCauley, Kathryn (NIH/NIAID) [C]" userId="8123e298-eaa7-4067-960e-8e9acda1581f" providerId="ADAL" clId="{0C402FB5-1208-C94F-B091-6134B46BEC84}" dt="2024-10-23T13:37:28.768" v="2386" actId="1037"/>
+          <ac:spMkLst>
+            <pc:docMk/>
+            <pc:sldMk cId="1538252808" sldId="257"/>
+            <ac:spMk id="62" creationId="{AC89040D-D21B-4504-C134-D80E6D2B1BFF}"/>
+          </ac:spMkLst>
+        </pc:spChg>
+        <pc:spChg chg="mod">
+          <ac:chgData name="McCauley, Kathryn (NIH/NIAID) [C]" userId="8123e298-eaa7-4067-960e-8e9acda1581f" providerId="ADAL" clId="{0C402FB5-1208-C94F-B091-6134B46BEC84}" dt="2024-10-23T13:37:28.768" v="2386" actId="1037"/>
+          <ac:spMkLst>
+            <pc:docMk/>
+            <pc:sldMk cId="1538252808" sldId="257"/>
+            <ac:spMk id="63" creationId="{85C5BD45-3C65-003D-A069-27B0A97BFE27}"/>
           </ac:spMkLst>
         </pc:spChg>
         <pc:spChg chg="mod">
@@ -307,6 +451,14 @@
           </ac:spMkLst>
         </pc:spChg>
         <pc:spChg chg="mod">
+          <ac:chgData name="McCauley, Kathryn (NIH/NIAID) [C]" userId="8123e298-eaa7-4067-960e-8e9acda1581f" providerId="ADAL" clId="{0C402FB5-1208-C94F-B091-6134B46BEC84}" dt="2024-10-23T13:37:28.768" v="2386" actId="1037"/>
+          <ac:spMkLst>
+            <pc:docMk/>
+            <pc:sldMk cId="1538252808" sldId="257"/>
+            <ac:spMk id="1031" creationId="{74FEE779-26BA-5315-9185-5804B005A03F}"/>
+          </ac:spMkLst>
+        </pc:spChg>
+        <pc:spChg chg="mod">
           <ac:chgData name="McCauley, Kathryn (NIH/NIAID) [C]" userId="8123e298-eaa7-4067-960e-8e9acda1581f" providerId="ADAL" clId="{0C402FB5-1208-C94F-B091-6134B46BEC84}" dt="2024-10-11T13:32:20.313" v="1703" actId="20577"/>
           <ac:spMkLst>
             <pc:docMk/>
@@ -315,7 +467,15 @@
           </ac:spMkLst>
         </pc:spChg>
         <pc:spChg chg="mod">
-          <ac:chgData name="McCauley, Kathryn (NIH/NIAID) [C]" userId="8123e298-eaa7-4067-960e-8e9acda1581f" providerId="ADAL" clId="{0C402FB5-1208-C94F-B091-6134B46BEC84}" dt="2024-10-11T13:32:44.312" v="1735" actId="14100"/>
+          <ac:chgData name="McCauley, Kathryn (NIH/NIAID) [C]" userId="8123e298-eaa7-4067-960e-8e9acda1581f" providerId="ADAL" clId="{0C402FB5-1208-C94F-B091-6134B46BEC84}" dt="2024-10-23T13:37:28.768" v="2386" actId="1037"/>
+          <ac:spMkLst>
+            <pc:docMk/>
+            <pc:sldMk cId="1538252808" sldId="257"/>
+            <ac:spMk id="1035" creationId="{5D827B31-5A00-EAC3-DCDC-550751E940A0}"/>
+          </ac:spMkLst>
+        </pc:spChg>
+        <pc:spChg chg="mod">
+          <ac:chgData name="McCauley, Kathryn (NIH/NIAID) [C]" userId="8123e298-eaa7-4067-960e-8e9acda1581f" providerId="ADAL" clId="{0C402FB5-1208-C94F-B091-6134B46BEC84}" dt="2024-10-23T13:39:32.280" v="2428" actId="20577"/>
           <ac:spMkLst>
             <pc:docMk/>
             <pc:sldMk cId="1538252808" sldId="257"/>
@@ -395,7 +555,7 @@
           </ac:spMkLst>
         </pc:spChg>
         <pc:spChg chg="mod">
-          <ac:chgData name="McCauley, Kathryn (NIH/NIAID) [C]" userId="8123e298-eaa7-4067-960e-8e9acda1581f" providerId="ADAL" clId="{0C402FB5-1208-C94F-B091-6134B46BEC84}" dt="2024-10-11T12:49:18.580" v="1637" actId="113"/>
+          <ac:chgData name="McCauley, Kathryn (NIH/NIAID) [C]" userId="8123e298-eaa7-4067-960e-8e9acda1581f" providerId="ADAL" clId="{0C402FB5-1208-C94F-B091-6134B46BEC84}" dt="2024-10-23T13:37:43.912" v="2395" actId="1038"/>
           <ac:spMkLst>
             <pc:docMk/>
             <pc:sldMk cId="1538252808" sldId="257"/>
@@ -403,7 +563,7 @@
           </ac:spMkLst>
         </pc:spChg>
         <pc:spChg chg="mod">
-          <ac:chgData name="McCauley, Kathryn (NIH/NIAID) [C]" userId="8123e298-eaa7-4067-960e-8e9acda1581f" providerId="ADAL" clId="{0C402FB5-1208-C94F-B091-6134B46BEC84}" dt="2024-10-10T21:58:29.545" v="1154" actId="20577"/>
+          <ac:chgData name="McCauley, Kathryn (NIH/NIAID) [C]" userId="8123e298-eaa7-4067-960e-8e9acda1581f" providerId="ADAL" clId="{0C402FB5-1208-C94F-B091-6134B46BEC84}" dt="2024-10-23T13:37:28.768" v="2386" actId="1037"/>
           <ac:spMkLst>
             <pc:docMk/>
             <pc:sldMk cId="1538252808" sldId="257"/>
@@ -443,7 +603,7 @@
           </ac:spMkLst>
         </pc:spChg>
         <pc:spChg chg="mod">
-          <ac:chgData name="McCauley, Kathryn (NIH/NIAID) [C]" userId="8123e298-eaa7-4067-960e-8e9acda1581f" providerId="ADAL" clId="{0C402FB5-1208-C94F-B091-6134B46BEC84}" dt="2024-10-11T12:36:43.064" v="1196" actId="1036"/>
+          <ac:chgData name="McCauley, Kathryn (NIH/NIAID) [C]" userId="8123e298-eaa7-4067-960e-8e9acda1581f" providerId="ADAL" clId="{0C402FB5-1208-C94F-B091-6134B46BEC84}" dt="2024-10-23T13:38:32.247" v="2412" actId="1036"/>
           <ac:spMkLst>
             <pc:docMk/>
             <pc:sldMk cId="1538252808" sldId="257"/>
@@ -514,6 +674,54 @@
             <ac:spMk id="1074" creationId="{7AF65165-85C2-304E-C251-ABC28DA4724D}"/>
           </ac:spMkLst>
         </pc:spChg>
+        <pc:spChg chg="add mod">
+          <ac:chgData name="McCauley, Kathryn (NIH/NIAID) [C]" userId="8123e298-eaa7-4067-960e-8e9acda1581f" providerId="ADAL" clId="{0C402FB5-1208-C94F-B091-6134B46BEC84}" dt="2024-10-23T13:37:43.912" v="2395" actId="1038"/>
+          <ac:spMkLst>
+            <pc:docMk/>
+            <pc:sldMk cId="1538252808" sldId="257"/>
+            <ac:spMk id="1074" creationId="{DCAA0B3D-BD00-5C90-B934-120CF95AA1B5}"/>
+          </ac:spMkLst>
+        </pc:spChg>
+        <pc:spChg chg="add mod">
+          <ac:chgData name="McCauley, Kathryn (NIH/NIAID) [C]" userId="8123e298-eaa7-4067-960e-8e9acda1581f" providerId="ADAL" clId="{0C402FB5-1208-C94F-B091-6134B46BEC84}" dt="2024-10-23T13:37:43.912" v="2395" actId="1038"/>
+          <ac:spMkLst>
+            <pc:docMk/>
+            <pc:sldMk cId="1538252808" sldId="257"/>
+            <ac:spMk id="1076" creationId="{E6F9A8AF-DE2A-DEEA-3D9C-35A9A6F1FB14}"/>
+          </ac:spMkLst>
+        </pc:spChg>
+        <pc:spChg chg="add mod">
+          <ac:chgData name="McCauley, Kathryn (NIH/NIAID) [C]" userId="8123e298-eaa7-4067-960e-8e9acda1581f" providerId="ADAL" clId="{0C402FB5-1208-C94F-B091-6134B46BEC84}" dt="2024-10-23T13:37:43.912" v="2395" actId="1038"/>
+          <ac:spMkLst>
+            <pc:docMk/>
+            <pc:sldMk cId="1538252808" sldId="257"/>
+            <ac:spMk id="1077" creationId="{03A9E4F0-A224-BDC0-D572-B8002FB5566D}"/>
+          </ac:spMkLst>
+        </pc:spChg>
+        <pc:spChg chg="add mod">
+          <ac:chgData name="McCauley, Kathryn (NIH/NIAID) [C]" userId="8123e298-eaa7-4067-960e-8e9acda1581f" providerId="ADAL" clId="{0C402FB5-1208-C94F-B091-6134B46BEC84}" dt="2024-10-23T13:37:43.912" v="2395" actId="1038"/>
+          <ac:spMkLst>
+            <pc:docMk/>
+            <pc:sldMk cId="1538252808" sldId="257"/>
+            <ac:spMk id="1078" creationId="{04D26E5B-0BD2-752A-CD78-D7628F2B6EB4}"/>
+          </ac:spMkLst>
+        </pc:spChg>
+        <pc:spChg chg="add mod">
+          <ac:chgData name="McCauley, Kathryn (NIH/NIAID) [C]" userId="8123e298-eaa7-4067-960e-8e9acda1581f" providerId="ADAL" clId="{0C402FB5-1208-C94F-B091-6134B46BEC84}" dt="2024-10-23T13:37:43.912" v="2395" actId="1038"/>
+          <ac:spMkLst>
+            <pc:docMk/>
+            <pc:sldMk cId="1538252808" sldId="257"/>
+            <ac:spMk id="1079" creationId="{F96B7CDD-343C-726A-F0FB-F07CF2C04847}"/>
+          </ac:spMkLst>
+        </pc:spChg>
+        <pc:spChg chg="add mod">
+          <ac:chgData name="McCauley, Kathryn (NIH/NIAID) [C]" userId="8123e298-eaa7-4067-960e-8e9acda1581f" providerId="ADAL" clId="{0C402FB5-1208-C94F-B091-6134B46BEC84}" dt="2024-10-23T13:37:43.912" v="2395" actId="1038"/>
+          <ac:spMkLst>
+            <pc:docMk/>
+            <pc:sldMk cId="1538252808" sldId="257"/>
+            <ac:spMk id="1080" creationId="{6722321F-FFF4-5B5E-03DD-BCC5DACF7B63}"/>
+          </ac:spMkLst>
+        </pc:spChg>
         <pc:spChg chg="mod">
           <ac:chgData name="McCauley, Kathryn (NIH/NIAID) [C]" userId="8123e298-eaa7-4067-960e-8e9acda1581f" providerId="ADAL" clId="{0C402FB5-1208-C94F-B091-6134B46BEC84}" dt="2024-10-11T13:03:12.412" v="1638" actId="20577"/>
           <ac:spMkLst>
@@ -539,6 +747,14 @@
           </ac:spMkLst>
         </pc:spChg>
         <pc:grpChg chg="mod">
+          <ac:chgData name="McCauley, Kathryn (NIH/NIAID) [C]" userId="8123e298-eaa7-4067-960e-8e9acda1581f" providerId="ADAL" clId="{0C402FB5-1208-C94F-B091-6134B46BEC84}" dt="2024-10-23T13:37:28.768" v="2386" actId="1037"/>
+          <ac:grpSpMkLst>
+            <pc:docMk/>
+            <pc:sldMk cId="1538252808" sldId="257"/>
+            <ac:grpSpMk id="1032" creationId="{D8BC9967-A490-F258-90A5-C3C5E02BC6AD}"/>
+          </ac:grpSpMkLst>
+        </pc:grpChg>
+        <pc:grpChg chg="mod">
           <ac:chgData name="McCauley, Kathryn (NIH/NIAID) [C]" userId="8123e298-eaa7-4067-960e-8e9acda1581f" providerId="ADAL" clId="{0C402FB5-1208-C94F-B091-6134B46BEC84}" dt="2024-10-11T12:42:54.517" v="1635" actId="1035"/>
           <ac:grpSpMkLst>
             <pc:docMk/>
@@ -563,6 +779,22 @@
           </ac:grpSpMkLst>
         </pc:grpChg>
         <pc:picChg chg="mod">
+          <ac:chgData name="McCauley, Kathryn (NIH/NIAID) [C]" userId="8123e298-eaa7-4067-960e-8e9acda1581f" providerId="ADAL" clId="{0C402FB5-1208-C94F-B091-6134B46BEC84}" dt="2024-10-23T13:37:28.768" v="2386" actId="1037"/>
+          <ac:picMkLst>
+            <pc:docMk/>
+            <pc:sldMk cId="1538252808" sldId="257"/>
+            <ac:picMk id="2" creationId="{D26B6D56-40DC-D6E1-11BA-2CFE7AB52A2E}"/>
+          </ac:picMkLst>
+        </pc:picChg>
+        <pc:picChg chg="mod">
+          <ac:chgData name="McCauley, Kathryn (NIH/NIAID) [C]" userId="8123e298-eaa7-4067-960e-8e9acda1581f" providerId="ADAL" clId="{0C402FB5-1208-C94F-B091-6134B46BEC84}" dt="2024-10-23T13:37:43.912" v="2395" actId="1038"/>
+          <ac:picMkLst>
+            <pc:docMk/>
+            <pc:sldMk cId="1538252808" sldId="257"/>
+            <ac:picMk id="16" creationId="{F8E5BFA3-4F9D-9E8D-FABC-90B9E6E47435}"/>
+          </ac:picMkLst>
+        </pc:picChg>
+        <pc:picChg chg="mod">
           <ac:chgData name="McCauley, Kathryn (NIH/NIAID) [C]" userId="8123e298-eaa7-4067-960e-8e9acda1581f" providerId="ADAL" clId="{0C402FB5-1208-C94F-B091-6134B46BEC84}" dt="2024-10-11T12:37:38.189" v="1232" actId="1036"/>
           <ac:picMkLst>
             <pc:docMk/>
@@ -579,7 +811,7 @@
           </ac:picMkLst>
         </pc:picChg>
         <pc:picChg chg="mod">
-          <ac:chgData name="McCauley, Kathryn (NIH/NIAID) [C]" userId="8123e298-eaa7-4067-960e-8e9acda1581f" providerId="ADAL" clId="{0C402FB5-1208-C94F-B091-6134B46BEC84}" dt="2024-10-10T21:18:59.036" v="48" actId="1035"/>
+          <ac:chgData name="McCauley, Kathryn (NIH/NIAID) [C]" userId="8123e298-eaa7-4067-960e-8e9acda1581f" providerId="ADAL" clId="{0C402FB5-1208-C94F-B091-6134B46BEC84}" dt="2024-10-23T13:37:28.768" v="2386" actId="1037"/>
           <ac:picMkLst>
             <pc:docMk/>
             <pc:sldMk cId="1538252808" sldId="257"/>
@@ -659,7 +891,7 @@
           </ac:picMkLst>
         </pc:picChg>
         <pc:picChg chg="mod">
-          <ac:chgData name="McCauley, Kathryn (NIH/NIAID) [C]" userId="8123e298-eaa7-4067-960e-8e9acda1581f" providerId="ADAL" clId="{0C402FB5-1208-C94F-B091-6134B46BEC84}" dt="2024-10-11T12:38:04.740" v="1245" actId="1036"/>
+          <ac:chgData name="McCauley, Kathryn (NIH/NIAID) [C]" userId="8123e298-eaa7-4067-960e-8e9acda1581f" providerId="ADAL" clId="{0C402FB5-1208-C94F-B091-6134B46BEC84}" dt="2024-10-23T13:39:02.503" v="2421" actId="1038"/>
           <ac:picMkLst>
             <pc:docMk/>
             <pc:sldMk cId="1538252808" sldId="257"/>
@@ -682,6 +914,22 @@
             <ac:picMk id="3089" creationId="{B1369CF9-5607-80A7-379B-825C1E0F4097}"/>
           </ac:picMkLst>
         </pc:picChg>
+        <pc:cxnChg chg="mod">
+          <ac:chgData name="McCauley, Kathryn (NIH/NIAID) [C]" userId="8123e298-eaa7-4067-960e-8e9acda1581f" providerId="ADAL" clId="{0C402FB5-1208-C94F-B091-6134B46BEC84}" dt="2024-10-23T13:37:28.768" v="2386" actId="1037"/>
+          <ac:cxnSpMkLst>
+            <pc:docMk/>
+            <pc:sldMk cId="1538252808" sldId="257"/>
+            <ac:cxnSpMk id="25" creationId="{964BE564-8358-0D2C-A709-5C1DD2B57F30}"/>
+          </ac:cxnSpMkLst>
+        </pc:cxnChg>
+        <pc:cxnChg chg="mod">
+          <ac:chgData name="McCauley, Kathryn (NIH/NIAID) [C]" userId="8123e298-eaa7-4067-960e-8e9acda1581f" providerId="ADAL" clId="{0C402FB5-1208-C94F-B091-6134B46BEC84}" dt="2024-10-23T13:37:28.768" v="2386" actId="1037"/>
+          <ac:cxnSpMkLst>
+            <pc:docMk/>
+            <pc:sldMk cId="1538252808" sldId="257"/>
+            <ac:cxnSpMk id="40" creationId="{8CFADA7D-FB7E-C6BE-098C-2F0A71966FBE}"/>
+          </ac:cxnSpMkLst>
+        </pc:cxnChg>
         <pc:cxnChg chg="mod">
           <ac:chgData name="McCauley, Kathryn (NIH/NIAID) [C]" userId="8123e298-eaa7-4067-960e-8e9acda1581f" providerId="ADAL" clId="{0C402FB5-1208-C94F-B091-6134B46BEC84}" dt="2024-10-11T12:37:38.189" v="1232" actId="1036"/>
           <ac:cxnSpMkLst>
@@ -778,7 +1026,7 @@
           <a:p>
             <a:fld id="{23FB4B41-4CCE-9541-B1BD-AD7E0745DD20}" type="datetimeFigureOut">
               <a:rPr lang="en-US" smtClean="0"/>
-              <a:t>10/22/24</a:t>
+              <a:t>10/23/24</a:t>
             </a:fld>
             <a:endParaRPr lang="en-US"/>
           </a:p>
@@ -1260,7 +1508,7 @@
           <a:p>
             <a:fld id="{DDCDFDCF-5B5E-9D4E-AA60-E7B60AA046F2}" type="datetimeFigureOut">
               <a:rPr lang="en-US" smtClean="0"/>
-              <a:t>10/22/24</a:t>
+              <a:t>10/23/24</a:t>
             </a:fld>
             <a:endParaRPr lang="en-US"/>
           </a:p>
@@ -1430,7 +1678,7 @@
           <a:p>
             <a:fld id="{DDCDFDCF-5B5E-9D4E-AA60-E7B60AA046F2}" type="datetimeFigureOut">
               <a:rPr lang="en-US" smtClean="0"/>
-              <a:t>10/22/24</a:t>
+              <a:t>10/23/24</a:t>
             </a:fld>
             <a:endParaRPr lang="en-US"/>
           </a:p>
@@ -1610,7 +1858,7 @@
           <a:p>
             <a:fld id="{DDCDFDCF-5B5E-9D4E-AA60-E7B60AA046F2}" type="datetimeFigureOut">
               <a:rPr lang="en-US" smtClean="0"/>
-              <a:t>10/22/24</a:t>
+              <a:t>10/23/24</a:t>
             </a:fld>
             <a:endParaRPr lang="en-US"/>
           </a:p>
@@ -1780,7 +2028,7 @@
           <a:p>
             <a:fld id="{DDCDFDCF-5B5E-9D4E-AA60-E7B60AA046F2}" type="datetimeFigureOut">
               <a:rPr lang="en-US" smtClean="0"/>
-              <a:t>10/22/24</a:t>
+              <a:t>10/23/24</a:t>
             </a:fld>
             <a:endParaRPr lang="en-US"/>
           </a:p>
@@ -2026,7 +2274,7 @@
           <a:p>
             <a:fld id="{DDCDFDCF-5B5E-9D4E-AA60-E7B60AA046F2}" type="datetimeFigureOut">
               <a:rPr lang="en-US" smtClean="0"/>
-              <a:t>10/22/24</a:t>
+              <a:t>10/23/24</a:t>
             </a:fld>
             <a:endParaRPr lang="en-US"/>
           </a:p>
@@ -2258,7 +2506,7 @@
           <a:p>
             <a:fld id="{DDCDFDCF-5B5E-9D4E-AA60-E7B60AA046F2}" type="datetimeFigureOut">
               <a:rPr lang="en-US" smtClean="0"/>
-              <a:t>10/22/24</a:t>
+              <a:t>10/23/24</a:t>
             </a:fld>
             <a:endParaRPr lang="en-US"/>
           </a:p>
@@ -2625,7 +2873,7 @@
           <a:p>
             <a:fld id="{DDCDFDCF-5B5E-9D4E-AA60-E7B60AA046F2}" type="datetimeFigureOut">
               <a:rPr lang="en-US" smtClean="0"/>
-              <a:t>10/22/24</a:t>
+              <a:t>10/23/24</a:t>
             </a:fld>
             <a:endParaRPr lang="en-US"/>
           </a:p>
@@ -2743,7 +2991,7 @@
           <a:p>
             <a:fld id="{DDCDFDCF-5B5E-9D4E-AA60-E7B60AA046F2}" type="datetimeFigureOut">
               <a:rPr lang="en-US" smtClean="0"/>
-              <a:t>10/22/24</a:t>
+              <a:t>10/23/24</a:t>
             </a:fld>
             <a:endParaRPr lang="en-US"/>
           </a:p>
@@ -2838,7 +3086,7 @@
           <a:p>
             <a:fld id="{DDCDFDCF-5B5E-9D4E-AA60-E7B60AA046F2}" type="datetimeFigureOut">
               <a:rPr lang="en-US" smtClean="0"/>
-              <a:t>10/22/24</a:t>
+              <a:t>10/23/24</a:t>
             </a:fld>
             <a:endParaRPr lang="en-US"/>
           </a:p>
@@ -3115,7 +3363,7 @@
           <a:p>
             <a:fld id="{DDCDFDCF-5B5E-9D4E-AA60-E7B60AA046F2}" type="datetimeFigureOut">
               <a:rPr lang="en-US" smtClean="0"/>
-              <a:t>10/22/24</a:t>
+              <a:t>10/23/24</a:t>
             </a:fld>
             <a:endParaRPr lang="en-US"/>
           </a:p>
@@ -3372,7 +3620,7 @@
           <a:p>
             <a:fld id="{DDCDFDCF-5B5E-9D4E-AA60-E7B60AA046F2}" type="datetimeFigureOut">
               <a:rPr lang="en-US" smtClean="0"/>
-              <a:t>10/22/24</a:t>
+              <a:t>10/23/24</a:t>
             </a:fld>
             <a:endParaRPr lang="en-US"/>
           </a:p>
@@ -3585,7 +3833,7 @@
           <a:p>
             <a:fld id="{DDCDFDCF-5B5E-9D4E-AA60-E7B60AA046F2}" type="datetimeFigureOut">
               <a:rPr lang="en-US" smtClean="0"/>
-              <a:t>10/22/24</a:t>
+              <a:t>10/23/24</a:t>
             </a:fld>
             <a:endParaRPr lang="en-US"/>
           </a:p>
@@ -5621,7 +5869,7 @@
         </p:blipFill>
         <p:spPr>
           <a:xfrm>
-            <a:off x="10638732" y="9508039"/>
+            <a:off x="10816532" y="9660439"/>
             <a:ext cx="10888459" cy="7258973"/>
           </a:xfrm>
           <a:prstGeom prst="rect">
@@ -5928,7 +6176,7 @@
         </p:nvSpPr>
         <p:spPr>
           <a:xfrm>
-            <a:off x="10219796" y="7898417"/>
+            <a:off x="10397596" y="7796817"/>
             <a:ext cx="12033035" cy="1446550"/>
           </a:xfrm>
           <a:prstGeom prst="rect">
@@ -6201,7 +6449,7 @@
         </p:nvGrpSpPr>
         <p:grpSpPr>
           <a:xfrm>
-            <a:off x="24937362" y="7822232"/>
+            <a:off x="25089762" y="7822232"/>
             <a:ext cx="12743536" cy="9145843"/>
             <a:chOff x="24937362" y="7822232"/>
             <a:chExt cx="12743536" cy="9145843"/>
@@ -7071,7 +7319,7 @@
                 <a:ea typeface="Roboto" panose="02000000000000000000" pitchFamily="2" charset="0"/>
                 <a:cs typeface="Roboto" panose="02000000000000000000" pitchFamily="2" charset="0"/>
               </a:rPr>
-              <a:t>PI-ME/CFS is a debilitating condition with post-exertional malaise, cognitive impairments, and gastrointestinal distress, typically as a result of previous bacterial or viral infection</a:t>
+              <a:t>PI-ME/CFS is a debilitating condition with post-exertional malaise, cognitive impairments, and gastrointestinal distress, typically due to previous bacterial or viral infection</a:t>
             </a:r>
           </a:p>
         </p:txBody>
@@ -7630,7 +7878,7 @@
         </p:nvSpPr>
         <p:spPr>
           <a:xfrm>
-            <a:off x="21633574" y="10247836"/>
+            <a:off x="21811374" y="10400236"/>
             <a:ext cx="2800771" cy="5755422"/>
           </a:xfrm>
           <a:prstGeom prst="rect">
@@ -8508,7 +8756,7 @@
         </p:nvCxnSpPr>
         <p:spPr>
           <a:xfrm flipH="1">
-            <a:off x="28990977" y="13131369"/>
+            <a:off x="29143377" y="13131369"/>
             <a:ext cx="4369633" cy="0"/>
           </a:xfrm>
           <a:prstGeom prst="line">
@@ -8552,7 +8800,7 @@
         </p:blipFill>
         <p:spPr>
           <a:xfrm>
-            <a:off x="33860226" y="14675470"/>
+            <a:off x="34012626" y="14675470"/>
             <a:ext cx="4150683" cy="2450969"/>
           </a:xfrm>
           <a:prstGeom prst="rect">
@@ -8574,7 +8822,7 @@
         </p:nvSpPr>
         <p:spPr>
           <a:xfrm>
-            <a:off x="33860226" y="14094586"/>
+            <a:off x="34012626" y="14094586"/>
             <a:ext cx="4134292" cy="646331"/>
           </a:xfrm>
           <a:prstGeom prst="rect">
@@ -8615,7 +8863,7 @@
         </p:nvCxnSpPr>
         <p:spPr>
           <a:xfrm flipV="1">
-            <a:off x="30350710" y="9557697"/>
+            <a:off x="30503110" y="9557697"/>
             <a:ext cx="0" cy="6469703"/>
           </a:xfrm>
           <a:prstGeom prst="line">
@@ -9417,7 +9665,7 @@
         </p:nvSpPr>
         <p:spPr>
           <a:xfrm>
-            <a:off x="382748" y="24190039"/>
+            <a:off x="382748" y="24367839"/>
             <a:ext cx="2464136" cy="584775"/>
           </a:xfrm>
           <a:prstGeom prst="rect">
@@ -9457,7 +9705,7 @@
         </p:nvSpPr>
         <p:spPr>
           <a:xfrm>
-            <a:off x="763488" y="24812563"/>
+            <a:off x="763488" y="25117363"/>
             <a:ext cx="7771029" cy="707886"/>
           </a:xfrm>
           <a:prstGeom prst="rect">
@@ -9496,7 +9744,7 @@
         </p:nvSpPr>
         <p:spPr>
           <a:xfrm>
-            <a:off x="763488" y="25725976"/>
+            <a:off x="763488" y="26030776"/>
             <a:ext cx="7771029" cy="1015663"/>
           </a:xfrm>
           <a:prstGeom prst="rect">
@@ -9639,7 +9887,7 @@
         </p:nvSpPr>
         <p:spPr>
           <a:xfrm>
-            <a:off x="742436" y="26956384"/>
+            <a:off x="742436" y="27261184"/>
             <a:ext cx="7771029" cy="1015663"/>
           </a:xfrm>
           <a:prstGeom prst="rect">
@@ -9732,7 +9980,7 @@
         </p:blipFill>
         <p:spPr bwMode="auto">
           <a:xfrm>
-            <a:off x="6922557" y="10755412"/>
+            <a:off x="7151157" y="10755412"/>
             <a:ext cx="1270000" cy="711200"/>
           </a:xfrm>
           <a:prstGeom prst="rect">
@@ -9842,7 +10090,7 @@
         </p:nvSpPr>
         <p:spPr>
           <a:xfrm>
-            <a:off x="11304779" y="12674395"/>
+            <a:off x="11482579" y="12826795"/>
             <a:ext cx="1257075" cy="253916"/>
           </a:xfrm>
           <a:prstGeom prst="rect">
@@ -9879,7 +10127,7 @@
         </p:nvSpPr>
         <p:spPr>
           <a:xfrm>
-            <a:off x="12957954" y="12714527"/>
+            <a:off x="13135754" y="12841527"/>
             <a:ext cx="1257075" cy="253916"/>
           </a:xfrm>
           <a:prstGeom prst="rect">
@@ -9916,7 +10164,7 @@
         </p:nvSpPr>
         <p:spPr>
           <a:xfrm>
-            <a:off x="34055659" y="12588416"/>
+            <a:off x="34208059" y="12588416"/>
             <a:ext cx="1016881" cy="707630"/>
           </a:xfrm>
           <a:prstGeom prst="rect">
@@ -9969,7 +10217,7 @@
         </p:nvSpPr>
         <p:spPr>
           <a:xfrm>
-            <a:off x="35074346" y="9766035"/>
+            <a:off x="35226746" y="9766035"/>
             <a:ext cx="2616486" cy="4278094"/>
           </a:xfrm>
           <a:prstGeom prst="rect">
@@ -10995,6 +11243,246 @@
           <a:p>
             <a:pPr algn="ctr"/>
             <a:endParaRPr lang="en-US"/>
+          </a:p>
+        </p:txBody>
+      </p:sp>
+      <p:sp>
+        <p:nvSpPr>
+          <p:cNvPr id="1074" name="TextBox 1073">
+            <a:extLst>
+              <a:ext uri="{FF2B5EF4-FFF2-40B4-BE49-F238E27FC236}">
+                <a16:creationId xmlns:a16="http://schemas.microsoft.com/office/drawing/2014/main" id="{DCAA0B3D-BD00-5C90-B934-120CF95AA1B5}"/>
+              </a:ext>
+            </a:extLst>
+          </p:cNvPr>
+          <p:cNvSpPr txBox="1"/>
+          <p:nvPr/>
+        </p:nvSpPr>
+        <p:spPr>
+          <a:xfrm>
+            <a:off x="11482579" y="9210009"/>
+            <a:ext cx="2800771" cy="584775"/>
+          </a:xfrm>
+          <a:prstGeom prst="rect">
+            <a:avLst/>
+          </a:prstGeom>
+          <a:noFill/>
+        </p:spPr>
+        <p:txBody>
+          <a:bodyPr wrap="square" rtlCol="0">
+            <a:spAutoFit/>
+          </a:bodyPr>
+          <a:lstStyle/>
+          <a:p>
+            <a:pPr algn="ctr"/>
+            <a:r>
+              <a:rPr lang="en-US" sz="1600" dirty="0">
+                <a:latin typeface="Roboto" panose="02000000000000000000" pitchFamily="2" charset="0"/>
+                <a:ea typeface="Roboto" panose="02000000000000000000" pitchFamily="2" charset="0"/>
+                <a:cs typeface="Roboto" panose="02000000000000000000" pitchFamily="2" charset="0"/>
+              </a:rPr>
+              <a:t>PI-ME/CFS gut microbiota has reduced diversity</a:t>
+            </a:r>
+          </a:p>
+        </p:txBody>
+      </p:sp>
+      <p:sp>
+        <p:nvSpPr>
+          <p:cNvPr id="1076" name="TextBox 1075">
+            <a:extLst>
+              <a:ext uri="{FF2B5EF4-FFF2-40B4-BE49-F238E27FC236}">
+                <a16:creationId xmlns:a16="http://schemas.microsoft.com/office/drawing/2014/main" id="{E6F9A8AF-DE2A-DEEA-3D9C-35A9A6F1FB14}"/>
+              </a:ext>
+            </a:extLst>
+          </p:cNvPr>
+          <p:cNvSpPr txBox="1"/>
+          <p:nvPr/>
+        </p:nvSpPr>
+        <p:spPr>
+          <a:xfrm>
+            <a:off x="14994031" y="9210009"/>
+            <a:ext cx="2800771" cy="584775"/>
+          </a:xfrm>
+          <a:prstGeom prst="rect">
+            <a:avLst/>
+          </a:prstGeom>
+          <a:noFill/>
+        </p:spPr>
+        <p:txBody>
+          <a:bodyPr wrap="square" rtlCol="0">
+            <a:spAutoFit/>
+          </a:bodyPr>
+          <a:lstStyle/>
+          <a:p>
+            <a:pPr algn="ctr"/>
+            <a:r>
+              <a:rPr lang="en-US" sz="1600" dirty="0">
+                <a:latin typeface="Roboto" panose="02000000000000000000" pitchFamily="2" charset="0"/>
+                <a:ea typeface="Roboto" panose="02000000000000000000" pitchFamily="2" charset="0"/>
+                <a:cs typeface="Roboto" panose="02000000000000000000" pitchFamily="2" charset="0"/>
+              </a:rPr>
+              <a:t>IgG-Negative fraction also exhibited lower diversity</a:t>
+            </a:r>
+          </a:p>
+        </p:txBody>
+      </p:sp>
+      <p:sp>
+        <p:nvSpPr>
+          <p:cNvPr id="1077" name="TextBox 1076">
+            <a:extLst>
+              <a:ext uri="{FF2B5EF4-FFF2-40B4-BE49-F238E27FC236}">
+                <a16:creationId xmlns:a16="http://schemas.microsoft.com/office/drawing/2014/main" id="{03A9E4F0-A224-BDC0-D572-B8002FB5566D}"/>
+              </a:ext>
+            </a:extLst>
+          </p:cNvPr>
+          <p:cNvSpPr txBox="1"/>
+          <p:nvPr/>
+        </p:nvSpPr>
+        <p:spPr>
+          <a:xfrm>
+            <a:off x="18546623" y="9237026"/>
+            <a:ext cx="3137746" cy="584775"/>
+          </a:xfrm>
+          <a:prstGeom prst="rect">
+            <a:avLst/>
+          </a:prstGeom>
+          <a:noFill/>
+        </p:spPr>
+        <p:txBody>
+          <a:bodyPr wrap="square" rtlCol="0">
+            <a:spAutoFit/>
+          </a:bodyPr>
+          <a:lstStyle/>
+          <a:p>
+            <a:pPr algn="ctr"/>
+            <a:r>
+              <a:rPr lang="en-US" sz="1600" dirty="0">
+                <a:latin typeface="Roboto" panose="02000000000000000000" pitchFamily="2" charset="0"/>
+                <a:ea typeface="Roboto" panose="02000000000000000000" pitchFamily="2" charset="0"/>
+                <a:cs typeface="Roboto" panose="02000000000000000000" pitchFamily="2" charset="0"/>
+              </a:rPr>
+              <a:t>This difference was not dependent on PI-ME/CFS status</a:t>
+            </a:r>
+          </a:p>
+        </p:txBody>
+      </p:sp>
+      <p:sp>
+        <p:nvSpPr>
+          <p:cNvPr id="1078" name="TextBox 1077">
+            <a:extLst>
+              <a:ext uri="{FF2B5EF4-FFF2-40B4-BE49-F238E27FC236}">
+                <a16:creationId xmlns:a16="http://schemas.microsoft.com/office/drawing/2014/main" id="{04D26E5B-0BD2-752A-CD78-D7628F2B6EB4}"/>
+              </a:ext>
+            </a:extLst>
+          </p:cNvPr>
+          <p:cNvSpPr txBox="1"/>
+          <p:nvPr/>
+        </p:nvSpPr>
+        <p:spPr>
+          <a:xfrm>
+            <a:off x="11128987" y="16853570"/>
+            <a:ext cx="3137746" cy="584775"/>
+          </a:xfrm>
+          <a:prstGeom prst="rect">
+            <a:avLst/>
+          </a:prstGeom>
+          <a:noFill/>
+        </p:spPr>
+        <p:txBody>
+          <a:bodyPr wrap="square" rtlCol="0">
+            <a:spAutoFit/>
+          </a:bodyPr>
+          <a:lstStyle/>
+          <a:p>
+            <a:pPr algn="ctr"/>
+            <a:r>
+              <a:rPr lang="en-US" sz="1600" dirty="0">
+                <a:latin typeface="Roboto" panose="02000000000000000000" pitchFamily="2" charset="0"/>
+                <a:ea typeface="Roboto" panose="02000000000000000000" pitchFamily="2" charset="0"/>
+                <a:cs typeface="Roboto" panose="02000000000000000000" pitchFamily="2" charset="0"/>
+              </a:rPr>
+              <a:t>Microbiota composition was also quite distinct</a:t>
+            </a:r>
+          </a:p>
+        </p:txBody>
+      </p:sp>
+      <p:sp>
+        <p:nvSpPr>
+          <p:cNvPr id="1079" name="TextBox 1078">
+            <a:extLst>
+              <a:ext uri="{FF2B5EF4-FFF2-40B4-BE49-F238E27FC236}">
+                <a16:creationId xmlns:a16="http://schemas.microsoft.com/office/drawing/2014/main" id="{F96B7CDD-343C-726A-F0FB-F07CF2C04847}"/>
+              </a:ext>
+            </a:extLst>
+          </p:cNvPr>
+          <p:cNvSpPr txBox="1"/>
+          <p:nvPr/>
+        </p:nvSpPr>
+        <p:spPr>
+          <a:xfrm>
+            <a:off x="14691888" y="16872351"/>
+            <a:ext cx="3367512" cy="584775"/>
+          </a:xfrm>
+          <a:prstGeom prst="rect">
+            <a:avLst/>
+          </a:prstGeom>
+          <a:noFill/>
+        </p:spPr>
+        <p:txBody>
+          <a:bodyPr wrap="square" rtlCol="0">
+            <a:spAutoFit/>
+          </a:bodyPr>
+          <a:lstStyle/>
+          <a:p>
+            <a:pPr algn="ctr"/>
+            <a:r>
+              <a:rPr lang="en-US" sz="1600" dirty="0">
+                <a:latin typeface="Roboto" panose="02000000000000000000" pitchFamily="2" charset="0"/>
+                <a:ea typeface="Roboto" panose="02000000000000000000" pitchFamily="2" charset="0"/>
+                <a:cs typeface="Roboto" panose="02000000000000000000" pitchFamily="2" charset="0"/>
+              </a:rPr>
+              <a:t>Composition of all three fractions, linking within-subject samples</a:t>
+            </a:r>
+          </a:p>
+        </p:txBody>
+      </p:sp>
+      <p:sp>
+        <p:nvSpPr>
+          <p:cNvPr id="1080" name="TextBox 1079">
+            <a:extLst>
+              <a:ext uri="{FF2B5EF4-FFF2-40B4-BE49-F238E27FC236}">
+                <a16:creationId xmlns:a16="http://schemas.microsoft.com/office/drawing/2014/main" id="{6722321F-FFF4-5B5E-03DD-BCC5DACF7B63}"/>
+              </a:ext>
+            </a:extLst>
+          </p:cNvPr>
+          <p:cNvSpPr txBox="1"/>
+          <p:nvPr/>
+        </p:nvSpPr>
+        <p:spPr>
+          <a:xfrm>
+            <a:off x="18337479" y="16872351"/>
+            <a:ext cx="3367512" cy="584775"/>
+          </a:xfrm>
+          <a:prstGeom prst="rect">
+            <a:avLst/>
+          </a:prstGeom>
+          <a:noFill/>
+        </p:spPr>
+        <p:txBody>
+          <a:bodyPr wrap="square" rtlCol="0">
+            <a:spAutoFit/>
+          </a:bodyPr>
+          <a:lstStyle/>
+          <a:p>
+            <a:pPr algn="ctr"/>
+            <a:r>
+              <a:rPr lang="en-US" sz="1600" dirty="0">
+                <a:latin typeface="Roboto" panose="02000000000000000000" pitchFamily="2" charset="0"/>
+                <a:ea typeface="Roboto" panose="02000000000000000000" pitchFamily="2" charset="0"/>
+                <a:cs typeface="Roboto" panose="02000000000000000000" pitchFamily="2" charset="0"/>
+              </a:rPr>
+              <a:t>IgG-Negative fractions are distinct from other fractions</a:t>
+            </a:r>
           </a:p>
         </p:txBody>
       </p:sp>

--- a/assets/CSHL_PPT_Poster_V2.pptx
+++ b/assets/CSHL_PPT_Poster_V2.pptx
@@ -128,12 +128,12 @@
   <pc:docChgLst>
     <pc:chgData name="McCauley, Kathryn (NIH/NIAID) [C]" userId="8123e298-eaa7-4067-960e-8e9acda1581f" providerId="ADAL" clId="{0C402FB5-1208-C94F-B091-6134B46BEC84}"/>
     <pc:docChg chg="undo custSel modSld">
-      <pc:chgData name="McCauley, Kathryn (NIH/NIAID) [C]" userId="8123e298-eaa7-4067-960e-8e9acda1581f" providerId="ADAL" clId="{0C402FB5-1208-C94F-B091-6134B46BEC84}" dt="2024-10-23T13:39:32.280" v="2428" actId="20577"/>
+      <pc:chgData name="McCauley, Kathryn (NIH/NIAID) [C]" userId="8123e298-eaa7-4067-960e-8e9acda1581f" providerId="ADAL" clId="{0C402FB5-1208-C94F-B091-6134B46BEC84}" dt="2024-10-24T13:43:56.863" v="2505" actId="208"/>
       <pc:docMkLst>
         <pc:docMk/>
       </pc:docMkLst>
       <pc:sldChg chg="addSp modSp mod">
-        <pc:chgData name="McCauley, Kathryn (NIH/NIAID) [C]" userId="8123e298-eaa7-4067-960e-8e9acda1581f" providerId="ADAL" clId="{0C402FB5-1208-C94F-B091-6134B46BEC84}" dt="2024-10-23T13:39:32.280" v="2428" actId="20577"/>
+        <pc:chgData name="McCauley, Kathryn (NIH/NIAID) [C]" userId="8123e298-eaa7-4067-960e-8e9acda1581f" providerId="ADAL" clId="{0C402FB5-1208-C94F-B091-6134B46BEC84}" dt="2024-10-24T13:43:56.863" v="2505" actId="208"/>
         <pc:sldMkLst>
           <pc:docMk/>
           <pc:sldMk cId="1538252808" sldId="257"/>
@@ -464,6 +464,14 @@
             <pc:docMk/>
             <pc:sldMk cId="1538252808" sldId="257"/>
             <ac:spMk id="1033" creationId="{E4445685-F59B-C83F-5687-D4DA7C4BEF5F}"/>
+          </ac:spMkLst>
+        </pc:spChg>
+        <pc:spChg chg="mod">
+          <ac:chgData name="McCauley, Kathryn (NIH/NIAID) [C]" userId="8123e298-eaa7-4067-960e-8e9acda1581f" providerId="ADAL" clId="{0C402FB5-1208-C94F-B091-6134B46BEC84}" dt="2024-10-24T13:42:28.437" v="2503" actId="20577"/>
+          <ac:spMkLst>
+            <pc:docMk/>
+            <pc:sldMk cId="1538252808" sldId="257"/>
+            <ac:spMk id="1034" creationId="{EAEE6457-6B12-F117-48AB-67C3D44F5EEE}"/>
           </ac:spMkLst>
         </pc:spChg>
         <pc:spChg chg="mod">
@@ -915,6 +923,22 @@
           </ac:picMkLst>
         </pc:picChg>
         <pc:cxnChg chg="mod">
+          <ac:chgData name="McCauley, Kathryn (NIH/NIAID) [C]" userId="8123e298-eaa7-4067-960e-8e9acda1581f" providerId="ADAL" clId="{0C402FB5-1208-C94F-B091-6134B46BEC84}" dt="2024-10-24T13:43:56.863" v="2505" actId="208"/>
+          <ac:cxnSpMkLst>
+            <pc:docMk/>
+            <pc:sldMk cId="1538252808" sldId="257"/>
+            <ac:cxnSpMk id="11" creationId="{D7336E74-C7DD-554B-F2A4-E5A42930AC10}"/>
+          </ac:cxnSpMkLst>
+        </pc:cxnChg>
+        <pc:cxnChg chg="mod">
+          <ac:chgData name="McCauley, Kathryn (NIH/NIAID) [C]" userId="8123e298-eaa7-4067-960e-8e9acda1581f" providerId="ADAL" clId="{0C402FB5-1208-C94F-B091-6134B46BEC84}" dt="2024-10-24T13:43:54.077" v="2504" actId="208"/>
+          <ac:cxnSpMkLst>
+            <pc:docMk/>
+            <pc:sldMk cId="1538252808" sldId="257"/>
+            <ac:cxnSpMk id="15" creationId="{2BA4C0FB-B0EC-F718-4D67-B3F733956AA8}"/>
+          </ac:cxnSpMkLst>
+        </pc:cxnChg>
+        <pc:cxnChg chg="mod">
           <ac:chgData name="McCauley, Kathryn (NIH/NIAID) [C]" userId="8123e298-eaa7-4067-960e-8e9acda1581f" providerId="ADAL" clId="{0C402FB5-1208-C94F-B091-6134B46BEC84}" dt="2024-10-23T13:37:28.768" v="2386" actId="1037"/>
           <ac:cxnSpMkLst>
             <pc:docMk/>
@@ -1026,7 +1050,7 @@
           <a:p>
             <a:fld id="{23FB4B41-4CCE-9541-B1BD-AD7E0745DD20}" type="datetimeFigureOut">
               <a:rPr lang="en-US" smtClean="0"/>
-              <a:t>10/23/24</a:t>
+              <a:t>10/24/24</a:t>
             </a:fld>
             <a:endParaRPr lang="en-US"/>
           </a:p>
@@ -1508,7 +1532,7 @@
           <a:p>
             <a:fld id="{DDCDFDCF-5B5E-9D4E-AA60-E7B60AA046F2}" type="datetimeFigureOut">
               <a:rPr lang="en-US" smtClean="0"/>
-              <a:t>10/23/24</a:t>
+              <a:t>10/24/24</a:t>
             </a:fld>
             <a:endParaRPr lang="en-US"/>
           </a:p>
@@ -1678,7 +1702,7 @@
           <a:p>
             <a:fld id="{DDCDFDCF-5B5E-9D4E-AA60-E7B60AA046F2}" type="datetimeFigureOut">
               <a:rPr lang="en-US" smtClean="0"/>
-              <a:t>10/23/24</a:t>
+              <a:t>10/24/24</a:t>
             </a:fld>
             <a:endParaRPr lang="en-US"/>
           </a:p>
@@ -1858,7 +1882,7 @@
           <a:p>
             <a:fld id="{DDCDFDCF-5B5E-9D4E-AA60-E7B60AA046F2}" type="datetimeFigureOut">
               <a:rPr lang="en-US" smtClean="0"/>
-              <a:t>10/23/24</a:t>
+              <a:t>10/24/24</a:t>
             </a:fld>
             <a:endParaRPr lang="en-US"/>
           </a:p>
@@ -2028,7 +2052,7 @@
           <a:p>
             <a:fld id="{DDCDFDCF-5B5E-9D4E-AA60-E7B60AA046F2}" type="datetimeFigureOut">
               <a:rPr lang="en-US" smtClean="0"/>
-              <a:t>10/23/24</a:t>
+              <a:t>10/24/24</a:t>
             </a:fld>
             <a:endParaRPr lang="en-US"/>
           </a:p>
@@ -2274,7 +2298,7 @@
           <a:p>
             <a:fld id="{DDCDFDCF-5B5E-9D4E-AA60-E7B60AA046F2}" type="datetimeFigureOut">
               <a:rPr lang="en-US" smtClean="0"/>
-              <a:t>10/23/24</a:t>
+              <a:t>10/24/24</a:t>
             </a:fld>
             <a:endParaRPr lang="en-US"/>
           </a:p>
@@ -2506,7 +2530,7 @@
           <a:p>
             <a:fld id="{DDCDFDCF-5B5E-9D4E-AA60-E7B60AA046F2}" type="datetimeFigureOut">
               <a:rPr lang="en-US" smtClean="0"/>
-              <a:t>10/23/24</a:t>
+              <a:t>10/24/24</a:t>
             </a:fld>
             <a:endParaRPr lang="en-US"/>
           </a:p>
@@ -2873,7 +2897,7 @@
           <a:p>
             <a:fld id="{DDCDFDCF-5B5E-9D4E-AA60-E7B60AA046F2}" type="datetimeFigureOut">
               <a:rPr lang="en-US" smtClean="0"/>
-              <a:t>10/23/24</a:t>
+              <a:t>10/24/24</a:t>
             </a:fld>
             <a:endParaRPr lang="en-US"/>
           </a:p>
@@ -2991,7 +3015,7 @@
           <a:p>
             <a:fld id="{DDCDFDCF-5B5E-9D4E-AA60-E7B60AA046F2}" type="datetimeFigureOut">
               <a:rPr lang="en-US" smtClean="0"/>
-              <a:t>10/23/24</a:t>
+              <a:t>10/24/24</a:t>
             </a:fld>
             <a:endParaRPr lang="en-US"/>
           </a:p>
@@ -3086,7 +3110,7 @@
           <a:p>
             <a:fld id="{DDCDFDCF-5B5E-9D4E-AA60-E7B60AA046F2}" type="datetimeFigureOut">
               <a:rPr lang="en-US" smtClean="0"/>
-              <a:t>10/23/24</a:t>
+              <a:t>10/24/24</a:t>
             </a:fld>
             <a:endParaRPr lang="en-US"/>
           </a:p>
@@ -3363,7 +3387,7 @@
           <a:p>
             <a:fld id="{DDCDFDCF-5B5E-9D4E-AA60-E7B60AA046F2}" type="datetimeFigureOut">
               <a:rPr lang="en-US" smtClean="0"/>
-              <a:t>10/23/24</a:t>
+              <a:t>10/24/24</a:t>
             </a:fld>
             <a:endParaRPr lang="en-US"/>
           </a:p>
@@ -3620,7 +3644,7 @@
           <a:p>
             <a:fld id="{DDCDFDCF-5B5E-9D4E-AA60-E7B60AA046F2}" type="datetimeFigureOut">
               <a:rPr lang="en-US" smtClean="0"/>
-              <a:t>10/23/24</a:t>
+              <a:t>10/24/24</a:t>
             </a:fld>
             <a:endParaRPr lang="en-US"/>
           </a:p>
@@ -3833,7 +3857,7 @@
           <a:p>
             <a:fld id="{DDCDFDCF-5B5E-9D4E-AA60-E7B60AA046F2}" type="datetimeFigureOut">
               <a:rPr lang="en-US" smtClean="0"/>
-              <a:t>10/23/24</a:t>
+              <a:t>10/24/24</a:t>
             </a:fld>
             <a:endParaRPr lang="en-US"/>
           </a:p>
@@ -7132,8 +7156,8 @@
         </p:nvSpPr>
         <p:spPr>
           <a:xfrm>
-            <a:off x="24048053" y="17522521"/>
-            <a:ext cx="14335592" cy="1446550"/>
+            <a:off x="24733853" y="17476801"/>
+            <a:ext cx="13795175" cy="1446550"/>
           </a:xfrm>
           <a:prstGeom prst="rect">
             <a:avLst/>
@@ -7153,7 +7177,7 @@
                 <a:ea typeface="Roboto" panose="02000000000000000000" pitchFamily="2" charset="0"/>
                 <a:cs typeface="Roboto" panose="02000000000000000000" pitchFamily="2" charset="0"/>
               </a:rPr>
-              <a:t>Bacteria With Differential Translocation Have Nominally Higher </a:t>
+              <a:t>Bacteria With Differential Translocation Exhibit Nominally Lower </a:t>
             </a:r>
             <a:r>
               <a:rPr lang="en-US" sz="4400" b="1" dirty="0">
@@ -7161,7 +7185,7 @@
                 <a:ea typeface="Roboto" panose="02000000000000000000" pitchFamily="2" charset="0"/>
                 <a:cs typeface="Roboto" panose="02000000000000000000" pitchFamily="2" charset="0"/>
               </a:rPr>
-              <a:t>Metabolic Activity </a:t>
+              <a:t>Growth Rates </a:t>
             </a:r>
             <a:r>
               <a:rPr lang="en-US" sz="4400" dirty="0">
@@ -7169,7 +7193,7 @@
                 <a:ea typeface="Roboto" panose="02000000000000000000" pitchFamily="2" charset="0"/>
                 <a:cs typeface="Roboto" panose="02000000000000000000" pitchFamily="2" charset="0"/>
               </a:rPr>
-              <a:t>in Healthy Volunteers</a:t>
+              <a:t>in PI-ME/CFS</a:t>
             </a:r>
           </a:p>
         </p:txBody>
@@ -9522,6 +9546,9 @@
             <a:avLst/>
           </a:prstGeom>
           <a:ln>
+            <a:solidFill>
+              <a:schemeClr val="tx1"/>
+            </a:solidFill>
             <a:tailEnd type="triangle"/>
           </a:ln>
         </p:spPr>
@@ -9563,6 +9590,9 @@
             <a:avLst/>
           </a:prstGeom>
           <a:ln>
+            <a:solidFill>
+              <a:schemeClr val="tx1"/>
+            </a:solidFill>
             <a:tailEnd type="triangle"/>
           </a:ln>
         </p:spPr>
